--- a/help/data-sheets/assets/EliteSupportDatasheet.pptx
+++ b/help/data-sheets/assets/EliteSupportDatasheet.pptx
@@ -151,9 +151,7 @@
 <file path=ppt/revisionInfo.xml><?xml version="1.0" encoding="utf-8"?>
 <p1510:revInfo xmlns:a="http://schemas.openxmlformats.org/drawingml/2006/main" xmlns:r="http://schemas.openxmlformats.org/officeDocument/2006/relationships" xmlns:p1510="http://schemas.microsoft.com/office/powerpoint/2015/10/main">
   <p1510:revLst>
-    <p1510:client id="{306579C9-8574-E621-57BF-C5D6F4C605CC}" v="6" dt="2021-09-22T22:58:26.163"/>
-    <p1510:client id="{86768B6F-E5DF-274A-B928-9320E1DF9962}" v="132" dt="2021-08-07T02:18:13.925"/>
-    <p1510:client id="{8C285145-5FF7-2B49-D44C-ABA3390CC068}" v="48" dt="2021-09-22T19:02:31.738"/>
+    <p1510:client id="{0BC4D7A0-4BBD-1B49-BE14-170949F0EA37}" v="4" dt="2021-10-13T19:10:14.670"/>
   </p1510:revLst>
 </p1510:revInfo>
 </file>
@@ -161,58 +159,26 @@
 <file path=ppt/changesInfos/changesInfo1.xml><?xml version="1.0" encoding="utf-8"?>
 <pc:chgInfo xmlns:a="http://schemas.openxmlformats.org/drawingml/2006/main" xmlns:r="http://schemas.openxmlformats.org/officeDocument/2006/relationships" xmlns:ac="http://schemas.microsoft.com/office/drawing/2013/main/command" xmlns:pc="http://schemas.microsoft.com/office/powerpoint/2013/main/command">
   <pc:docChgLst>
-    <pc:chgData name="Akilah Johnson" userId="S::akjohnso@adobe.com::2fa3aa60-0c9c-4d06-bae2-795983241227" providerId="AD" clId="Web-{306579C9-8574-E621-57BF-C5D6F4C605CC}"/>
+    <pc:chgData name="Lauren Schutte" userId="6e08b2d3-447a-4d66-86be-444d50df187f" providerId="ADAL" clId="{0BC4D7A0-4BBD-1B49-BE14-170949F0EA37}"/>
     <pc:docChg chg="modSld">
-      <pc:chgData name="Akilah Johnson" userId="S::akjohnso@adobe.com::2fa3aa60-0c9c-4d06-bae2-795983241227" providerId="AD" clId="Web-{306579C9-8574-E621-57BF-C5D6F4C605CC}" dt="2021-09-22T22:58:18.491" v="3"/>
+      <pc:chgData name="Lauren Schutte" userId="6e08b2d3-447a-4d66-86be-444d50df187f" providerId="ADAL" clId="{0BC4D7A0-4BBD-1B49-BE14-170949F0EA37}" dt="2021-10-13T19:10:14.671" v="3" actId="1035"/>
       <pc:docMkLst>
         <pc:docMk/>
       </pc:docMkLst>
-      <pc:sldChg chg="modSp">
-        <pc:chgData name="Akilah Johnson" userId="S::akjohnso@adobe.com::2fa3aa60-0c9c-4d06-bae2-795983241227" providerId="AD" clId="Web-{306579C9-8574-E621-57BF-C5D6F4C605CC}" dt="2021-09-22T22:58:18.491" v="3"/>
+      <pc:sldChg chg="modSp mod">
+        <pc:chgData name="Lauren Schutte" userId="6e08b2d3-447a-4d66-86be-444d50df187f" providerId="ADAL" clId="{0BC4D7A0-4BBD-1B49-BE14-170949F0EA37}" dt="2021-10-13T19:10:14.671" v="3" actId="1035"/>
         <pc:sldMkLst>
           <pc:docMk/>
-          <pc:sldMk cId="1050037809" sldId="261"/>
-        </pc:sldMkLst>
-        <pc:graphicFrameChg chg="mod modGraphic">
-          <ac:chgData name="Akilah Johnson" userId="S::akjohnso@adobe.com::2fa3aa60-0c9c-4d06-bae2-795983241227" providerId="AD" clId="Web-{306579C9-8574-E621-57BF-C5D6F4C605CC}" dt="2021-09-22T22:58:18.491" v="3"/>
-          <ac:graphicFrameMkLst>
-            <pc:docMk/>
-            <pc:sldMk cId="1050037809" sldId="261"/>
-            <ac:graphicFrameMk id="25" creationId="{3A91F5B0-3974-A14D-A146-FB590F2AAD18}"/>
-          </ac:graphicFrameMkLst>
-        </pc:graphicFrameChg>
-      </pc:sldChg>
-    </pc:docChg>
-  </pc:docChgLst>
-  <pc:docChgLst>
-    <pc:chgData name="Akilah Johnson" userId="S::akjohnso@adobe.com::2fa3aa60-0c9c-4d06-bae2-795983241227" providerId="AD" clId="Web-{8C285145-5FF7-2B49-D44C-ABA3390CC068}"/>
-    <pc:docChg chg="modSld">
-      <pc:chgData name="Akilah Johnson" userId="S::akjohnso@adobe.com::2fa3aa60-0c9c-4d06-bae2-795983241227" providerId="AD" clId="Web-{8C285145-5FF7-2B49-D44C-ABA3390CC068}" dt="2021-09-22T19:02:31.738" v="36" actId="1076"/>
-      <pc:docMkLst>
-        <pc:docMk/>
-      </pc:docMkLst>
-      <pc:sldChg chg="modSp">
-        <pc:chgData name="Akilah Johnson" userId="S::akjohnso@adobe.com::2fa3aa60-0c9c-4d06-bae2-795983241227" providerId="AD" clId="Web-{8C285145-5FF7-2B49-D44C-ABA3390CC068}" dt="2021-09-22T19:02:31.738" v="36" actId="1076"/>
-        <pc:sldMkLst>
-          <pc:docMk/>
-          <pc:sldMk cId="1050037809" sldId="261"/>
+          <pc:sldMk cId="0" sldId="256"/>
         </pc:sldMkLst>
         <pc:spChg chg="mod">
-          <ac:chgData name="Akilah Johnson" userId="S::akjohnso@adobe.com::2fa3aa60-0c9c-4d06-bae2-795983241227" providerId="AD" clId="Web-{8C285145-5FF7-2B49-D44C-ABA3390CC068}" dt="2021-09-22T19:02:31.738" v="36" actId="1076"/>
+          <ac:chgData name="Lauren Schutte" userId="6e08b2d3-447a-4d66-86be-444d50df187f" providerId="ADAL" clId="{0BC4D7A0-4BBD-1B49-BE14-170949F0EA37}" dt="2021-10-13T19:10:14.671" v="3" actId="1035"/>
           <ac:spMkLst>
             <pc:docMk/>
-            <pc:sldMk cId="1050037809" sldId="261"/>
-            <ac:spMk id="64" creationId="{41467BDC-3D83-D844-B922-CD07E94E5AAB}"/>
+            <pc:sldMk cId="0" sldId="256"/>
+            <ac:spMk id="4" creationId="{00000000-0000-0000-0000-000000000000}"/>
           </ac:spMkLst>
         </pc:spChg>
-        <pc:graphicFrameChg chg="mod modGraphic">
-          <ac:chgData name="Akilah Johnson" userId="S::akjohnso@adobe.com::2fa3aa60-0c9c-4d06-bae2-795983241227" providerId="AD" clId="Web-{8C285145-5FF7-2B49-D44C-ABA3390CC068}" dt="2021-09-22T18:59:49.504" v="34"/>
-          <ac:graphicFrameMkLst>
-            <pc:docMk/>
-            <pc:sldMk cId="1050037809" sldId="261"/>
-            <ac:graphicFrameMk id="25" creationId="{3A91F5B0-3974-A14D-A146-FB590F2AAD18}"/>
-          </ac:graphicFrameMkLst>
-        </pc:graphicFrameChg>
       </pc:sldChg>
     </pc:docChg>
   </pc:docChgLst>
@@ -301,7 +267,7 @@
           <a:p>
             <a:fld id="{C12E57D6-2086-AA47-A7A4-C0CDE7C14E44}" type="datetimeFigureOut">
               <a:rPr lang="en-US" smtClean="0"/>
-              <a:t>9/22/2021</a:t>
+              <a:t>10/13/2021</a:t>
             </a:fld>
             <a:endParaRPr lang="en-US"/>
           </a:p>
@@ -612,7 +578,7 @@
           <a:bodyPr/>
           <a:lstStyle/>
           <a:p>
-            <a:endParaRPr lang="en-US" dirty="0"/>
+            <a:endParaRPr lang="en-US"/>
           </a:p>
         </p:txBody>
       </p:sp>
@@ -696,7 +662,7 @@
           <a:bodyPr/>
           <a:lstStyle/>
           <a:p>
-            <a:endParaRPr lang="en-US" dirty="0"/>
+            <a:endParaRPr lang="en-US"/>
           </a:p>
         </p:txBody>
       </p:sp>
@@ -875,7 +841,7 @@
           <a:p>
             <a:fld id="{1D8BD707-D9CF-40AE-B4C6-C98DA3205C09}" type="datetimeFigureOut">
               <a:rPr lang="en-US"/>
-              <a:t>9/22/2021</a:t>
+              <a:t>10/13/2021</a:t>
             </a:fld>
             <a:endParaRPr lang="en-US"/>
           </a:p>
@@ -915,7 +881,7 @@
               </a:spcBef>
             </a:pPr>
             <a:r>
-              <a:rPr spc="-5" dirty="0"/>
+              <a:rPr spc="-5"/>
               <a:t>©</a:t>
             </a:r>
             <a:fld id="{81D60167-4931-47E6-BA6A-407CBD079E47}" type="slidenum">
@@ -923,35 +889,35 @@
               <a:t>‹#›</a:t>
             </a:fld>
             <a:r>
-              <a:rPr spc="-5" dirty="0"/>
+              <a:rPr spc="-5"/>
               <a:t> Adobe. All</a:t>
             </a:r>
             <a:r>
-              <a:rPr spc="-15" dirty="0"/>
+              <a:rPr spc="-15"/>
               <a:t> Rights</a:t>
             </a:r>
             <a:r>
-              <a:rPr spc="-10" dirty="0"/>
+              <a:rPr spc="-10"/>
               <a:t> </a:t>
             </a:r>
             <a:r>
-              <a:rPr spc="-15" dirty="0"/>
+              <a:rPr spc="-15"/>
               <a:t>Reserved.</a:t>
             </a:r>
             <a:r>
-              <a:rPr spc="-10" dirty="0"/>
+              <a:rPr spc="-10"/>
               <a:t> </a:t>
             </a:r>
             <a:r>
-              <a:rPr spc="-5" dirty="0"/>
+              <a:rPr spc="-5"/>
               <a:t>Adobe</a:t>
             </a:r>
             <a:r>
-              <a:rPr spc="60" dirty="0"/>
+              <a:rPr spc="60"/>
               <a:t> </a:t>
             </a:r>
             <a:r>
-              <a:rPr spc="-15" dirty="0"/>
+              <a:rPr spc="-15"/>
               <a:t>Confidential.</a:t>
             </a:r>
           </a:p>
@@ -1120,7 +1086,7 @@
           <a:p>
             <a:fld id="{1D8BD707-D9CF-40AE-B4C6-C98DA3205C09}" type="datetimeFigureOut">
               <a:rPr lang="en-US"/>
-              <a:t>9/22/2021</a:t>
+              <a:t>10/13/2021</a:t>
             </a:fld>
             <a:endParaRPr lang="en-US"/>
           </a:p>
@@ -1160,7 +1126,7 @@
               </a:spcBef>
             </a:pPr>
             <a:r>
-              <a:rPr spc="-5" dirty="0"/>
+              <a:rPr spc="-5"/>
               <a:t>©</a:t>
             </a:r>
             <a:fld id="{81D60167-4931-47E6-BA6A-407CBD079E47}" type="slidenum">
@@ -1168,35 +1134,35 @@
               <a:t>‹#›</a:t>
             </a:fld>
             <a:r>
-              <a:rPr spc="-5" dirty="0"/>
+              <a:rPr spc="-5"/>
               <a:t> Adobe. All</a:t>
             </a:r>
             <a:r>
-              <a:rPr spc="-15" dirty="0"/>
+              <a:rPr spc="-15"/>
               <a:t> Rights</a:t>
             </a:r>
             <a:r>
-              <a:rPr spc="-10" dirty="0"/>
+              <a:rPr spc="-10"/>
               <a:t> </a:t>
             </a:r>
             <a:r>
-              <a:rPr spc="-15" dirty="0"/>
+              <a:rPr spc="-15"/>
               <a:t>Reserved.</a:t>
             </a:r>
             <a:r>
-              <a:rPr spc="-10" dirty="0"/>
+              <a:rPr spc="-10"/>
               <a:t> </a:t>
             </a:r>
             <a:r>
-              <a:rPr spc="-5" dirty="0"/>
+              <a:rPr spc="-5"/>
               <a:t>Adobe</a:t>
             </a:r>
             <a:r>
-              <a:rPr spc="60" dirty="0"/>
+              <a:rPr spc="60"/>
               <a:t> </a:t>
             </a:r>
             <a:r>
-              <a:rPr spc="-15" dirty="0"/>
+              <a:rPr spc="-15"/>
               <a:t>Confidential.</a:t>
             </a:r>
           </a:p>
@@ -1378,7 +1344,7 @@
           <a:p>
             <a:fld id="{1D8BD707-D9CF-40AE-B4C6-C98DA3205C09}" type="datetimeFigureOut">
               <a:rPr lang="en-US"/>
-              <a:t>9/22/2021</a:t>
+              <a:t>10/13/2021</a:t>
             </a:fld>
             <a:endParaRPr lang="en-US"/>
           </a:p>
@@ -1418,7 +1384,7 @@
               </a:spcBef>
             </a:pPr>
             <a:r>
-              <a:rPr spc="-5" dirty="0"/>
+              <a:rPr spc="-5"/>
               <a:t>©</a:t>
             </a:r>
             <a:fld id="{81D60167-4931-47E6-BA6A-407CBD079E47}" type="slidenum">
@@ -1426,35 +1392,35 @@
               <a:t>‹#›</a:t>
             </a:fld>
             <a:r>
-              <a:rPr spc="-5" dirty="0"/>
+              <a:rPr spc="-5"/>
               <a:t> Adobe. All</a:t>
             </a:r>
             <a:r>
-              <a:rPr spc="-15" dirty="0"/>
+              <a:rPr spc="-15"/>
               <a:t> Rights</a:t>
             </a:r>
             <a:r>
-              <a:rPr spc="-10" dirty="0"/>
+              <a:rPr spc="-10"/>
               <a:t> </a:t>
             </a:r>
             <a:r>
-              <a:rPr spc="-15" dirty="0"/>
+              <a:rPr spc="-15"/>
               <a:t>Reserved.</a:t>
             </a:r>
             <a:r>
-              <a:rPr spc="-10" dirty="0"/>
+              <a:rPr spc="-10"/>
               <a:t> </a:t>
             </a:r>
             <a:r>
-              <a:rPr spc="-5" dirty="0"/>
+              <a:rPr spc="-5"/>
               <a:t>Adobe</a:t>
             </a:r>
             <a:r>
-              <a:rPr spc="60" dirty="0"/>
+              <a:rPr spc="60"/>
               <a:t> </a:t>
             </a:r>
             <a:r>
-              <a:rPr spc="-15" dirty="0"/>
+              <a:rPr spc="-15"/>
               <a:t>Confidential.</a:t>
             </a:r>
           </a:p>
@@ -1570,7 +1536,7 @@
           <a:p>
             <a:fld id="{1D8BD707-D9CF-40AE-B4C6-C98DA3205C09}" type="datetimeFigureOut">
               <a:rPr lang="en-US"/>
-              <a:t>9/22/2021</a:t>
+              <a:t>10/13/2021</a:t>
             </a:fld>
             <a:endParaRPr lang="en-US"/>
           </a:p>
@@ -1610,7 +1576,7 @@
               </a:spcBef>
             </a:pPr>
             <a:r>
-              <a:rPr spc="-5" dirty="0"/>
+              <a:rPr spc="-5"/>
               <a:t>©</a:t>
             </a:r>
             <a:fld id="{81D60167-4931-47E6-BA6A-407CBD079E47}" type="slidenum">
@@ -1618,35 +1584,35 @@
               <a:t>‹#›</a:t>
             </a:fld>
             <a:r>
-              <a:rPr spc="-5" dirty="0"/>
+              <a:rPr spc="-5"/>
               <a:t> Adobe. All</a:t>
             </a:r>
             <a:r>
-              <a:rPr spc="-15" dirty="0"/>
+              <a:rPr spc="-15"/>
               <a:t> Rights</a:t>
             </a:r>
             <a:r>
-              <a:rPr spc="-10" dirty="0"/>
+              <a:rPr spc="-10"/>
               <a:t> </a:t>
             </a:r>
             <a:r>
-              <a:rPr spc="-15" dirty="0"/>
+              <a:rPr spc="-15"/>
               <a:t>Reserved.</a:t>
             </a:r>
             <a:r>
-              <a:rPr spc="-10" dirty="0"/>
+              <a:rPr spc="-10"/>
               <a:t> </a:t>
             </a:r>
             <a:r>
-              <a:rPr spc="-5" dirty="0"/>
+              <a:rPr spc="-5"/>
               <a:t>Adobe</a:t>
             </a:r>
             <a:r>
-              <a:rPr spc="60" dirty="0"/>
+              <a:rPr spc="60"/>
               <a:t> </a:t>
             </a:r>
             <a:r>
-              <a:rPr spc="-15" dirty="0"/>
+              <a:rPr spc="-15"/>
               <a:t>Confidential.</a:t>
             </a:r>
           </a:p>
@@ -1733,7 +1699,7 @@
           <a:p>
             <a:fld id="{1D8BD707-D9CF-40AE-B4C6-C98DA3205C09}" type="datetimeFigureOut">
               <a:rPr lang="en-US"/>
-              <a:t>9/22/2021</a:t>
+              <a:t>10/13/2021</a:t>
             </a:fld>
             <a:endParaRPr lang="en-US"/>
           </a:p>
@@ -1773,7 +1739,7 @@
               </a:spcBef>
             </a:pPr>
             <a:r>
-              <a:rPr spc="-5" dirty="0"/>
+              <a:rPr spc="-5"/>
               <a:t>©</a:t>
             </a:r>
             <a:fld id="{81D60167-4931-47E6-BA6A-407CBD079E47}" type="slidenum">
@@ -1781,35 +1747,35 @@
               <a:t>‹#›</a:t>
             </a:fld>
             <a:r>
-              <a:rPr spc="-5" dirty="0"/>
+              <a:rPr spc="-5"/>
               <a:t> Adobe. All</a:t>
             </a:r>
             <a:r>
-              <a:rPr spc="-15" dirty="0"/>
+              <a:rPr spc="-15"/>
               <a:t> Rights</a:t>
             </a:r>
             <a:r>
-              <a:rPr spc="-10" dirty="0"/>
+              <a:rPr spc="-10"/>
               <a:t> </a:t>
             </a:r>
             <a:r>
-              <a:rPr spc="-15" dirty="0"/>
+              <a:rPr spc="-15"/>
               <a:t>Reserved.</a:t>
             </a:r>
             <a:r>
-              <a:rPr spc="-10" dirty="0"/>
+              <a:rPr spc="-10"/>
               <a:t> </a:t>
             </a:r>
             <a:r>
-              <a:rPr spc="-5" dirty="0"/>
+              <a:rPr spc="-5"/>
               <a:t>Adobe</a:t>
             </a:r>
             <a:r>
-              <a:rPr spc="60" dirty="0"/>
+              <a:rPr spc="60"/>
               <a:t> </a:t>
             </a:r>
             <a:r>
-              <a:rPr spc="-15" dirty="0"/>
+              <a:rPr spc="-15"/>
               <a:t>Confidential.</a:t>
             </a:r>
           </a:p>
@@ -1996,7 +1962,7 @@
           <a:p>
             <a:fld id="{1D8BD707-D9CF-40AE-B4C6-C98DA3205C09}" type="datetimeFigureOut">
               <a:rPr lang="en-US"/>
-              <a:t>9/22/2021</a:t>
+              <a:t>10/13/2021</a:t>
             </a:fld>
             <a:endParaRPr lang="en-US"/>
           </a:p>
@@ -2046,7 +2012,7 @@
               </a:spcBef>
             </a:pPr>
             <a:r>
-              <a:rPr spc="-5" dirty="0"/>
+              <a:rPr spc="-5"/>
               <a:t>©</a:t>
             </a:r>
             <a:fld id="{81D60167-4931-47E6-BA6A-407CBD079E47}" type="slidenum">
@@ -2054,35 +2020,35 @@
               <a:t>‹#›</a:t>
             </a:fld>
             <a:r>
-              <a:rPr spc="-5" dirty="0"/>
+              <a:rPr spc="-5"/>
               <a:t> Adobe. All</a:t>
             </a:r>
             <a:r>
-              <a:rPr spc="-15" dirty="0"/>
+              <a:rPr spc="-15"/>
               <a:t> Rights</a:t>
             </a:r>
             <a:r>
-              <a:rPr spc="-10" dirty="0"/>
+              <a:rPr spc="-10"/>
               <a:t> </a:t>
             </a:r>
             <a:r>
-              <a:rPr spc="-15" dirty="0"/>
+              <a:rPr spc="-15"/>
               <a:t>Reserved.</a:t>
             </a:r>
             <a:r>
-              <a:rPr spc="-10" dirty="0"/>
+              <a:rPr spc="-10"/>
               <a:t> </a:t>
             </a:r>
             <a:r>
-              <a:rPr spc="-5" dirty="0"/>
+              <a:rPr spc="-5"/>
               <a:t>Adobe</a:t>
             </a:r>
             <a:r>
-              <a:rPr spc="60" dirty="0"/>
+              <a:rPr spc="60"/>
               <a:t> </a:t>
             </a:r>
             <a:r>
-              <a:rPr spc="-15" dirty="0"/>
+              <a:rPr spc="-15"/>
               <a:t>Confidential.</a:t>
             </a:r>
           </a:p>
@@ -2279,25 +2245,27 @@
           </a:prstGeom>
         </p:spPr>
         <p:txBody>
-          <a:bodyPr vert="horz" wrap="square" lIns="0" tIns="12700" rIns="0" bIns="0" rtlCol="0">
+          <a:bodyPr vert="horz" wrap="square" lIns="0" tIns="12700" rIns="0" bIns="0" rtlCol="0" anchor="t">
             <a:spAutoFit/>
           </a:bodyPr>
           <a:lstStyle/>
           <a:p>
             <a:pPr marL="12700">
-              <a:lnSpc>
-                <a:spcPct val="100000"/>
-              </a:lnSpc>
               <a:spcBef>
                 <a:spcPts val="100"/>
               </a:spcBef>
             </a:pPr>
             <a:r>
-              <a:rPr sz="2300" dirty="0">
-                <a:latin typeface="Adobe Clean" panose="020B0503020404020204" pitchFamily="34" charset="0"/>
-              </a:rPr>
-              <a:t>ADOBE SUPPORTOFFERINGS</a:t>
-            </a:r>
+              <a:rPr sz="2300"/>
+              <a:t>ADOBE </a:t>
+            </a:r>
+            <a:r>
+              <a:rPr lang="en-US" sz="2300"/>
+              <a:t>SUPPORT PLANS</a:t>
+            </a:r>
+            <a:endParaRPr sz="2300">
+              <a:latin typeface="Adobe Clean" panose="020B0503020404020204" pitchFamily="34" charset="0"/>
+            </a:endParaRPr>
           </a:p>
         </p:txBody>
       </p:sp>
@@ -2331,7 +2299,7 @@
               </a:spcBef>
             </a:pPr>
             <a:r>
-              <a:rPr sz="1100" spc="-5" dirty="0">
+              <a:rPr sz="1100" spc="-5">
                 <a:solidFill>
                   <a:srgbClr val="FFFFFF"/>
                 </a:solidFill>
@@ -2341,7 +2309,7 @@
               <a:t>Online</a:t>
             </a:r>
             <a:r>
-              <a:rPr sz="1100" dirty="0">
+              <a:rPr sz="1100">
                 <a:solidFill>
                   <a:srgbClr val="FFFFFF"/>
                 </a:solidFill>
@@ -2351,7 +2319,7 @@
               <a:t> |</a:t>
             </a:r>
             <a:r>
-              <a:rPr sz="1100" spc="5" dirty="0">
+              <a:rPr sz="1100" spc="5">
                 <a:solidFill>
                   <a:srgbClr val="FFFFFF"/>
                 </a:solidFill>
@@ -2361,7 +2329,7 @@
               <a:t> </a:t>
             </a:r>
             <a:r>
-              <a:rPr sz="1100" spc="-5" dirty="0">
+              <a:rPr sz="1100" spc="-5">
                 <a:solidFill>
                   <a:srgbClr val="FFFFFF"/>
                 </a:solidFill>
@@ -2371,7 +2339,7 @@
               <a:t>Business</a:t>
             </a:r>
             <a:r>
-              <a:rPr sz="1100" dirty="0">
+              <a:rPr sz="1100">
                 <a:solidFill>
                   <a:srgbClr val="FFFFFF"/>
                 </a:solidFill>
@@ -2381,7 +2349,7 @@
               <a:t> |</a:t>
             </a:r>
             <a:r>
-              <a:rPr sz="1100" spc="10" dirty="0">
+              <a:rPr sz="1100" spc="10">
                 <a:solidFill>
                   <a:srgbClr val="FFFFFF"/>
                 </a:solidFill>
@@ -2391,7 +2359,7 @@
               <a:t> </a:t>
             </a:r>
             <a:r>
-              <a:rPr sz="1100" spc="-5" dirty="0">
+              <a:rPr sz="1100" spc="-5">
                 <a:solidFill>
                   <a:srgbClr val="FFFFFF"/>
                 </a:solidFill>
@@ -2401,7 +2369,7 @@
               <a:t>Enterprise</a:t>
             </a:r>
             <a:r>
-              <a:rPr sz="1100" spc="10" dirty="0">
+              <a:rPr sz="1100" spc="10">
                 <a:solidFill>
                   <a:srgbClr val="FFFFFF"/>
                 </a:solidFill>
@@ -2411,7 +2379,7 @@
               <a:t> </a:t>
             </a:r>
             <a:r>
-              <a:rPr sz="1100" dirty="0">
+              <a:rPr sz="1100">
                 <a:solidFill>
                   <a:srgbClr val="FFFFFF"/>
                 </a:solidFill>
@@ -2421,7 +2389,7 @@
               <a:t>|</a:t>
             </a:r>
             <a:r>
-              <a:rPr sz="1100" spc="5" dirty="0">
+              <a:rPr sz="1100" spc="5">
                 <a:solidFill>
                   <a:srgbClr val="FFFFFF"/>
                 </a:solidFill>
@@ -2431,7 +2399,7 @@
               <a:t> </a:t>
             </a:r>
             <a:r>
-              <a:rPr sz="1100" b="1" spc="-65" dirty="0">
+              <a:rPr sz="1100" b="1" spc="-65">
                 <a:solidFill>
                   <a:srgbClr val="FFFFFF"/>
                 </a:solidFill>
@@ -2440,7 +2408,7 @@
               </a:rPr>
               <a:t>Elite</a:t>
             </a:r>
-            <a:endParaRPr sz="1100" dirty="0">
+            <a:endParaRPr sz="1100">
               <a:latin typeface="Arial"/>
               <a:cs typeface="Arial"/>
             </a:endParaRPr>
@@ -2452,7 +2420,7 @@
               </a:spcBef>
             </a:pPr>
             <a:r>
-              <a:rPr lang="en-US" sz="900" dirty="0">
+              <a:rPr lang="en-US" sz="900">
                 <a:solidFill>
                   <a:schemeClr val="bg1"/>
                 </a:solidFill>
@@ -2460,7 +2428,7 @@
               </a:rPr>
               <a:t>Adobe provides a comprehensive range of technical resources to help support your business included as part of your Experience Cloud license subscription and further enhanced in the ELITE support package. ELITE support includes access to personalized learning paths and monitored community forums via the Adobe Experience League. You can also take advantage of our detailed and in-depth technical product documentation and current release notes. ELITE customers will also have access to a Named Support Engineer as well as a Technical Account Manager who combine and work in partnership with you to provide best in class proactive and reactive support while acting as your designated technical contacts in the Adobe Support Team. With deep experience in your designated Experience Cloud solutions, your support team work to ensure that no matter how complex your support needs are, the Adobe Support team will be there side by side with you throughout, to ensure you maximize your investment in the Adobe Experience Cloud solutions and to help you avoid problems before they happen.</a:t>
             </a:r>
-            <a:endParaRPr sz="900" dirty="0">
+            <a:endParaRPr sz="900">
               <a:solidFill>
                 <a:schemeClr val="bg1"/>
               </a:solidFill>
@@ -2478,7 +2446,7 @@
         </p:nvSpPr>
         <p:spPr>
           <a:xfrm>
-            <a:off x="168564" y="7024371"/>
+            <a:off x="168564" y="7162800"/>
             <a:ext cx="2780665" cy="238760"/>
           </a:xfrm>
           <a:prstGeom prst="rect">
@@ -2500,7 +2468,7 @@
               </a:spcBef>
             </a:pPr>
             <a:r>
-              <a:rPr sz="1400" b="1" u="heavy" spc="20" dirty="0">
+              <a:rPr sz="1400" b="1" u="heavy" spc="20">
                 <a:solidFill>
                   <a:srgbClr val="020302"/>
                 </a:solidFill>
@@ -2515,7 +2483,7 @@
               <a:t>S</a:t>
             </a:r>
             <a:r>
-              <a:rPr sz="1400" b="1" u="heavy" dirty="0">
+              <a:rPr sz="1400" b="1" u="heavy">
                 <a:solidFill>
                   <a:srgbClr val="020302"/>
                 </a:solidFill>
@@ -2530,7 +2498,7 @@
               <a:t>er</a:t>
             </a:r>
             <a:r>
-              <a:rPr sz="1400" b="1" u="heavy" spc="10" dirty="0">
+              <a:rPr sz="1400" b="1" u="heavy" spc="10">
                 <a:solidFill>
                   <a:srgbClr val="020302"/>
                 </a:solidFill>
@@ -2545,7 +2513,7 @@
               <a:t>vi</a:t>
             </a:r>
             <a:r>
-              <a:rPr sz="1400" b="1" u="heavy" dirty="0">
+              <a:rPr sz="1400" b="1" u="heavy">
                 <a:solidFill>
                   <a:srgbClr val="020302"/>
                 </a:solidFill>
@@ -2560,7 +2528,7 @@
               <a:t>ce</a:t>
             </a:r>
             <a:r>
-              <a:rPr sz="1400" b="1" u="heavy" spc="20" dirty="0">
+              <a:rPr sz="1400" b="1" u="heavy" spc="20">
                 <a:solidFill>
                   <a:srgbClr val="020302"/>
                 </a:solidFill>
@@ -2575,7 +2543,7 @@
               <a:t> </a:t>
             </a:r>
             <a:r>
-              <a:rPr sz="1400" b="1" u="heavy" spc="-20" dirty="0">
+              <a:rPr sz="1400" b="1" u="heavy" spc="-20">
                 <a:solidFill>
                   <a:srgbClr val="020302"/>
                 </a:solidFill>
@@ -2590,7 +2558,7 @@
               <a:t>Le</a:t>
             </a:r>
             <a:r>
-              <a:rPr sz="1400" b="1" u="heavy" spc="-10" dirty="0">
+              <a:rPr sz="1400" b="1" u="heavy" spc="-10">
                 <a:solidFill>
                   <a:srgbClr val="020302"/>
                 </a:solidFill>
@@ -2605,7 +2573,7 @@
               <a:t>v</a:t>
             </a:r>
             <a:r>
-              <a:rPr sz="1400" b="1" u="heavy" spc="-20" dirty="0">
+              <a:rPr sz="1400" b="1" u="heavy" spc="-20">
                 <a:solidFill>
                   <a:srgbClr val="020302"/>
                 </a:solidFill>
@@ -2620,7 +2588,7 @@
               <a:t>e</a:t>
             </a:r>
             <a:r>
-              <a:rPr sz="1400" b="1" u="heavy" dirty="0">
+              <a:rPr sz="1400" b="1" u="heavy">
                 <a:solidFill>
                   <a:srgbClr val="020302"/>
                 </a:solidFill>
@@ -2635,7 +2603,7 @@
               <a:t>l</a:t>
             </a:r>
             <a:r>
-              <a:rPr sz="1400" b="1" u="heavy" spc="-10" dirty="0">
+              <a:rPr sz="1400" b="1" u="heavy" spc="-10">
                 <a:solidFill>
                   <a:srgbClr val="020302"/>
                 </a:solidFill>
@@ -2650,7 +2618,7 @@
               <a:t> </a:t>
             </a:r>
             <a:r>
-              <a:rPr sz="1400" b="1" u="heavy" spc="-65" dirty="0">
+              <a:rPr sz="1400" b="1" u="heavy" spc="-65">
                 <a:solidFill>
                   <a:srgbClr val="020302"/>
                 </a:solidFill>
@@ -2665,7 +2633,7 @@
               <a:t>T</a:t>
             </a:r>
             <a:r>
-              <a:rPr sz="1400" b="1" u="heavy" spc="-35" dirty="0">
+              <a:rPr sz="1400" b="1" u="heavy" spc="-35">
                 <a:solidFill>
                   <a:srgbClr val="020302"/>
                 </a:solidFill>
@@ -2680,7 +2648,7 @@
               <a:t>a</a:t>
             </a:r>
             <a:r>
-              <a:rPr sz="1400" b="1" u="heavy" spc="-45" dirty="0">
+              <a:rPr sz="1400" b="1" u="heavy" spc="-45">
                 <a:solidFill>
                   <a:srgbClr val="020302"/>
                 </a:solidFill>
@@ -2695,7 +2663,7 @@
               <a:t>r</a:t>
             </a:r>
             <a:r>
-              <a:rPr sz="1400" b="1" u="heavy" spc="-35" dirty="0">
+              <a:rPr sz="1400" b="1" u="heavy" spc="-35">
                 <a:solidFill>
                   <a:srgbClr val="020302"/>
                 </a:solidFill>
@@ -2710,7 +2678,7 @@
               <a:t>g</a:t>
             </a:r>
             <a:r>
-              <a:rPr sz="1400" b="1" u="heavy" spc="-55" dirty="0">
+              <a:rPr sz="1400" b="1" u="heavy" spc="-55">
                 <a:solidFill>
                   <a:srgbClr val="020302"/>
                 </a:solidFill>
@@ -2725,7 +2693,7 @@
               <a:t>et</a:t>
             </a:r>
             <a:r>
-              <a:rPr sz="1400" b="1" u="heavy" spc="-45" dirty="0">
+              <a:rPr sz="1400" b="1" u="heavy" spc="-45">
                 <a:solidFill>
                   <a:srgbClr val="020302"/>
                 </a:solidFill>
@@ -2740,7 +2708,7 @@
               <a:t>s</a:t>
             </a:r>
             <a:r>
-              <a:rPr sz="1400" b="1" u="heavy" dirty="0">
+              <a:rPr sz="1400" b="1" u="heavy">
                 <a:solidFill>
                   <a:srgbClr val="020302"/>
                 </a:solidFill>
@@ -2755,7 +2723,7 @@
               <a:t>:</a:t>
             </a:r>
             <a:r>
-              <a:rPr sz="1400" b="1" u="heavy" spc="-80" dirty="0">
+              <a:rPr sz="1400" b="1" u="heavy" spc="-80">
                 <a:solidFill>
                   <a:srgbClr val="020302"/>
                 </a:solidFill>
@@ -2770,7 +2738,7 @@
               <a:t> </a:t>
             </a:r>
             <a:r>
-              <a:rPr sz="1400" b="1" u="heavy" spc="-20" dirty="0">
+              <a:rPr sz="1400" b="1" u="heavy" spc="-20">
                 <a:solidFill>
                   <a:srgbClr val="020302"/>
                 </a:solidFill>
@@ -2785,7 +2753,7 @@
               <a:t>I</a:t>
             </a:r>
             <a:r>
-              <a:rPr sz="1400" b="1" u="heavy" spc="-10" dirty="0">
+              <a:rPr sz="1400" b="1" u="heavy" spc="-10">
                 <a:solidFill>
                   <a:srgbClr val="020302"/>
                 </a:solidFill>
@@ -2800,7 +2768,7 @@
               <a:t>ni</a:t>
             </a:r>
             <a:r>
-              <a:rPr sz="1400" b="1" u="heavy" spc="-20" dirty="0">
+              <a:rPr sz="1400" b="1" u="heavy" spc="-20">
                 <a:solidFill>
                   <a:srgbClr val="020302"/>
                 </a:solidFill>
@@ -2815,7 +2783,7 @@
               <a:t>t</a:t>
             </a:r>
             <a:r>
-              <a:rPr sz="1400" b="1" u="heavy" spc="-10" dirty="0">
+              <a:rPr sz="1400" b="1" u="heavy" spc="-10">
                 <a:solidFill>
                   <a:srgbClr val="020302"/>
                 </a:solidFill>
@@ -2830,7 +2798,7 @@
               <a:t>i</a:t>
             </a:r>
             <a:r>
-              <a:rPr sz="1400" b="1" u="heavy" dirty="0">
+              <a:rPr sz="1400" b="1" u="heavy">
                 <a:solidFill>
                   <a:srgbClr val="020302"/>
                 </a:solidFill>
@@ -2845,7 +2813,7 @@
               <a:t>al</a:t>
             </a:r>
             <a:r>
-              <a:rPr sz="1400" b="1" u="heavy" spc="-140" dirty="0">
+              <a:rPr sz="1400" b="1" u="heavy" spc="-140">
                 <a:solidFill>
                   <a:srgbClr val="020302"/>
                 </a:solidFill>
@@ -2860,7 +2828,7 @@
               <a:t> </a:t>
             </a:r>
             <a:r>
-              <a:rPr sz="1400" b="1" u="heavy" spc="-15" dirty="0">
+              <a:rPr sz="1400" b="1" u="heavy" spc="-15">
                 <a:solidFill>
                   <a:srgbClr val="020302"/>
                 </a:solidFill>
@@ -2875,7 +2843,7 @@
               <a:t>R</a:t>
             </a:r>
             <a:r>
-              <a:rPr sz="1400" b="1" u="heavy" spc="-25" dirty="0">
+              <a:rPr sz="1400" b="1" u="heavy" spc="-25">
                 <a:solidFill>
                   <a:srgbClr val="020302"/>
                 </a:solidFill>
@@ -2890,7 +2858,7 @@
               <a:t>e</a:t>
             </a:r>
             <a:r>
-              <a:rPr sz="1400" b="1" u="heavy" spc="-15" dirty="0">
+              <a:rPr sz="1400" b="1" u="heavy" spc="-15">
                 <a:solidFill>
                   <a:srgbClr val="020302"/>
                 </a:solidFill>
@@ -2905,7 +2873,7 @@
               <a:t>s</a:t>
             </a:r>
             <a:r>
-              <a:rPr sz="1400" b="1" u="heavy" spc="-25" dirty="0">
+              <a:rPr sz="1400" b="1" u="heavy" spc="-25">
                 <a:solidFill>
                   <a:srgbClr val="020302"/>
                 </a:solidFill>
@@ -2920,7 +2888,7 @@
               <a:t>p</a:t>
             </a:r>
             <a:r>
-              <a:rPr sz="1400" b="1" u="heavy" spc="-15" dirty="0">
+              <a:rPr sz="1400" b="1" u="heavy" spc="-15">
                 <a:solidFill>
                   <a:srgbClr val="020302"/>
                 </a:solidFill>
@@ -2935,7 +2903,7 @@
               <a:t>ons</a:t>
             </a:r>
             <a:r>
-              <a:rPr sz="1400" b="1" u="heavy" dirty="0">
+              <a:rPr sz="1400" b="1" u="heavy">
                 <a:solidFill>
                   <a:srgbClr val="020302"/>
                 </a:solidFill>
@@ -2949,7 +2917,7 @@
               </a:rPr>
               <a:t>e</a:t>
             </a:r>
-            <a:endParaRPr sz="1400" dirty="0">
+            <a:endParaRPr sz="1400">
               <a:latin typeface="Adobe Clean"/>
               <a:cs typeface="Adobe Clean"/>
             </a:endParaRPr>
@@ -3018,7 +2986,7 @@
                         </a:spcBef>
                       </a:pPr>
                       <a:r>
-                        <a:rPr sz="900" spc="0" dirty="0">
+                        <a:rPr sz="900" spc="0">
                           <a:solidFill>
                             <a:srgbClr val="020302"/>
                           </a:solidFill>
@@ -3027,7 +2995,7 @@
                         </a:rPr>
                         <a:t>Priority</a:t>
                       </a:r>
-                      <a:endParaRPr sz="900" spc="0" dirty="0">
+                      <a:endParaRPr sz="900" spc="0">
                         <a:latin typeface="Adobe Clean"/>
                         <a:cs typeface="Adobe Clean"/>
                       </a:endParaRPr>
@@ -3077,7 +3045,7 @@
                         </a:spcBef>
                       </a:pPr>
                       <a:r>
-                        <a:rPr sz="900" spc="0" dirty="0">
+                        <a:rPr sz="900" spc="0">
                           <a:solidFill>
                             <a:srgbClr val="020302"/>
                           </a:solidFill>
@@ -3087,7 +3055,7 @@
                         <a:t>Online</a:t>
                       </a:r>
                       <a:r>
-                        <a:rPr lang="en-US" sz="900" spc="0" dirty="0">
+                        <a:rPr lang="en-US" sz="900" spc="0">
                           <a:solidFill>
                             <a:srgbClr val="020302"/>
                           </a:solidFill>
@@ -3097,7 +3065,7 @@
                         <a:t> </a:t>
                       </a:r>
                       <a:r>
-                        <a:rPr sz="900" spc="0" dirty="0">
+                        <a:rPr sz="900" spc="0">
                           <a:solidFill>
                             <a:srgbClr val="020302"/>
                           </a:solidFill>
@@ -3106,7 +3074,7 @@
                         </a:rPr>
                         <a:t> Support</a:t>
                       </a:r>
-                      <a:endParaRPr sz="900" spc="0" dirty="0">
+                      <a:endParaRPr sz="900" spc="0">
                         <a:latin typeface="Adobe Clean"/>
                         <a:cs typeface="Adobe Clean"/>
                       </a:endParaRPr>
@@ -3159,7 +3127,7 @@
                         </a:spcBef>
                       </a:pPr>
                       <a:r>
-                        <a:rPr sz="900" spc="0" dirty="0">
+                        <a:rPr sz="900" spc="0">
                           <a:solidFill>
                             <a:srgbClr val="FFFFFF"/>
                           </a:solidFill>
@@ -3169,7 +3137,7 @@
                         <a:t>Elite </a:t>
                       </a:r>
                       <a:r>
-                        <a:rPr lang="en-US" sz="900" spc="0" dirty="0">
+                        <a:rPr lang="en-US" sz="900" spc="0">
                           <a:solidFill>
                             <a:srgbClr val="FFFFFF"/>
                           </a:solidFill>
@@ -3179,7 +3147,7 @@
                         <a:t> </a:t>
                       </a:r>
                       <a:r>
-                        <a:rPr sz="900" spc="0" dirty="0">
+                        <a:rPr sz="900" spc="0">
                           <a:solidFill>
                             <a:srgbClr val="FFFFFF"/>
                           </a:solidFill>
@@ -3188,7 +3156,7 @@
                         </a:rPr>
                         <a:t>Support</a:t>
                       </a:r>
-                      <a:endParaRPr sz="900" spc="0" dirty="0">
+                      <a:endParaRPr sz="900" spc="0">
                         <a:latin typeface="Adobe Clean"/>
                         <a:cs typeface="Adobe Clean"/>
                       </a:endParaRPr>
@@ -3248,7 +3216,7 @@
                         </a:spcBef>
                       </a:pPr>
                       <a:r>
-                        <a:rPr sz="900" b="1" spc="0" dirty="0">
+                        <a:rPr sz="900" b="1" spc="0">
                           <a:solidFill>
                             <a:srgbClr val="020302"/>
                           </a:solidFill>
@@ -3257,7 +3225,7 @@
                         </a:rPr>
                         <a:t>PRIORITY 1</a:t>
                       </a:r>
-                      <a:endParaRPr sz="900" spc="0" dirty="0">
+                      <a:endParaRPr sz="900" spc="0">
                         <a:latin typeface="Adobe Clean"/>
                         <a:cs typeface="Adobe Clean"/>
                       </a:endParaRPr>
@@ -3272,7 +3240,7 @@
                         </a:spcBef>
                       </a:pPr>
                       <a:r>
-                        <a:rPr lang="en-US" sz="900" b="0" i="0" u="none" strike="noStrike" spc="0" dirty="0">
+                        <a:rPr lang="en-US" sz="900" b="0" i="0" u="none" strike="noStrike" spc="0">
                           <a:solidFill>
                             <a:srgbClr val="000000"/>
                           </a:solidFill>
@@ -3281,7 +3249,7 @@
                         </a:rPr>
                         <a:t>Customer's production business functions are down or have significant data loss or service degradation and immediate attention is required to restore functionality and usability</a:t>
                       </a:r>
-                      <a:endParaRPr sz="900" spc="0" dirty="0">
+                      <a:endParaRPr sz="900" spc="0">
                         <a:latin typeface="AdobeClean-Light"/>
                         <a:cs typeface="AdobeClean-Light"/>
                       </a:endParaRPr>
@@ -3328,7 +3296,7 @@
                         </a:lnSpc>
                       </a:pPr>
                       <a:r>
-                        <a:rPr sz="900" spc="0" dirty="0">
+                        <a:rPr sz="900" spc="0">
                           <a:solidFill>
                             <a:srgbClr val="020302"/>
                           </a:solidFill>
@@ -3338,7 +3306,7 @@
                         <a:t>24x7</a:t>
                       </a:r>
                       <a:r>
-                        <a:rPr lang="en-US" sz="900" spc="0" dirty="0">
+                        <a:rPr lang="en-US" sz="900" spc="0">
                           <a:solidFill>
                             <a:srgbClr val="020302"/>
                           </a:solidFill>
@@ -3348,7 +3316,7 @@
                         <a:t> </a:t>
                       </a:r>
                       <a:r>
-                        <a:rPr sz="900" spc="0" dirty="0">
+                        <a:rPr sz="900" spc="0">
                           <a:solidFill>
                             <a:srgbClr val="020302"/>
                           </a:solidFill>
@@ -3358,7 +3326,7 @@
                         <a:t>/</a:t>
                       </a:r>
                       <a:r>
-                        <a:rPr lang="en-US" sz="900" spc="0" dirty="0">
+                        <a:rPr lang="en-US" sz="900" spc="0">
                           <a:solidFill>
                             <a:srgbClr val="020302"/>
                           </a:solidFill>
@@ -3368,7 +3336,7 @@
                         <a:t>         </a:t>
                       </a:r>
                       <a:r>
-                        <a:rPr sz="900" spc="0" dirty="0">
+                        <a:rPr sz="900" spc="0">
                           <a:solidFill>
                             <a:srgbClr val="020302"/>
                           </a:solidFill>
@@ -3378,7 +3346,7 @@
                         <a:t>  1</a:t>
                       </a:r>
                       <a:r>
-                        <a:rPr lang="en-US" sz="900" spc="0" dirty="0">
+                        <a:rPr lang="en-US" sz="900" spc="0">
                           <a:solidFill>
                             <a:srgbClr val="020302"/>
                           </a:solidFill>
@@ -3388,7 +3356,7 @@
                         <a:t> </a:t>
                       </a:r>
                       <a:r>
-                        <a:rPr sz="900" spc="0" dirty="0">
+                        <a:rPr sz="900" spc="0">
                           <a:solidFill>
                             <a:srgbClr val="020302"/>
                           </a:solidFill>
@@ -3397,7 +3365,7 @@
                         </a:rPr>
                         <a:t>hour</a:t>
                       </a:r>
-                      <a:endParaRPr sz="900" spc="0" dirty="0">
+                      <a:endParaRPr sz="900" spc="0">
                         <a:latin typeface="AdobeClean-Light"/>
                         <a:cs typeface="AdobeClean-Light"/>
                       </a:endParaRPr>
@@ -3444,7 +3412,7 @@
                         </a:lnSpc>
                       </a:pPr>
                       <a:r>
-                        <a:rPr lang="en-US" sz="900" spc="0" dirty="0">
+                        <a:rPr lang="en-US" sz="900" spc="0">
                           <a:solidFill>
                             <a:srgbClr val="020302"/>
                           </a:solidFill>
@@ -3454,7 +3422,7 @@
                         <a:t>2</a:t>
                       </a:r>
                       <a:r>
-                        <a:rPr sz="900" spc="0" dirty="0">
+                        <a:rPr sz="900" spc="0">
                           <a:solidFill>
                             <a:srgbClr val="020302"/>
                           </a:solidFill>
@@ -3464,7 +3432,7 @@
                         <a:t>4x7 / </a:t>
                       </a:r>
                       <a:r>
-                        <a:rPr lang="en-US" sz="900" spc="0" dirty="0">
+                        <a:rPr lang="en-US" sz="900" spc="0">
                           <a:solidFill>
                             <a:srgbClr val="020302"/>
                           </a:solidFill>
@@ -3474,7 +3442,7 @@
                         <a:t> </a:t>
                       </a:r>
                       <a:r>
-                        <a:rPr sz="900" spc="0" dirty="0">
+                        <a:rPr sz="900" spc="0">
                           <a:solidFill>
                             <a:srgbClr val="020302"/>
                           </a:solidFill>
@@ -3484,7 +3452,7 @@
                         <a:t> 15</a:t>
                       </a:r>
                       <a:r>
-                        <a:rPr lang="en-US" sz="900" spc="0" dirty="0">
+                        <a:rPr lang="en-US" sz="900" spc="0">
                           <a:solidFill>
                             <a:srgbClr val="020302"/>
                           </a:solidFill>
@@ -3494,7 +3462,7 @@
                         <a:t> </a:t>
                       </a:r>
                       <a:r>
-                        <a:rPr sz="900" spc="0" dirty="0">
+                        <a:rPr sz="900" spc="0">
                           <a:solidFill>
                             <a:srgbClr val="020302"/>
                           </a:solidFill>
@@ -3503,7 +3471,7 @@
                         </a:rPr>
                         <a:t>minutes</a:t>
                       </a:r>
-                      <a:endParaRPr sz="900" spc="0" dirty="0">
+                      <a:endParaRPr sz="900" spc="0">
                         <a:latin typeface="AdobeClean-Light"/>
                         <a:cs typeface="AdobeClean-Light"/>
                       </a:endParaRPr>
@@ -3568,7 +3536,7 @@
                         </a:spcBef>
                       </a:pPr>
                       <a:r>
-                        <a:rPr sz="900" b="1" spc="0" dirty="0">
+                        <a:rPr sz="900" b="1" spc="0">
                           <a:solidFill>
                             <a:srgbClr val="020302"/>
                           </a:solidFill>
@@ -3577,7 +3545,7 @@
                         </a:rPr>
                         <a:t>PRIORITY 2</a:t>
                       </a:r>
-                      <a:endParaRPr sz="900" spc="0" dirty="0">
+                      <a:endParaRPr sz="900" spc="0">
                         <a:latin typeface="Adobe Clean"/>
                         <a:cs typeface="Adobe Clean"/>
                       </a:endParaRPr>
@@ -3592,7 +3560,7 @@
                         </a:spcBef>
                       </a:pPr>
                       <a:r>
-                        <a:rPr lang="en-US" sz="900" b="0" i="0" u="none" strike="noStrike" spc="0" dirty="0">
+                        <a:rPr lang="en-US" sz="900" b="0" i="0" u="none" strike="noStrike" spc="0">
                           <a:solidFill>
                             <a:srgbClr val="000000"/>
                           </a:solidFill>
@@ -3601,7 +3569,7 @@
                         </a:rPr>
                         <a:t>Customer's business functions have major service degradation or potential data loss, or a major feature is impacted</a:t>
                       </a:r>
-                      <a:endParaRPr sz="900" spc="0" dirty="0">
+                      <a:endParaRPr sz="900" spc="0">
                         <a:latin typeface="AdobeClean-Light"/>
                         <a:cs typeface="AdobeClean-Light"/>
                       </a:endParaRPr>
@@ -3648,7 +3616,7 @@
                         </a:lnSpc>
                       </a:pPr>
                       <a:r>
-                        <a:rPr sz="900" spc="0" dirty="0">
+                        <a:rPr sz="900" spc="0">
                           <a:solidFill>
                             <a:srgbClr val="020302"/>
                           </a:solidFill>
@@ -3658,7 +3626,7 @@
                         <a:t>Business hours</a:t>
                       </a:r>
                       <a:r>
-                        <a:rPr lang="en-US" sz="900" spc="0" dirty="0">
+                        <a:rPr lang="en-US" sz="900" spc="0">
                           <a:solidFill>
                             <a:srgbClr val="020302"/>
                           </a:solidFill>
@@ -3668,7 +3636,7 @@
                         <a:t> </a:t>
                       </a:r>
                       <a:r>
-                        <a:rPr sz="900" spc="0" dirty="0">
+                        <a:rPr sz="900" spc="0">
                           <a:solidFill>
                             <a:srgbClr val="020302"/>
                           </a:solidFill>
@@ -3678,7 +3646,7 @@
                         <a:t>/  </a:t>
                       </a:r>
                       <a:r>
-                        <a:rPr lang="en-US" sz="900" spc="0" dirty="0">
+                        <a:rPr lang="en-US" sz="900" spc="0">
                           <a:solidFill>
                             <a:srgbClr val="020302"/>
                           </a:solidFill>
@@ -3688,7 +3656,7 @@
                         <a:t>     </a:t>
                       </a:r>
                       <a:r>
-                        <a:rPr sz="900" spc="0" dirty="0">
+                        <a:rPr sz="900" spc="0">
                           <a:solidFill>
                             <a:srgbClr val="020302"/>
                           </a:solidFill>
@@ -3697,7 +3665,7 @@
                         </a:rPr>
                         <a:t>4 hours</a:t>
                       </a:r>
-                      <a:endParaRPr sz="900" spc="0" dirty="0">
+                      <a:endParaRPr sz="900" spc="0">
                         <a:latin typeface="AdobeClean-Light"/>
                         <a:cs typeface="AdobeClean-Light"/>
                       </a:endParaRPr>
@@ -3741,7 +3709,7 @@
                         </a:lnSpc>
                       </a:pPr>
                       <a:r>
-                        <a:rPr sz="900" spc="0" dirty="0">
+                        <a:rPr sz="900" spc="0">
                           <a:solidFill>
                             <a:srgbClr val="020302"/>
                           </a:solidFill>
@@ -3751,7 +3719,7 @@
                         <a:t>24x5 /  30</a:t>
                       </a:r>
                       <a:r>
-                        <a:rPr lang="en-US" sz="900" spc="0" dirty="0">
+                        <a:rPr lang="en-US" sz="900" spc="0">
                           <a:solidFill>
                             <a:srgbClr val="020302"/>
                           </a:solidFill>
@@ -3761,7 +3729,7 @@
                         <a:t> m</a:t>
                       </a:r>
                       <a:r>
-                        <a:rPr sz="900" spc="0" dirty="0">
+                        <a:rPr sz="900" spc="0">
                           <a:solidFill>
                             <a:srgbClr val="020302"/>
                           </a:solidFill>
@@ -3770,7 +3738,7 @@
                         </a:rPr>
                         <a:t>inutes</a:t>
                       </a:r>
-                      <a:endParaRPr sz="900" spc="0" dirty="0">
+                      <a:endParaRPr sz="900" spc="0">
                         <a:latin typeface="AdobeClean-Light"/>
                         <a:cs typeface="AdobeClean-Light"/>
                       </a:endParaRPr>
@@ -3832,7 +3800,7 @@
                         </a:spcBef>
                       </a:pPr>
                       <a:r>
-                        <a:rPr sz="900" b="1" spc="0" dirty="0">
+                        <a:rPr sz="900" b="1" spc="0">
                           <a:solidFill>
                             <a:srgbClr val="020302"/>
                           </a:solidFill>
@@ -3841,7 +3809,7 @@
                         </a:rPr>
                         <a:t>PRIORITY 3</a:t>
                       </a:r>
-                      <a:endParaRPr sz="900" spc="0" dirty="0">
+                      <a:endParaRPr sz="900" spc="0">
                         <a:latin typeface="Adobe Clean"/>
                         <a:cs typeface="Adobe Clean"/>
                       </a:endParaRPr>
@@ -3856,7 +3824,7 @@
                         </a:spcBef>
                       </a:pPr>
                       <a:r>
-                        <a:rPr lang="en-US" sz="900" b="0" i="0" u="none" strike="noStrike" spc="0" dirty="0">
+                        <a:rPr lang="en-US" sz="900" b="0" i="0" u="none" strike="noStrike" spc="0">
                           <a:solidFill>
                             <a:srgbClr val="000000"/>
                           </a:solidFill>
@@ -3865,7 +3833,7 @@
                         </a:rPr>
                         <a:t>Customer’s business functions has minor to no service degradation but there exists a solution/workaround allowing business functions to continue normally</a:t>
                       </a:r>
-                      <a:endParaRPr sz="900" spc="0" dirty="0">
+                      <a:endParaRPr sz="900" spc="0">
                         <a:latin typeface="AdobeClean-Light"/>
                         <a:cs typeface="AdobeClean-Light"/>
                       </a:endParaRPr>
@@ -3912,7 +3880,7 @@
                         </a:lnSpc>
                       </a:pPr>
                       <a:r>
-                        <a:rPr lang="en-US" sz="900" spc="0" dirty="0">
+                        <a:rPr lang="en-US" sz="900" spc="0">
                           <a:solidFill>
                             <a:srgbClr val="020302"/>
                           </a:solidFill>
@@ -3921,7 +3889,7 @@
                         </a:rPr>
                         <a:t>Business hours /       6 hours</a:t>
                       </a:r>
-                      <a:endParaRPr lang="en-US" sz="900" spc="0" dirty="0">
+                      <a:endParaRPr lang="en-US" sz="900" spc="0">
                         <a:latin typeface="AdobeClean-Light"/>
                         <a:cs typeface="AdobeClean-Light"/>
                       </a:endParaRPr>
@@ -3965,7 +3933,7 @@
                         </a:lnSpc>
                       </a:pPr>
                       <a:r>
-                        <a:rPr lang="en-US" sz="900" spc="0" dirty="0">
+                        <a:rPr lang="en-US" sz="900" spc="0">
                           <a:solidFill>
                             <a:srgbClr val="020302"/>
                           </a:solidFill>
@@ -3976,7 +3944,7 @@
                         <a:t>2</a:t>
                       </a:r>
                       <a:r>
-                        <a:rPr sz="900" spc="0" dirty="0">
+                        <a:rPr sz="900" spc="0">
                           <a:solidFill>
                             <a:srgbClr val="020302"/>
                           </a:solidFill>
@@ -3987,7 +3955,7 @@
                         <a:t>4x5/  </a:t>
                       </a:r>
                       <a:r>
-                        <a:rPr lang="en-US" sz="900" spc="0" dirty="0">
+                        <a:rPr lang="en-US" sz="900" spc="0">
                           <a:solidFill>
                             <a:srgbClr val="020302"/>
                           </a:solidFill>
@@ -3998,7 +3966,7 @@
                         <a:t> </a:t>
                       </a:r>
                       <a:r>
-                        <a:rPr sz="900" spc="0" dirty="0">
+                        <a:rPr sz="900" spc="0">
                           <a:solidFill>
                             <a:srgbClr val="020302"/>
                           </a:solidFill>
@@ -4066,7 +4034,7 @@
                         </a:spcBef>
                       </a:pPr>
                       <a:r>
-                        <a:rPr sz="900" b="1" spc="0" dirty="0">
+                        <a:rPr sz="900" b="1" spc="0">
                           <a:solidFill>
                             <a:srgbClr val="020302"/>
                           </a:solidFill>
@@ -4075,7 +4043,7 @@
                         </a:rPr>
                         <a:t>PRIORITY 4</a:t>
                       </a:r>
-                      <a:endParaRPr sz="900" spc="0" dirty="0">
+                      <a:endParaRPr sz="900" spc="0">
                         <a:latin typeface="Adobe Clean"/>
                         <a:cs typeface="Adobe Clean"/>
                       </a:endParaRPr>
@@ -4090,7 +4058,7 @@
                         </a:spcBef>
                       </a:pPr>
                       <a:r>
-                        <a:rPr lang="en-US" sz="900" b="0" i="0" u="none" strike="noStrike" spc="0" dirty="0">
+                        <a:rPr lang="en-US" sz="900" b="0" i="0" u="none" strike="noStrike" spc="0">
                           <a:solidFill>
                             <a:srgbClr val="000000"/>
                           </a:solidFill>
@@ -4099,7 +4067,7 @@
                         </a:rPr>
                         <a:t>General question regarding current product functionality or an enhancement request</a:t>
                       </a:r>
-                      <a:endParaRPr sz="900" spc="0" dirty="0">
+                      <a:endParaRPr sz="900" spc="0">
                         <a:latin typeface="AdobeClean-Light"/>
                         <a:cs typeface="AdobeClean-Light"/>
                       </a:endParaRPr>
@@ -4146,7 +4114,7 @@
                         </a:lnSpc>
                       </a:pPr>
                       <a:r>
-                        <a:rPr lang="en-US" sz="900" spc="0" dirty="0">
+                        <a:rPr lang="en-US" sz="900" spc="0">
                           <a:solidFill>
                             <a:srgbClr val="020302"/>
                           </a:solidFill>
@@ -4155,7 +4123,7 @@
                         </a:rPr>
                         <a:t>Business days /       3 days</a:t>
                       </a:r>
-                      <a:endParaRPr lang="en-US" sz="900" spc="0" dirty="0">
+                      <a:endParaRPr lang="en-US" sz="900" spc="0">
                         <a:latin typeface="AdobeClean-Light"/>
                         <a:cs typeface="AdobeClean-Light"/>
                       </a:endParaRPr>
@@ -4199,7 +4167,7 @@
                         </a:lnSpc>
                       </a:pPr>
                       <a:r>
-                        <a:rPr lang="en-US" sz="900" spc="0" dirty="0">
+                        <a:rPr lang="en-US" sz="900" spc="0">
                           <a:solidFill>
                             <a:srgbClr val="020302"/>
                           </a:solidFill>
@@ -4208,7 +4176,7 @@
                         </a:rPr>
                         <a:t>Business days /       1 day</a:t>
                       </a:r>
-                      <a:endParaRPr lang="en-US" sz="900" spc="0" dirty="0">
+                      <a:endParaRPr lang="en-US" sz="900" spc="0">
                         <a:latin typeface="AdobeClean-Light"/>
                         <a:cs typeface="AdobeClean-Light"/>
                       </a:endParaRPr>
@@ -4311,7 +4279,7 @@
               </a:spcBef>
             </a:pPr>
             <a:r>
-              <a:rPr sz="800" spc="-15" dirty="0">
+              <a:rPr sz="800" spc="-15">
                 <a:solidFill>
                   <a:srgbClr val="6D6D6D"/>
                 </a:solidFill>
@@ -4321,7 +4289,7 @@
               <a:t>©2021 </a:t>
             </a:r>
             <a:r>
-              <a:rPr sz="800" spc="-5" dirty="0">
+              <a:rPr sz="800" spc="-5">
                 <a:solidFill>
                   <a:srgbClr val="6D6D6D"/>
                 </a:solidFill>
@@ -4331,7 +4299,7 @@
               <a:t>Adobe. All</a:t>
             </a:r>
             <a:r>
-              <a:rPr sz="800" spc="-15" dirty="0">
+              <a:rPr sz="800" spc="-15">
                 <a:solidFill>
                   <a:srgbClr val="6D6D6D"/>
                 </a:solidFill>
@@ -4341,7 +4309,7 @@
               <a:t> Rights</a:t>
             </a:r>
             <a:r>
-              <a:rPr sz="800" spc="-5" dirty="0">
+              <a:rPr sz="800" spc="-5">
                 <a:solidFill>
                   <a:srgbClr val="6D6D6D"/>
                 </a:solidFill>
@@ -4351,7 +4319,7 @@
               <a:t> </a:t>
             </a:r>
             <a:r>
-              <a:rPr sz="800" spc="-15" dirty="0">
+              <a:rPr sz="800" spc="-15">
                 <a:solidFill>
                   <a:srgbClr val="6D6D6D"/>
                 </a:solidFill>
@@ -4361,7 +4329,7 @@
               <a:t>Reserved.</a:t>
             </a:r>
             <a:r>
-              <a:rPr sz="800" spc="-10" dirty="0">
+              <a:rPr sz="800" spc="-10">
                 <a:solidFill>
                   <a:srgbClr val="6D6D6D"/>
                 </a:solidFill>
@@ -4371,7 +4339,7 @@
               <a:t> </a:t>
             </a:r>
             <a:r>
-              <a:rPr sz="800" spc="-5" dirty="0">
+              <a:rPr sz="800" spc="-5">
                 <a:solidFill>
                   <a:srgbClr val="6D6D6D"/>
                 </a:solidFill>
@@ -4381,7 +4349,7 @@
               <a:t>Adobe</a:t>
             </a:r>
             <a:r>
-              <a:rPr sz="800" spc="65" dirty="0">
+              <a:rPr sz="800" spc="65">
                 <a:solidFill>
                   <a:srgbClr val="6D6D6D"/>
                 </a:solidFill>
@@ -4391,7 +4359,7 @@
               <a:t> </a:t>
             </a:r>
             <a:r>
-              <a:rPr sz="800" spc="-15" dirty="0">
+              <a:rPr sz="800" spc="-15">
                 <a:solidFill>
                   <a:srgbClr val="6D6D6D"/>
                 </a:solidFill>
@@ -4436,7 +4404,7 @@
           <a:lstStyle/>
           <a:p>
             <a:r>
-              <a:rPr lang="en-US" sz="700" i="1" dirty="0">
+              <a:rPr lang="en-US" sz="700" i="1">
                 <a:solidFill>
                   <a:schemeClr val="bg1"/>
                 </a:solidFill>
@@ -4512,7 +4480,7 @@
                     <a:bodyPr/>
                     <a:lstStyle/>
                     <a:p>
-                      <a:endParaRPr lang="en-US" dirty="0"/>
+                      <a:endParaRPr lang="en-US"/>
                     </a:p>
                   </a:txBody>
                   <a:tcPr/>
@@ -4550,7 +4518,7 @@
                         <a:defRPr/>
                       </a:pPr>
                       <a:r>
-                        <a:rPr lang="en-US" sz="900" spc="-20" dirty="0">
+                        <a:rPr lang="en-US" sz="900" spc="-20">
                           <a:solidFill>
                             <a:srgbClr val="404040"/>
                           </a:solidFill>
@@ -4560,7 +4528,7 @@
                         <a:t>Online </a:t>
                       </a:r>
                       <a:r>
-                        <a:rPr lang="en-US" sz="900" spc="-135" dirty="0">
+                        <a:rPr lang="en-US" sz="900" spc="-135">
                           <a:solidFill>
                             <a:srgbClr val="404040"/>
                           </a:solidFill>
@@ -4570,7 +4538,7 @@
                         <a:t> </a:t>
                       </a:r>
                       <a:r>
-                        <a:rPr lang="en-US" sz="900" spc="-20" dirty="0">
+                        <a:rPr lang="en-US" sz="900" spc="-20">
                           <a:solidFill>
                             <a:srgbClr val="404040"/>
                           </a:solidFill>
@@ -4579,7 +4547,7 @@
                         </a:rPr>
                         <a:t>Support</a:t>
                       </a:r>
-                      <a:endParaRPr lang="en-US" sz="900" dirty="0">
+                      <a:endParaRPr lang="en-US" sz="900">
                         <a:latin typeface="Adobe Clean"/>
                         <a:cs typeface="Adobe Clean"/>
                       </a:endParaRPr>
@@ -4623,7 +4591,7 @@
                         </a:spcBef>
                       </a:pPr>
                       <a:r>
-                        <a:rPr lang="en-US" sz="900" spc="-20" dirty="0">
+                        <a:rPr lang="en-US" sz="900" spc="-20">
                           <a:solidFill>
                             <a:srgbClr val="FFFFFF"/>
                           </a:solidFill>
@@ -4633,7 +4601,7 @@
                         <a:t>Elite </a:t>
                       </a:r>
                       <a:r>
-                        <a:rPr sz="900" spc="-20" dirty="0">
+                        <a:rPr sz="900" spc="-20">
                           <a:solidFill>
                             <a:srgbClr val="FFFFFF"/>
                           </a:solidFill>
@@ -4642,7 +4610,7 @@
                         </a:rPr>
                         <a:t>Support</a:t>
                       </a:r>
-                      <a:endParaRPr sz="900" dirty="0">
+                      <a:endParaRPr sz="900">
                         <a:latin typeface="Adobe Clean"/>
                         <a:cs typeface="Adobe Clean"/>
                       </a:endParaRPr>
@@ -4690,7 +4658,7 @@
                     <a:bodyPr/>
                     <a:lstStyle/>
                     <a:p>
-                      <a:endParaRPr lang="en-US" dirty="0"/>
+                      <a:endParaRPr lang="en-US"/>
                     </a:p>
                   </a:txBody>
                   <a:tcPr/>
@@ -4727,7 +4695,7 @@
                         <a:tabLst/>
                         <a:defRPr/>
                       </a:pPr>
-                      <a:endParaRPr lang="en-US" sz="800" i="1" dirty="0">
+                      <a:endParaRPr lang="en-US" sz="800" i="1">
                         <a:solidFill>
                           <a:sysClr val="windowText" lastClr="000000"/>
                         </a:solidFill>
@@ -4791,7 +4759,7 @@
                         <a:defRPr/>
                       </a:pPr>
                       <a:r>
-                        <a:rPr lang="en-US" sz="800" i="1" dirty="0">
+                        <a:rPr lang="en-US" sz="800" i="1">
                           <a:solidFill>
                             <a:schemeClr val="bg1"/>
                           </a:solidFill>
@@ -4861,7 +4829,7 @@
                         </a:spcBef>
                       </a:pPr>
                       <a:r>
-                        <a:rPr lang="en-US" sz="1000" b="1" i="0" spc="0" dirty="0">
+                        <a:rPr lang="en-US" sz="1000" b="1" i="0" spc="0">
                           <a:solidFill>
                             <a:schemeClr val="bg1"/>
                           </a:solidFill>
@@ -4870,7 +4838,7 @@
                         </a:rPr>
                         <a:t>Assigned Experts</a:t>
                       </a:r>
-                      <a:endParaRPr sz="1000" b="1" i="0" spc="0" dirty="0">
+                      <a:endParaRPr sz="1000" b="1" i="0" spc="0">
                         <a:solidFill>
                           <a:schemeClr val="bg1"/>
                         </a:solidFill>
@@ -4923,7 +4891,7 @@
                         </a:spcBef>
                       </a:pPr>
                       <a:r>
-                        <a:rPr sz="900" spc="0" dirty="0">
+                        <a:rPr sz="900" spc="0">
                           <a:solidFill>
                             <a:srgbClr val="020302"/>
                           </a:solidFill>
@@ -4932,7 +4900,7 @@
                         </a:rPr>
                         <a:t>Account Support Lead</a:t>
                       </a:r>
-                      <a:endParaRPr sz="900" spc="0" dirty="0">
+                      <a:endParaRPr sz="900" spc="0">
                         <a:latin typeface="AdobeClean-Light"/>
                         <a:cs typeface="AdobeClean-Light"/>
                       </a:endParaRPr>
@@ -4978,7 +4946,7 @@
                           <a:spcPts val="470"/>
                         </a:spcBef>
                       </a:pPr>
-                      <a:endParaRPr sz="900" dirty="0">
+                      <a:endParaRPr sz="900">
                         <a:latin typeface="Wingdings"/>
                         <a:cs typeface="Wingdings"/>
                       </a:endParaRPr>
@@ -5019,7 +4987,7 @@
                           <a:spcPts val="470"/>
                         </a:spcBef>
                       </a:pPr>
-                      <a:endParaRPr sz="900" dirty="0">
+                      <a:endParaRPr sz="900">
                         <a:latin typeface="Wingdings"/>
                         <a:cs typeface="Wingdings"/>
                       </a:endParaRPr>
@@ -5062,7 +5030,7 @@
                           <a:spcPts val="459"/>
                         </a:spcBef>
                       </a:pPr>
-                      <a:endParaRPr sz="900" dirty="0">
+                      <a:endParaRPr sz="900">
                         <a:latin typeface="AdobeClean-Light"/>
                         <a:cs typeface="AdobeClean-Light"/>
                       </a:endParaRPr>
@@ -5100,7 +5068,7 @@
                         </a:spcBef>
                       </a:pPr>
                       <a:r>
-                        <a:rPr sz="900" spc="0" dirty="0">
+                        <a:rPr sz="900" spc="0">
                           <a:solidFill>
                             <a:srgbClr val="020302"/>
                           </a:solidFill>
@@ -5109,7 +5077,7 @@
                         </a:rPr>
                         <a:t>Named Support Engineer</a:t>
                       </a:r>
-                      <a:endParaRPr sz="900" spc="0" dirty="0">
+                      <a:endParaRPr sz="900" spc="0">
                         <a:latin typeface="AdobeClean-Light"/>
                         <a:cs typeface="AdobeClean-Light"/>
                       </a:endParaRPr>
@@ -5140,7 +5108,7 @@
                           <a:spcPct val="100000"/>
                         </a:lnSpc>
                       </a:pPr>
-                      <a:endParaRPr sz="900" dirty="0">
+                      <a:endParaRPr sz="900">
                         <a:latin typeface="Times New Roman"/>
                         <a:cs typeface="Times New Roman"/>
                       </a:endParaRPr>
@@ -5182,7 +5150,7 @@
                         <a:defRPr/>
                       </a:pPr>
                       <a:r>
-                        <a:rPr lang="en-US" sz="900" dirty="0">
+                        <a:rPr lang="en-US" sz="900">
                           <a:solidFill>
                             <a:srgbClr val="020302"/>
                           </a:solidFill>
@@ -5191,7 +5159,7 @@
                         </a:rPr>
                         <a:t></a:t>
                       </a:r>
-                      <a:endParaRPr lang="en-US" sz="900" dirty="0">
+                      <a:endParaRPr lang="en-US" sz="900">
                         <a:latin typeface="Wingdings"/>
                         <a:cs typeface="Wingdings"/>
                       </a:endParaRPr>
@@ -5225,7 +5193,7 @@
                           <a:spcPts val="500"/>
                         </a:spcBef>
                       </a:pPr>
-                      <a:endParaRPr sz="900" dirty="0">
+                      <a:endParaRPr sz="900">
                         <a:latin typeface="AdobeClean-Light"/>
                         <a:cs typeface="AdobeClean-Light"/>
                       </a:endParaRPr>
@@ -5275,7 +5243,7 @@
                         </a:spcBef>
                       </a:pPr>
                       <a:r>
-                        <a:rPr sz="900" spc="0" dirty="0">
+                        <a:rPr sz="900" spc="0">
                           <a:solidFill>
                             <a:srgbClr val="020302"/>
                           </a:solidFill>
@@ -5284,7 +5252,7 @@
                         </a:rPr>
                         <a:t>Technical Account Manager</a:t>
                       </a:r>
-                      <a:endParaRPr sz="900" spc="0" dirty="0">
+                      <a:endParaRPr sz="900" spc="0">
                         <a:latin typeface="AdobeClean-Light"/>
                         <a:cs typeface="AdobeClean-Light"/>
                       </a:endParaRPr>
@@ -5321,7 +5289,7 @@
                           <a:spcPct val="100000"/>
                         </a:lnSpc>
                       </a:pPr>
-                      <a:endParaRPr sz="900" dirty="0">
+                      <a:endParaRPr sz="900">
                         <a:latin typeface="Times New Roman"/>
                         <a:cs typeface="Times New Roman"/>
                       </a:endParaRPr>
@@ -5372,7 +5340,7 @@
                         <a:defRPr/>
                       </a:pPr>
                       <a:r>
-                        <a:rPr lang="en-US" sz="900" dirty="0">
+                        <a:rPr lang="en-US" sz="900">
                           <a:solidFill>
                             <a:srgbClr val="020302"/>
                           </a:solidFill>
@@ -5381,7 +5349,7 @@
                         </a:rPr>
                         <a:t></a:t>
                       </a:r>
-                      <a:endParaRPr lang="en-US" sz="900" dirty="0">
+                      <a:endParaRPr lang="en-US" sz="900">
                         <a:latin typeface="Wingdings"/>
                         <a:cs typeface="Wingdings"/>
                       </a:endParaRPr>
@@ -5425,7 +5393,7 @@
                         </a:spcBef>
                       </a:pPr>
                       <a:r>
-                        <a:rPr lang="en-US" sz="1000" b="1" i="0" spc="0" dirty="0">
+                        <a:rPr lang="en-US" sz="1000" b="1" i="0" spc="0">
                           <a:solidFill>
                             <a:schemeClr val="bg1"/>
                           </a:solidFill>
@@ -5434,7 +5402,7 @@
                         </a:rPr>
                         <a:t>Support Services</a:t>
                       </a:r>
-                      <a:endParaRPr sz="1000" b="1" i="0" spc="0" dirty="0">
+                      <a:endParaRPr sz="1000" b="1" i="0" spc="0">
                         <a:solidFill>
                           <a:schemeClr val="bg1"/>
                         </a:solidFill>
@@ -5496,7 +5464,7 @@
                         </a:spcBef>
                       </a:pPr>
                       <a:r>
-                        <a:rPr lang="en-US" sz="900" spc="0" dirty="0">
+                        <a:rPr lang="en-US" sz="900" spc="0">
                           <a:solidFill>
                             <a:srgbClr val="020302"/>
                           </a:solidFill>
@@ -5506,7 +5474,7 @@
                         <a:t>Online</a:t>
                       </a:r>
                       <a:r>
-                        <a:rPr sz="900" spc="0" dirty="0">
+                        <a:rPr sz="900" spc="0">
                           <a:solidFill>
                             <a:srgbClr val="020302"/>
                           </a:solidFill>
@@ -5515,7 +5483,7 @@
                         </a:rPr>
                         <a:t> Support</a:t>
                       </a:r>
-                      <a:endParaRPr sz="900" spc="0" dirty="0">
+                      <a:endParaRPr sz="900" spc="0">
                         <a:latin typeface="AdobeClean-Light"/>
                         <a:cs typeface="AdobeClean-Light"/>
                       </a:endParaRPr>
@@ -5556,7 +5524,7 @@
                         </a:spcBef>
                       </a:pPr>
                       <a:r>
-                        <a:rPr sz="900" spc="-25" dirty="0">
+                        <a:rPr sz="900" spc="-25">
                           <a:solidFill>
                             <a:srgbClr val="020302"/>
                           </a:solidFill>
@@ -5566,7 +5534,7 @@
                         <a:t>Business</a:t>
                       </a:r>
                       <a:r>
-                        <a:rPr sz="900" spc="-15" dirty="0">
+                        <a:rPr sz="900" spc="-15">
                           <a:solidFill>
                             <a:srgbClr val="020302"/>
                           </a:solidFill>
@@ -5576,7 +5544,7 @@
                         <a:t> </a:t>
                       </a:r>
                       <a:r>
-                        <a:rPr sz="900" spc="-30" dirty="0">
+                        <a:rPr sz="900" spc="-30">
                           <a:solidFill>
                             <a:srgbClr val="020302"/>
                           </a:solidFill>
@@ -5585,7 +5553,7 @@
                         </a:rPr>
                         <a:t>hours</a:t>
                       </a:r>
-                      <a:endParaRPr sz="900" dirty="0">
+                      <a:endParaRPr sz="900">
                         <a:latin typeface="AdobeClean-Light"/>
                         <a:cs typeface="AdobeClean-Light"/>
                       </a:endParaRPr>
@@ -5627,7 +5595,7 @@
                         </a:spcBef>
                       </a:pPr>
                       <a:r>
-                        <a:rPr lang="en-US" sz="900" spc="-25" dirty="0">
+                        <a:rPr lang="en-US" sz="900" spc="-25">
                           <a:solidFill>
                             <a:srgbClr val="020302"/>
                           </a:solidFill>
@@ -5636,7 +5604,7 @@
                         </a:rPr>
                         <a:t>24x5</a:t>
                       </a:r>
-                      <a:endParaRPr sz="900" dirty="0">
+                      <a:endParaRPr sz="900">
                         <a:latin typeface="AdobeClean-Light"/>
                         <a:cs typeface="AdobeClean-Light"/>
                       </a:endParaRPr>
@@ -5679,7 +5647,7 @@
                           <a:spcPts val="455"/>
                         </a:spcBef>
                       </a:pPr>
-                      <a:endParaRPr sz="900" dirty="0">
+                      <a:endParaRPr sz="900">
                         <a:latin typeface="AdobeClean-Light"/>
                         <a:cs typeface="AdobeClean-Light"/>
                       </a:endParaRPr>
@@ -5720,7 +5688,7 @@
                         </a:spcBef>
                       </a:pPr>
                       <a:r>
-                        <a:rPr sz="900" spc="0" dirty="0">
+                        <a:rPr sz="900" spc="0">
                           <a:solidFill>
                             <a:srgbClr val="020302"/>
                           </a:solidFill>
@@ -5730,7 +5698,7 @@
                         <a:t>24x7</a:t>
                       </a:r>
                       <a:r>
-                        <a:rPr lang="en-US" sz="900" spc="0" dirty="0">
+                        <a:rPr lang="en-US" sz="900" spc="0">
                           <a:solidFill>
                             <a:srgbClr val="020302"/>
                           </a:solidFill>
@@ -5740,7 +5708,7 @@
                         <a:t>x365</a:t>
                       </a:r>
                       <a:r>
-                        <a:rPr sz="900" spc="0" dirty="0">
+                        <a:rPr sz="900" spc="0">
                           <a:solidFill>
                             <a:srgbClr val="020302"/>
                           </a:solidFill>
@@ -5749,7 +5717,7 @@
                         </a:rPr>
                         <a:t> P1 Issue Support</a:t>
                       </a:r>
-                      <a:endParaRPr sz="900" spc="0" dirty="0">
+                      <a:endParaRPr sz="900" spc="0">
                         <a:latin typeface="AdobeClean-Light"/>
                         <a:cs typeface="AdobeClean-Light"/>
                       </a:endParaRPr>
@@ -5784,7 +5752,7 @@
                         </a:spcBef>
                       </a:pPr>
                       <a:r>
-                        <a:rPr sz="900" dirty="0">
+                        <a:rPr sz="900">
                           <a:solidFill>
                             <a:srgbClr val="020302"/>
                           </a:solidFill>
@@ -5793,7 +5761,7 @@
                         </a:rPr>
                         <a:t></a:t>
                       </a:r>
-                      <a:endParaRPr sz="900" dirty="0">
+                      <a:endParaRPr sz="900">
                         <a:latin typeface="Wingdings"/>
                         <a:cs typeface="Wingdings"/>
                       </a:endParaRPr>
@@ -5826,7 +5794,7 @@
                         </a:spcBef>
                       </a:pPr>
                       <a:r>
-                        <a:rPr sz="900" dirty="0">
+                        <a:rPr sz="900">
                           <a:solidFill>
                             <a:srgbClr val="020302"/>
                           </a:solidFill>
@@ -5835,7 +5803,7 @@
                         </a:rPr>
                         <a:t></a:t>
                       </a:r>
-                      <a:endParaRPr sz="900" dirty="0">
+                      <a:endParaRPr sz="900">
                         <a:latin typeface="Wingdings"/>
                         <a:cs typeface="Wingdings"/>
                       </a:endParaRPr>
@@ -5869,7 +5837,7 @@
                           <a:spcPts val="455"/>
                         </a:spcBef>
                       </a:pPr>
-                      <a:endParaRPr sz="900" dirty="0">
+                      <a:endParaRPr sz="900">
                         <a:latin typeface="AdobeClean-Light"/>
                         <a:cs typeface="AdobeClean-Light"/>
                       </a:endParaRPr>
@@ -5919,7 +5887,7 @@
                         </a:spcBef>
                       </a:pPr>
                       <a:r>
-                        <a:rPr lang="en-US" sz="900" spc="0" dirty="0">
+                        <a:rPr lang="en-US" sz="900" spc="0">
                           <a:solidFill>
                             <a:srgbClr val="020302"/>
                           </a:solidFill>
@@ -5928,7 +5896,7 @@
                         </a:rPr>
                         <a:t>Named Support Contacts (per product)</a:t>
                       </a:r>
-                      <a:endParaRPr sz="900" spc="0" dirty="0">
+                      <a:endParaRPr sz="900" spc="0">
                         <a:latin typeface="AdobeClean-Light"/>
                         <a:cs typeface="AdobeClean-Light"/>
                       </a:endParaRPr>
@@ -5969,7 +5937,7 @@
                         </a:spcBef>
                       </a:pPr>
                       <a:r>
-                        <a:rPr sz="900" dirty="0">
+                        <a:rPr sz="900">
                           <a:solidFill>
                             <a:srgbClr val="020302"/>
                           </a:solidFill>
@@ -5978,7 +5946,7 @@
                         </a:rPr>
                         <a:t>4</a:t>
                       </a:r>
-                      <a:endParaRPr sz="900" dirty="0">
+                      <a:endParaRPr sz="900">
                         <a:latin typeface="AdobeClean-Light"/>
                         <a:cs typeface="AdobeClean-Light"/>
                       </a:endParaRPr>
@@ -6011,7 +5979,7 @@
                         </a:spcBef>
                       </a:pPr>
                       <a:r>
-                        <a:rPr lang="en-US" sz="900" dirty="0">
+                        <a:rPr lang="en-US" sz="900">
                           <a:solidFill>
                             <a:srgbClr val="020302"/>
                           </a:solidFill>
@@ -6020,7 +5988,7 @@
                         </a:rPr>
                         <a:t>15</a:t>
                       </a:r>
-                      <a:endParaRPr sz="900" dirty="0">
+                      <a:endParaRPr sz="900">
                         <a:latin typeface="AdobeClean-Light"/>
                         <a:cs typeface="AdobeClean-Light"/>
                       </a:endParaRPr>
@@ -6054,7 +6022,7 @@
                           <a:spcPts val="455"/>
                         </a:spcBef>
                       </a:pPr>
-                      <a:endParaRPr sz="900" dirty="0">
+                      <a:endParaRPr sz="900">
                         <a:latin typeface="AdobeClean-Light"/>
                         <a:cs typeface="AdobeClean-Light"/>
                       </a:endParaRPr>
@@ -6095,7 +6063,7 @@
                         </a:spcBef>
                       </a:pPr>
                       <a:r>
-                        <a:rPr lang="en-US" sz="900" spc="0" dirty="0">
+                        <a:rPr lang="en-US" sz="900" spc="0">
                           <a:solidFill>
                             <a:srgbClr val="020302"/>
                           </a:solidFill>
@@ -6104,7 +6072,7 @@
                         </a:rPr>
                         <a:t>Live Telephone Support</a:t>
                       </a:r>
-                      <a:endParaRPr sz="900" spc="0" dirty="0">
+                      <a:endParaRPr sz="900" spc="0">
                         <a:latin typeface="AdobeClean-Light"/>
                         <a:cs typeface="AdobeClean-Light"/>
                       </a:endParaRPr>
@@ -6138,7 +6106,7 @@
                           <a:spcPts val="464"/>
                         </a:spcBef>
                       </a:pPr>
-                      <a:endParaRPr sz="900" dirty="0">
+                      <a:endParaRPr sz="900">
                         <a:latin typeface="Wingdings"/>
                         <a:cs typeface="Wingdings"/>
                       </a:endParaRPr>
@@ -6171,7 +6139,7 @@
                         </a:spcBef>
                       </a:pPr>
                       <a:r>
-                        <a:rPr sz="900" dirty="0">
+                        <a:rPr sz="900">
                           <a:solidFill>
                             <a:srgbClr val="020302"/>
                           </a:solidFill>
@@ -6180,7 +6148,7 @@
                         </a:rPr>
                         <a:t></a:t>
                       </a:r>
-                      <a:endParaRPr sz="900" dirty="0">
+                      <a:endParaRPr sz="900">
                         <a:latin typeface="Wingdings"/>
                         <a:cs typeface="Wingdings"/>
                       </a:endParaRPr>
@@ -6214,7 +6182,7 @@
                           <a:spcPts val="459"/>
                         </a:spcBef>
                       </a:pPr>
-                      <a:endParaRPr sz="900" dirty="0">
+                      <a:endParaRPr sz="900">
                         <a:latin typeface="AdobeClean-Light"/>
                         <a:cs typeface="AdobeClean-Light"/>
                       </a:endParaRPr>
@@ -6255,7 +6223,7 @@
                         </a:spcBef>
                       </a:pPr>
                       <a:r>
-                        <a:rPr sz="900" spc="0" dirty="0">
+                        <a:rPr sz="900" spc="0">
                           <a:solidFill>
                             <a:srgbClr val="020302"/>
                           </a:solidFill>
@@ -6264,7 +6232,7 @@
                         </a:rPr>
                         <a:t>Escalation Management</a:t>
                       </a:r>
-                      <a:endParaRPr sz="900" spc="0" dirty="0">
+                      <a:endParaRPr sz="900" spc="0">
                         <a:latin typeface="AdobeClean-Light"/>
                         <a:cs typeface="AdobeClean-Light"/>
                       </a:endParaRPr>
@@ -6298,7 +6266,7 @@
                           <a:spcPts val="470"/>
                         </a:spcBef>
                       </a:pPr>
-                      <a:endParaRPr sz="900" dirty="0">
+                      <a:endParaRPr sz="900">
                         <a:latin typeface="Wingdings"/>
                         <a:cs typeface="Wingdings"/>
                       </a:endParaRPr>
@@ -6331,7 +6299,7 @@
                         </a:spcBef>
                       </a:pPr>
                       <a:r>
-                        <a:rPr sz="900" dirty="0">
+                        <a:rPr sz="900">
                           <a:solidFill>
                             <a:srgbClr val="020302"/>
                           </a:solidFill>
@@ -6340,7 +6308,7 @@
                         </a:rPr>
                         <a:t></a:t>
                       </a:r>
-                      <a:endParaRPr sz="900" dirty="0">
+                      <a:endParaRPr sz="900">
                         <a:latin typeface="Wingdings"/>
                         <a:cs typeface="Wingdings"/>
                       </a:endParaRPr>
@@ -6374,7 +6342,7 @@
                           <a:spcPts val="450"/>
                         </a:spcBef>
                       </a:pPr>
-                      <a:endParaRPr sz="900" dirty="0">
+                      <a:endParaRPr sz="900">
                         <a:latin typeface="AdobeClean-Light"/>
                         <a:cs typeface="AdobeClean-Light"/>
                       </a:endParaRPr>
@@ -6415,7 +6383,7 @@
                         </a:spcBef>
                       </a:pPr>
                       <a:r>
-                        <a:rPr sz="900" spc="0" dirty="0">
+                        <a:rPr sz="900" spc="0">
                           <a:solidFill>
                             <a:srgbClr val="020302"/>
                           </a:solidFill>
@@ -6425,7 +6393,7 @@
                         <a:t>Service Reviews </a:t>
                       </a:r>
                       <a:r>
-                        <a:rPr lang="en-US" sz="900" spc="0" dirty="0">
+                        <a:rPr lang="en-US" sz="900" spc="0">
                           <a:solidFill>
                             <a:srgbClr val="020302"/>
                           </a:solidFill>
@@ -6434,7 +6402,7 @@
                         </a:rPr>
                         <a:t>per Year</a:t>
                       </a:r>
-                      <a:endParaRPr sz="900" spc="0" dirty="0">
+                      <a:endParaRPr sz="900" spc="0">
                         <a:latin typeface="AdobeClean-Light"/>
                         <a:cs typeface="AdobeClean-Light"/>
                       </a:endParaRPr>
@@ -6465,7 +6433,7 @@
                           <a:spcPct val="100000"/>
                         </a:lnSpc>
                       </a:pPr>
-                      <a:endParaRPr sz="900" dirty="0">
+                      <a:endParaRPr sz="900">
                         <a:latin typeface="Times New Roman"/>
                         <a:cs typeface="Times New Roman"/>
                       </a:endParaRPr>
@@ -6495,13 +6463,13 @@
                         </a:lnSpc>
                       </a:pPr>
                       <a:r>
-                        <a:rPr lang="en-US" sz="900" dirty="0">
+                        <a:rPr lang="en-US" sz="900">
                           <a:latin typeface="Times New Roman"/>
                           <a:cs typeface="Times New Roman"/>
                         </a:rPr>
                         <a:t>4</a:t>
                       </a:r>
-                      <a:endParaRPr sz="900" dirty="0">
+                      <a:endParaRPr sz="900">
                         <a:latin typeface="Times New Roman"/>
                         <a:cs typeface="Times New Roman"/>
                       </a:endParaRPr>
@@ -6546,13 +6514,13 @@
                         </a:spcBef>
                       </a:pPr>
                       <a:r>
-                        <a:rPr lang="en-US" sz="900" spc="0" dirty="0">
+                        <a:rPr lang="en-US" sz="900" spc="0">
                           <a:latin typeface="AdobeClean-Light"/>
                           <a:cs typeface="AdobeClean-Light"/>
                         </a:rPr>
                         <a:t>Expert Sessions per Year</a:t>
                       </a:r>
-                      <a:endParaRPr sz="900" spc="0" dirty="0">
+                      <a:endParaRPr sz="900" spc="0">
                         <a:latin typeface="AdobeClean-Light"/>
                         <a:cs typeface="AdobeClean-Light"/>
                       </a:endParaRPr>
@@ -6589,7 +6557,7 @@
                           <a:spcPct val="100000"/>
                         </a:lnSpc>
                       </a:pPr>
-                      <a:endParaRPr sz="900" dirty="0">
+                      <a:endParaRPr sz="900">
                         <a:latin typeface="Times New Roman"/>
                         <a:cs typeface="Times New Roman"/>
                       </a:endParaRPr>
@@ -6619,13 +6587,13 @@
                         </a:lnSpc>
                       </a:pPr>
                       <a:r>
-                        <a:rPr lang="en-US" sz="900" dirty="0">
+                        <a:rPr lang="en-US" sz="900">
                           <a:latin typeface="Times New Roman"/>
                           <a:cs typeface="Times New Roman"/>
                         </a:rPr>
                         <a:t>4</a:t>
                       </a:r>
-                      <a:endParaRPr sz="900" dirty="0">
+                      <a:endParaRPr sz="900">
                         <a:latin typeface="Times New Roman"/>
                         <a:cs typeface="Times New Roman"/>
                       </a:endParaRPr>
@@ -6670,13 +6638,13 @@
                         </a:spcBef>
                       </a:pPr>
                       <a:r>
-                        <a:rPr lang="en-US" sz="900" spc="0" dirty="0">
+                        <a:rPr lang="en-US" sz="900" spc="0">
                           <a:latin typeface="AdobeClean-Light"/>
                           <a:cs typeface="AdobeClean-Light"/>
                         </a:rPr>
                         <a:t>Case Reviews</a:t>
                       </a:r>
-                      <a:endParaRPr sz="900" spc="0" dirty="0">
+                      <a:endParaRPr sz="900" spc="0">
                         <a:latin typeface="AdobeClean-Light"/>
                         <a:cs typeface="AdobeClean-Light"/>
                       </a:endParaRPr>
@@ -6713,7 +6681,7 @@
                           <a:spcPct val="100000"/>
                         </a:lnSpc>
                       </a:pPr>
-                      <a:endParaRPr sz="900" dirty="0">
+                      <a:endParaRPr sz="900">
                         <a:latin typeface="Times New Roman"/>
                         <a:cs typeface="Times New Roman"/>
                       </a:endParaRPr>
@@ -6755,7 +6723,7 @@
                         <a:defRPr/>
                       </a:pPr>
                       <a:r>
-                        <a:rPr lang="en-US" sz="900" dirty="0">
+                        <a:rPr lang="en-US" sz="900">
                           <a:solidFill>
                             <a:srgbClr val="020302"/>
                           </a:solidFill>
@@ -6764,7 +6732,7 @@
                         </a:rPr>
                         <a:t></a:t>
                       </a:r>
-                      <a:endParaRPr lang="en-US" sz="900" dirty="0">
+                      <a:endParaRPr lang="en-US" sz="900">
                         <a:latin typeface="Wingdings"/>
                         <a:cs typeface="Wingdings"/>
                       </a:endParaRPr>
@@ -6798,7 +6766,7 @@
                           <a:spcPts val="459"/>
                         </a:spcBef>
                       </a:pPr>
-                      <a:endParaRPr sz="900" dirty="0">
+                      <a:endParaRPr sz="900">
                         <a:latin typeface="AdobeClean-Light"/>
                         <a:cs typeface="AdobeClean-Light"/>
                       </a:endParaRPr>
@@ -6848,7 +6816,7 @@
                         </a:spcBef>
                       </a:pPr>
                       <a:r>
-                        <a:rPr sz="900" spc="0" dirty="0">
+                        <a:rPr sz="900" spc="0">
                           <a:solidFill>
                             <a:srgbClr val="020302"/>
                           </a:solidFill>
@@ -6858,7 +6826,7 @@
                         <a:t>Event </a:t>
                       </a:r>
                       <a:r>
-                        <a:rPr lang="en-US" sz="900" spc="0" dirty="0">
+                        <a:rPr lang="en-US" sz="900" spc="0">
                           <a:solidFill>
                             <a:srgbClr val="020302"/>
                           </a:solidFill>
@@ -6867,7 +6835,7 @@
                         </a:rPr>
                         <a:t>Management</a:t>
                       </a:r>
-                      <a:endParaRPr sz="900" spc="0" dirty="0">
+                      <a:endParaRPr sz="900" spc="0">
                         <a:latin typeface="AdobeClean-Light"/>
                         <a:cs typeface="AdobeClean-Light"/>
                       </a:endParaRPr>
@@ -6904,7 +6872,7 @@
                           <a:spcPct val="100000"/>
                         </a:lnSpc>
                       </a:pPr>
-                      <a:endParaRPr sz="900" dirty="0">
+                      <a:endParaRPr sz="900">
                         <a:latin typeface="Times New Roman"/>
                         <a:cs typeface="Times New Roman"/>
                       </a:endParaRPr>
@@ -6946,7 +6914,7 @@
                         <a:defRPr/>
                       </a:pPr>
                       <a:r>
-                        <a:rPr lang="en-US" sz="900" dirty="0">
+                        <a:rPr lang="en-US" sz="900">
                           <a:solidFill>
                             <a:srgbClr val="020302"/>
                           </a:solidFill>
@@ -6955,7 +6923,7 @@
                         </a:rPr>
                         <a:t></a:t>
                       </a:r>
-                      <a:endParaRPr lang="en-US" sz="900" dirty="0">
+                      <a:endParaRPr lang="en-US" sz="900">
                         <a:latin typeface="Wingdings"/>
                         <a:cs typeface="Wingdings"/>
                       </a:endParaRPr>
@@ -6989,7 +6957,7 @@
                           <a:spcPts val="465"/>
                         </a:spcBef>
                       </a:pPr>
-                      <a:endParaRPr sz="900" dirty="0">
+                      <a:endParaRPr sz="900">
                         <a:latin typeface="AdobeClean-Light"/>
                         <a:cs typeface="AdobeClean-Light"/>
                       </a:endParaRPr>
@@ -7030,7 +6998,7 @@
                         </a:spcBef>
                       </a:pPr>
                       <a:r>
-                        <a:rPr sz="900" spc="0" dirty="0">
+                        <a:rPr sz="900" spc="0">
                           <a:solidFill>
                             <a:srgbClr val="020302"/>
                           </a:solidFill>
@@ -7040,7 +7008,7 @@
                         <a:t>Environment</a:t>
                       </a:r>
                       <a:r>
-                        <a:rPr lang="en-US" sz="900" spc="0" dirty="0">
+                        <a:rPr lang="en-US" sz="900" spc="0">
                           <a:solidFill>
                             <a:srgbClr val="020302"/>
                           </a:solidFill>
@@ -7050,7 +7018,7 @@
                         <a:t> </a:t>
                       </a:r>
                       <a:r>
-                        <a:rPr sz="900" spc="0" dirty="0">
+                        <a:rPr sz="900" spc="0">
                           <a:solidFill>
                             <a:srgbClr val="020302"/>
                           </a:solidFill>
@@ -7059,7 +7027,7 @@
                         </a:rPr>
                         <a:t>Review, Maintenance &amp; Monitoring</a:t>
                       </a:r>
-                      <a:endParaRPr sz="900" spc="0" dirty="0">
+                      <a:endParaRPr sz="900" spc="0">
                         <a:latin typeface="AdobeClean-Light"/>
                         <a:cs typeface="AdobeClean-Light"/>
                       </a:endParaRPr>
@@ -7090,7 +7058,7 @@
                           <a:spcPct val="100000"/>
                         </a:lnSpc>
                       </a:pPr>
-                      <a:endParaRPr sz="900" dirty="0">
+                      <a:endParaRPr sz="900">
                         <a:latin typeface="Times New Roman"/>
                         <a:cs typeface="Times New Roman"/>
                       </a:endParaRPr>
@@ -7132,7 +7100,7 @@
                         <a:defRPr/>
                       </a:pPr>
                       <a:r>
-                        <a:rPr lang="en-US" sz="900" dirty="0">
+                        <a:rPr lang="en-US" sz="900">
                           <a:solidFill>
                             <a:srgbClr val="020302"/>
                           </a:solidFill>
@@ -7141,7 +7109,7 @@
                         </a:rPr>
                         <a:t></a:t>
                       </a:r>
-                      <a:endParaRPr lang="en-US" sz="900" dirty="0">
+                      <a:endParaRPr lang="en-US" sz="900">
                         <a:latin typeface="Wingdings"/>
                         <a:cs typeface="Wingdings"/>
                       </a:endParaRPr>
@@ -7175,7 +7143,7 @@
                           <a:spcPts val="500"/>
                         </a:spcBef>
                       </a:pPr>
-                      <a:endParaRPr sz="900" dirty="0">
+                      <a:endParaRPr sz="900">
                         <a:latin typeface="AdobeClean-Light"/>
                         <a:cs typeface="AdobeClean-Light"/>
                       </a:endParaRPr>
@@ -7216,7 +7184,7 @@
                         </a:spcBef>
                       </a:pPr>
                       <a:r>
-                        <a:rPr sz="900" spc="0" dirty="0">
+                        <a:rPr sz="900" spc="0">
                           <a:solidFill>
                             <a:srgbClr val="020302"/>
                           </a:solidFill>
@@ -7225,7 +7193,7 @@
                         </a:rPr>
                         <a:t>Release, Migration, Upgrade &amp; Product Roadmap Review</a:t>
                       </a:r>
-                      <a:endParaRPr sz="900" spc="0" dirty="0">
+                      <a:endParaRPr sz="900" spc="0">
                         <a:latin typeface="AdobeClean-Light"/>
                         <a:cs typeface="AdobeClean-Light"/>
                       </a:endParaRPr>
@@ -7256,7 +7224,7 @@
                           <a:spcPct val="100000"/>
                         </a:lnSpc>
                       </a:pPr>
-                      <a:endParaRPr sz="900" dirty="0">
+                      <a:endParaRPr sz="900">
                         <a:latin typeface="Times New Roman"/>
                         <a:cs typeface="Times New Roman"/>
                       </a:endParaRPr>
@@ -7298,7 +7266,7 @@
                         <a:defRPr/>
                       </a:pPr>
                       <a:r>
-                        <a:rPr lang="en-US" sz="900" dirty="0">
+                        <a:rPr lang="en-US" sz="900">
                           <a:solidFill>
                             <a:srgbClr val="020302"/>
                           </a:solidFill>
@@ -7307,7 +7275,7 @@
                         </a:rPr>
                         <a:t></a:t>
                       </a:r>
-                      <a:endParaRPr lang="en-US" sz="900" dirty="0">
+                      <a:endParaRPr lang="en-US" sz="900">
                         <a:latin typeface="Wingdings"/>
                         <a:cs typeface="Wingdings"/>
                       </a:endParaRPr>
@@ -7341,7 +7309,7 @@
                           <a:spcPts val="530"/>
                         </a:spcBef>
                       </a:pPr>
-                      <a:endParaRPr sz="900" dirty="0">
+                      <a:endParaRPr sz="900">
                         <a:latin typeface="AdobeClean-Light"/>
                         <a:cs typeface="AdobeClean-Light"/>
                       </a:endParaRPr>
@@ -7391,7 +7359,7 @@
                         </a:spcBef>
                       </a:pPr>
                       <a:r>
-                        <a:rPr sz="900" spc="0" dirty="0">
+                        <a:rPr sz="900" spc="0">
                           <a:latin typeface="AdobeClean-Light"/>
                           <a:cs typeface="AdobeClean-Light"/>
                         </a:rPr>
@@ -7430,7 +7398,7 @@
                           <a:spcPct val="100000"/>
                         </a:lnSpc>
                       </a:pPr>
-                      <a:endParaRPr sz="900" dirty="0">
+                      <a:endParaRPr sz="900">
                         <a:latin typeface="Times New Roman"/>
                         <a:cs typeface="Times New Roman"/>
                       </a:endParaRPr>
@@ -7481,7 +7449,7 @@
                         <a:defRPr/>
                       </a:pPr>
                       <a:r>
-                        <a:rPr lang="en-US" sz="900" dirty="0">
+                        <a:rPr lang="en-US" sz="900">
                           <a:solidFill>
                             <a:srgbClr val="020302"/>
                           </a:solidFill>
@@ -7490,7 +7458,7 @@
                         </a:rPr>
                         <a:t></a:t>
                       </a:r>
-                      <a:endParaRPr lang="en-US" sz="900" dirty="0">
+                      <a:endParaRPr lang="en-US" sz="900">
                         <a:latin typeface="Wingdings"/>
                         <a:cs typeface="Wingdings"/>
                       </a:endParaRPr>
@@ -7534,7 +7502,7 @@
                         </a:spcBef>
                       </a:pPr>
                       <a:r>
-                        <a:rPr lang="en-US" sz="1000" b="1" i="0" spc="0" dirty="0">
+                        <a:rPr lang="en-US" sz="1000" b="1" i="0" spc="0">
                           <a:solidFill>
                             <a:schemeClr val="bg1"/>
                           </a:solidFill>
@@ -7543,7 +7511,7 @@
                         </a:rPr>
                         <a:t>Field Services</a:t>
                       </a:r>
-                      <a:endParaRPr sz="1000" b="1" i="0" spc="0" dirty="0">
+                      <a:endParaRPr sz="1000" b="1" i="0" spc="0">
                         <a:solidFill>
                           <a:schemeClr val="bg1"/>
                         </a:solidFill>
@@ -7602,7 +7570,7 @@
                         </a:spcBef>
                       </a:pPr>
                       <a:r>
-                        <a:rPr sz="900" spc="0" dirty="0">
+                        <a:rPr sz="900" spc="0">
                           <a:solidFill>
                             <a:srgbClr val="020302"/>
                           </a:solidFill>
@@ -7654,7 +7622,7 @@
                           <a:spcPct val="100000"/>
                         </a:lnSpc>
                       </a:pPr>
-                      <a:endParaRPr sz="900" dirty="0">
+                      <a:endParaRPr sz="900">
                         <a:latin typeface="Times New Roman"/>
                         <a:cs typeface="Times New Roman"/>
                       </a:endParaRPr>
@@ -7721,7 +7689,7 @@
                         <a:defRPr/>
                       </a:pPr>
                       <a:r>
-                        <a:rPr lang="en-US" sz="900" dirty="0">
+                        <a:rPr lang="en-US" sz="900">
                           <a:solidFill>
                             <a:srgbClr val="020302"/>
                           </a:solidFill>
@@ -7730,7 +7698,7 @@
                         </a:rPr>
                         <a:t></a:t>
                       </a:r>
-                      <a:endParaRPr lang="en-US" sz="900" dirty="0">
+                      <a:endParaRPr lang="en-US" sz="900">
                         <a:latin typeface="Wingdings"/>
                         <a:cs typeface="Wingdings"/>
                       </a:endParaRPr>
@@ -7812,7 +7780,7 @@
                         <a:defRPr/>
                       </a:pPr>
                       <a:r>
-                        <a:rPr lang="en-US" sz="900" spc="0" dirty="0">
+                        <a:rPr lang="en-US" sz="900" spc="0">
                           <a:latin typeface="AdobeClean-Light"/>
                           <a:cs typeface="AdobeClean-Light"/>
                         </a:rPr>
@@ -7851,7 +7819,7 @@
                     <a:lstStyle/>
                     <a:p>
                       <a:pPr algn="ctr"/>
-                      <a:endParaRPr lang="en-US" dirty="0"/>
+                      <a:endParaRPr lang="en-US"/>
                     </a:p>
                   </a:txBody>
                   <a:tcPr marL="0" marR="0" marT="0" marB="0">
@@ -7899,13 +7867,13 @@
                     <a:p>
                       <a:pPr algn="ctr"/>
                       <a:r>
-                        <a:rPr lang="en-US" sz="900" dirty="0">
+                        <a:rPr lang="en-US" sz="900">
                           <a:latin typeface="Times New Roman"/>
                           <a:cs typeface="Times New Roman"/>
                         </a:rPr>
                         <a:t>4</a:t>
                       </a:r>
-                      <a:endParaRPr lang="en-US" dirty="0"/>
+                      <a:endParaRPr lang="en-US"/>
                     </a:p>
                   </a:txBody>
                   <a:tcPr marL="0" marR="0" marT="0" marB="0" anchor="ctr">
@@ -8060,7 +8028,7 @@
               </a:spcBef>
             </a:pPr>
             <a:r>
-              <a:rPr sz="1400" b="1" spc="-10" dirty="0">
+              <a:rPr sz="1400" b="1" spc="-10">
                 <a:solidFill>
                   <a:srgbClr val="020302"/>
                 </a:solidFill>
@@ -8070,7 +8038,7 @@
               <a:t>Elite</a:t>
             </a:r>
             <a:r>
-              <a:rPr sz="1400" b="1" spc="-50" dirty="0">
+              <a:rPr sz="1400" b="1" spc="-50">
                 <a:solidFill>
                   <a:srgbClr val="020302"/>
                 </a:solidFill>
@@ -8080,7 +8048,7 @@
               <a:t> </a:t>
             </a:r>
             <a:r>
-              <a:rPr sz="1400" b="1" spc="-10" dirty="0">
+              <a:rPr sz="1400" b="1" spc="-10">
                 <a:solidFill>
                   <a:srgbClr val="020302"/>
                 </a:solidFill>
@@ -8090,7 +8058,7 @@
               <a:t>Support</a:t>
             </a:r>
             <a:r>
-              <a:rPr sz="1400" b="1" spc="-45" dirty="0">
+              <a:rPr sz="1400" b="1" spc="-45">
                 <a:solidFill>
                   <a:srgbClr val="020302"/>
                 </a:solidFill>
@@ -8100,7 +8068,7 @@
               <a:t> </a:t>
             </a:r>
             <a:r>
-              <a:rPr sz="1400" b="1" spc="-15" dirty="0">
+              <a:rPr sz="1400" b="1" spc="-15">
                 <a:solidFill>
                   <a:srgbClr val="020302"/>
                 </a:solidFill>
@@ -8109,7 +8077,7 @@
               </a:rPr>
               <a:t>Features</a:t>
             </a:r>
-            <a:endParaRPr sz="1400" dirty="0">
+            <a:endParaRPr sz="1400">
               <a:latin typeface="Adobe Clean"/>
               <a:cs typeface="Adobe Clean"/>
             </a:endParaRPr>
@@ -8146,16 +8114,16 @@
               </a:spcBef>
             </a:pPr>
             <a:r>
-              <a:rPr sz="1000" dirty="0">
+              <a:rPr sz="1000">
                 <a:solidFill>
                   <a:srgbClr val="4B4B4B"/>
                 </a:solidFill>
                 <a:latin typeface="AdobeClean-Light"/>
                 <a:cs typeface="AdobeClean-Light"/>
               </a:rPr>
-              <a:t>A designated support engineer who  becomes familiar with your solution  environment and business goals. The NSE  is an experienced support engineer that  helps coordinate your Enterprise Support  experience..</a:t>
-            </a:r>
-            <a:endParaRPr sz="1000" dirty="0">
+              <a:t>A designated support engineer who  becomes familiar with your solution  environment and business goals. The NSE  is an experienced support engineer that  helps coordinate your Enterprise Support  experience.</a:t>
+            </a:r>
+            <a:endParaRPr sz="1000">
               <a:latin typeface="AdobeClean-Light"/>
               <a:cs typeface="AdobeClean-Light"/>
             </a:endParaRPr>
@@ -8240,7 +8208,7 @@
               </a:spcBef>
             </a:pPr>
             <a:r>
-              <a:rPr sz="1000" dirty="0">
+              <a:rPr sz="1000">
                 <a:solidFill>
                   <a:srgbClr val="4B4B4B"/>
                 </a:solidFill>
@@ -8249,7 +8217,7 @@
               </a:rPr>
               <a:t>Regular scheduled review of open  support requests, ensuring customer  alignment on case description, business  impact, status, priority and agreement on  next steps required to ensure an  expedient resolution.</a:t>
             </a:r>
-            <a:endParaRPr sz="1000" dirty="0">
+            <a:endParaRPr sz="1000">
               <a:latin typeface="AdobeClean-Light"/>
               <a:cs typeface="AdobeClean-Light"/>
             </a:endParaRPr>
@@ -8310,7 +8278,7 @@
               </a:spcBef>
             </a:pPr>
             <a:r>
-              <a:rPr sz="1000" dirty="0">
+              <a:rPr sz="1000">
                 <a:solidFill>
                   <a:srgbClr val="020302"/>
                 </a:solidFill>
@@ -8320,7 +8288,7 @@
               <a:t>A designated Technical Account Manager to  oversee your Elite experience, coordinate  the support and field services  engagements, and provide proactive services  to maximize your business valu</a:t>
             </a:r>
             <a:r>
-              <a:rPr lang="en-US" sz="1000" dirty="0">
+              <a:rPr lang="en-US" sz="1000">
                 <a:solidFill>
                   <a:srgbClr val="020302"/>
                 </a:solidFill>
@@ -8362,7 +8330,7 @@
               </a:spcBef>
             </a:pPr>
             <a:r>
-              <a:rPr sz="1100" b="1" dirty="0">
+              <a:rPr sz="1100" b="1">
                 <a:solidFill>
                   <a:srgbClr val="020302"/>
                 </a:solidFill>
@@ -8371,7 +8339,7 @@
               </a:rPr>
               <a:t>Technical Account Manager</a:t>
             </a:r>
-            <a:endParaRPr sz="1100" dirty="0">
+            <a:endParaRPr sz="1100">
               <a:latin typeface="Adobe Clean" panose="020B0503020404020204" pitchFamily="34" charset="0"/>
               <a:cs typeface="Arial"/>
             </a:endParaRPr>
@@ -8456,7 +8424,7 @@
               </a:spcBef>
             </a:pPr>
             <a:r>
-              <a:rPr sz="1000" dirty="0">
+              <a:rPr sz="1000">
                 <a:solidFill>
                   <a:srgbClr val="020302"/>
                 </a:solidFill>
@@ -8466,7 +8434,7 @@
               <a:t>Ongoing knowledge transfer from Adobe  </a:t>
             </a:r>
             <a:r>
-              <a:rPr lang="en-US" sz="1000" dirty="0">
+              <a:rPr lang="en-US" sz="1000">
                 <a:solidFill>
                   <a:srgbClr val="020302"/>
                 </a:solidFill>
@@ -8476,7 +8444,7 @@
               <a:t>Support team</a:t>
             </a:r>
             <a:r>
-              <a:rPr sz="1000" dirty="0">
+              <a:rPr sz="1000">
                 <a:solidFill>
                   <a:srgbClr val="020302"/>
                 </a:solidFill>
@@ -8486,7 +8454,7 @@
               <a:t> to provide </a:t>
             </a:r>
             <a:r>
-              <a:rPr lang="en-US" sz="1000" dirty="0">
+              <a:rPr lang="en-US" sz="1000">
                 <a:solidFill>
                   <a:srgbClr val="020302"/>
                 </a:solidFill>
@@ -8495,7 +8463,7 @@
               </a:rPr>
               <a:t>best practices around solution usage.</a:t>
             </a:r>
-            <a:endParaRPr sz="1000" dirty="0">
+            <a:endParaRPr sz="1000">
               <a:latin typeface="AdobeClean-Light"/>
               <a:cs typeface="AdobeClean-Light"/>
             </a:endParaRPr>
@@ -8532,7 +8500,7 @@
               </a:spcBef>
             </a:pPr>
             <a:r>
-              <a:rPr sz="1000" dirty="0">
+              <a:rPr sz="1000">
                 <a:solidFill>
                   <a:srgbClr val="020302"/>
                 </a:solidFill>
@@ -8541,7 +8509,7 @@
               </a:rPr>
               <a:t>Manage key events to ensure you have the  right level of support, coverage, and  mitigation plan in place during those key  business and project milestones.</a:t>
             </a:r>
-            <a:endParaRPr sz="1000" dirty="0">
+            <a:endParaRPr sz="1000">
               <a:latin typeface="AdobeClean-Light"/>
               <a:cs typeface="AdobeClean-Light"/>
             </a:endParaRPr>
@@ -8578,7 +8546,7 @@
               </a:spcBef>
             </a:pPr>
             <a:r>
-              <a:rPr sz="1000" dirty="0">
+              <a:rPr sz="1000">
                 <a:solidFill>
                   <a:srgbClr val="020302"/>
                 </a:solidFill>
@@ -8587,7 +8555,7 @@
               </a:rPr>
               <a:t>Receive personalized guidance on new  product features to take advantage of  latest innovations, and have Adobe  experts review release and upgrade plan.</a:t>
             </a:r>
-            <a:endParaRPr sz="1000" dirty="0">
+            <a:endParaRPr sz="1000">
               <a:latin typeface="AdobeClean-Light"/>
               <a:cs typeface="AdobeClean-Light"/>
             </a:endParaRPr>
@@ -8624,7 +8592,7 @@
               </a:spcBef>
             </a:pPr>
             <a:r>
-              <a:rPr sz="800" spc="-15" dirty="0">
+              <a:rPr sz="800" spc="-15">
                 <a:solidFill>
                   <a:srgbClr val="6D6D6D"/>
                 </a:solidFill>
@@ -8634,7 +8602,7 @@
               <a:t>©2021 </a:t>
             </a:r>
             <a:r>
-              <a:rPr sz="800" spc="-5" dirty="0">
+              <a:rPr sz="800" spc="-5">
                 <a:solidFill>
                   <a:srgbClr val="6D6D6D"/>
                 </a:solidFill>
@@ -8644,7 +8612,7 @@
               <a:t>Adobe. All</a:t>
             </a:r>
             <a:r>
-              <a:rPr sz="800" spc="-15" dirty="0">
+              <a:rPr sz="800" spc="-15">
                 <a:solidFill>
                   <a:srgbClr val="6D6D6D"/>
                 </a:solidFill>
@@ -8654,7 +8622,7 @@
               <a:t> Rights</a:t>
             </a:r>
             <a:r>
-              <a:rPr sz="800" spc="-5" dirty="0">
+              <a:rPr sz="800" spc="-5">
                 <a:solidFill>
                   <a:srgbClr val="6D6D6D"/>
                 </a:solidFill>
@@ -8664,7 +8632,7 @@
               <a:t> </a:t>
             </a:r>
             <a:r>
-              <a:rPr sz="800" spc="-15" dirty="0">
+              <a:rPr sz="800" spc="-15">
                 <a:solidFill>
                   <a:srgbClr val="6D6D6D"/>
                 </a:solidFill>
@@ -8674,7 +8642,7 @@
               <a:t>Reserved.</a:t>
             </a:r>
             <a:r>
-              <a:rPr sz="800" spc="-10" dirty="0">
+              <a:rPr sz="800" spc="-10">
                 <a:solidFill>
                   <a:srgbClr val="6D6D6D"/>
                 </a:solidFill>
@@ -8684,7 +8652,7 @@
               <a:t> </a:t>
             </a:r>
             <a:r>
-              <a:rPr sz="800" spc="-5" dirty="0">
+              <a:rPr sz="800" spc="-5">
                 <a:solidFill>
                   <a:srgbClr val="6D6D6D"/>
                 </a:solidFill>
@@ -8694,7 +8662,7 @@
               <a:t>Adobe</a:t>
             </a:r>
             <a:r>
-              <a:rPr sz="800" spc="65" dirty="0">
+              <a:rPr sz="800" spc="65">
                 <a:solidFill>
                   <a:srgbClr val="6D6D6D"/>
                 </a:solidFill>
@@ -8704,7 +8672,7 @@
               <a:t> </a:t>
             </a:r>
             <a:r>
-              <a:rPr sz="800" spc="-15" dirty="0">
+              <a:rPr sz="800" spc="-15">
                 <a:solidFill>
                   <a:srgbClr val="6D6D6D"/>
                 </a:solidFill>
@@ -8798,7 +8766,7 @@
               </a:tabLst>
             </a:pPr>
             <a:r>
-              <a:rPr sz="1000" spc="-20" dirty="0">
+              <a:rPr sz="1000" spc="-20">
                 <a:solidFill>
                   <a:srgbClr val="020302"/>
                 </a:solidFill>
@@ -8808,7 +8776,7 @@
               <a:t>Start </a:t>
             </a:r>
             <a:r>
-              <a:rPr sz="1000" dirty="0">
+              <a:rPr sz="1000">
                 <a:solidFill>
                   <a:srgbClr val="020302"/>
                 </a:solidFill>
@@ -8818,7 +8786,7 @@
               <a:t>a </a:t>
             </a:r>
             <a:r>
-              <a:rPr sz="1000" spc="-15" dirty="0">
+              <a:rPr sz="1000" spc="-15">
                 <a:solidFill>
                   <a:srgbClr val="020302"/>
                 </a:solidFill>
@@ -8828,7 +8796,7 @@
               <a:t>chat </a:t>
             </a:r>
             <a:r>
-              <a:rPr sz="1000" spc="-10" dirty="0">
+              <a:rPr sz="1000" spc="-10">
                 <a:solidFill>
                   <a:srgbClr val="020302"/>
                 </a:solidFill>
@@ -8838,7 +8806,7 @@
               <a:t>session </a:t>
             </a:r>
             <a:r>
-              <a:rPr sz="1000" spc="-5" dirty="0">
+              <a:rPr sz="1000" spc="-5">
                 <a:solidFill>
                   <a:srgbClr val="020302"/>
                 </a:solidFill>
@@ -8848,7 +8816,7 @@
               <a:t>to </a:t>
             </a:r>
             <a:r>
-              <a:rPr sz="1000" spc="-10" dirty="0">
+              <a:rPr sz="1000" spc="-10">
                 <a:solidFill>
                   <a:srgbClr val="020302"/>
                 </a:solidFill>
@@ -8858,7 +8826,7 @@
               <a:t>get </a:t>
             </a:r>
             <a:r>
-              <a:rPr sz="1000" spc="-20" dirty="0">
+              <a:rPr sz="1000" spc="-20">
                 <a:solidFill>
                   <a:srgbClr val="020302"/>
                 </a:solidFill>
@@ -8868,7 +8836,7 @@
               <a:t>answers</a:t>
             </a:r>
             <a:r>
-              <a:rPr lang="en-US" sz="1000" spc="-45" dirty="0">
+              <a:rPr lang="en-US" sz="1000" spc="-45">
                 <a:solidFill>
                   <a:srgbClr val="020302"/>
                 </a:solidFill>
@@ -8878,7 +8846,7 @@
               <a:t> </a:t>
             </a:r>
             <a:r>
-              <a:rPr lang="en-US" sz="1000" dirty="0">
+              <a:rPr lang="en-US" sz="1000">
                 <a:solidFill>
                   <a:srgbClr val="020302"/>
                 </a:solidFill>
@@ -8888,7 +8856,7 @@
               <a:t>&amp; </a:t>
             </a:r>
             <a:r>
-              <a:rPr sz="1000" spc="-15" dirty="0">
+              <a:rPr sz="1000" spc="-15">
                 <a:solidFill>
                   <a:srgbClr val="020302"/>
                 </a:solidFill>
@@ -8898,7 +8866,7 @@
               <a:t>help </a:t>
             </a:r>
             <a:r>
-              <a:rPr sz="1000" spc="-10" dirty="0">
+              <a:rPr sz="1000" spc="-10">
                 <a:solidFill>
                   <a:srgbClr val="020302"/>
                 </a:solidFill>
@@ -8908,7 +8876,7 @@
               <a:t>with</a:t>
             </a:r>
             <a:r>
-              <a:rPr sz="1000" spc="85" dirty="0">
+              <a:rPr sz="1000" spc="85">
                 <a:solidFill>
                   <a:srgbClr val="020302"/>
                 </a:solidFill>
@@ -8918,7 +8886,7 @@
               <a:t> </a:t>
             </a:r>
             <a:r>
-              <a:rPr sz="1000" spc="-10" dirty="0">
+              <a:rPr sz="1000" spc="-10">
                 <a:solidFill>
                   <a:srgbClr val="020302"/>
                 </a:solidFill>
@@ -8928,7 +8896,7 @@
               <a:t>case </a:t>
             </a:r>
             <a:r>
-              <a:rPr sz="1000" spc="-20" dirty="0">
+              <a:rPr sz="1000" spc="-20">
                 <a:solidFill>
                   <a:srgbClr val="020302"/>
                 </a:solidFill>
@@ -8937,13 +8905,16 @@
               </a:rPr>
               <a:t>submission</a:t>
             </a:r>
-            <a:endParaRPr lang="en-US" sz="1000" spc="-20" dirty="0">
-              <a:solidFill>
-                <a:srgbClr val="020302"/>
-              </a:solidFill>
-              <a:latin typeface="AdobeClean-Light"/>
-              <a:cs typeface="AdobeClean-Light"/>
-            </a:endParaRPr>
+            <a:r>
+              <a:rPr lang="en-US" sz="1000" spc="-20">
+                <a:solidFill>
+                  <a:srgbClr val="020302"/>
+                </a:solidFill>
+                <a:latin typeface="AdobeClean-Light"/>
+                <a:cs typeface="AdobeClean-Light"/>
+              </a:rPr>
+              <a:t>.</a:t>
+            </a:r>
           </a:p>
           <a:p>
             <a:pPr marL="33020" marR="159385">
@@ -8958,7 +8929,7 @@
               </a:tabLst>
             </a:pPr>
             <a:r>
-              <a:rPr sz="1000" i="1" spc="-10" dirty="0">
+              <a:rPr sz="1000" i="1" spc="-10">
                 <a:solidFill>
                   <a:srgbClr val="7A7A7A"/>
                 </a:solidFill>
@@ -8968,7 +8939,7 @@
               <a:t>*Not all </a:t>
             </a:r>
             <a:r>
-              <a:rPr sz="1000" i="1" spc="-20" dirty="0">
+              <a:rPr sz="1000" i="1" spc="-20">
                 <a:solidFill>
                   <a:srgbClr val="7A7A7A"/>
                 </a:solidFill>
@@ -8978,7 +8949,7 @@
               <a:t>products have live chat support</a:t>
             </a:r>
             <a:r>
-              <a:rPr sz="900" i="1" spc="-20" dirty="0">
+              <a:rPr sz="900" i="1" spc="-20">
                 <a:solidFill>
                   <a:srgbClr val="7A7A7A"/>
                 </a:solidFill>
@@ -8987,7 +8958,7 @@
               </a:rPr>
               <a:t>.  </a:t>
             </a:r>
-            <a:endParaRPr sz="900" dirty="0">
+            <a:endParaRPr sz="900">
               <a:latin typeface="AdobeClean-Light"/>
               <a:cs typeface="AdobeClean-Light"/>
             </a:endParaRPr>
@@ -9037,7 +9008,7 @@
               <a:defRPr/>
             </a:pPr>
             <a:r>
-              <a:rPr lang="en-US" sz="1200" dirty="0">
+              <a:rPr lang="en-US" sz="1200">
                 <a:solidFill>
                   <a:srgbClr val="000000"/>
                 </a:solidFill>
@@ -9085,7 +9056,7 @@
               </a:spcAft>
             </a:pPr>
             <a:r>
-              <a:rPr lang="en-US" sz="1200" b="1" dirty="0">
+              <a:rPr lang="en-US" sz="1200" b="1">
                 <a:latin typeface="+mj-lt"/>
                 <a:ea typeface="Open Sans" pitchFamily="34" charset="0"/>
                 <a:cs typeface="Open Sans" pitchFamily="34" charset="0"/>
@@ -9123,13 +9094,13 @@
           <a:lstStyle/>
           <a:p>
             <a:r>
-              <a:rPr lang="en-US" sz="1000" dirty="0">
+              <a:rPr lang="en-US" sz="1000">
                 <a:solidFill>
                   <a:srgbClr val="4B4B4B"/>
                 </a:solidFill>
                 <a:latin typeface="Adobe Clean Light" panose="020B0303020404020204" pitchFamily="34" charset="0"/>
               </a:rPr>
-              <a:t>Continuous online access to a growing database of technical solutions, product documentation, FAQs and more. Connect with practitioners and other customers on Adobe Community to share best practices and lessons learned</a:t>
+              <a:t>Continuous online access to a growing database of technical solutions, product documentation, FAQs and more. Connect with practitioners and other customers on Adobe Community to share best practices and lessons learned.</a:t>
             </a:r>
           </a:p>
         </p:txBody>
@@ -9177,7 +9148,7 @@
               <a:defRPr/>
             </a:pPr>
             <a:r>
-              <a:rPr lang="en-US" sz="1200" dirty="0">
+              <a:rPr lang="en-US" sz="1200">
                 <a:solidFill>
                   <a:srgbClr val="000000"/>
                 </a:solidFill>
@@ -9225,7 +9196,7 @@
               </a:spcAft>
             </a:pPr>
             <a:r>
-              <a:rPr lang="en-US" sz="1200" b="1" dirty="0">
+              <a:rPr lang="en-US" sz="1200" b="1">
                 <a:latin typeface="+mj-lt"/>
                 <a:ea typeface="Open Sans" pitchFamily="34" charset="0"/>
                 <a:cs typeface="Open Sans" pitchFamily="34" charset="0"/>
@@ -9263,13 +9234,13 @@
           <a:lstStyle/>
           <a:p>
             <a:r>
-              <a:rPr lang="en-US" sz="1000" dirty="0">
+              <a:rPr lang="en-US" sz="1000">
                 <a:solidFill>
                   <a:srgbClr val="4B4B4B"/>
                 </a:solidFill>
                 <a:latin typeface="Adobe Clean Light" panose="020B0303020404020204" pitchFamily="34" charset="0"/>
               </a:rPr>
-              <a:t>Experience Makers are made with Experience League. Customers can kickstart their Customer Experience Management abilities with personalized learning to develop skills, engage with a global community of peers, and earn career advancing recognition</a:t>
+              <a:t>Experience Makers are made with Experience League. Customers can kickstart their Customer Experience Management abilities with personalized learning to develop skills, engage with a global community of peers, and earn career advancing recognition.</a:t>
             </a:r>
           </a:p>
         </p:txBody>
@@ -9317,7 +9288,7 @@
               <a:defRPr/>
             </a:pPr>
             <a:r>
-              <a:rPr lang="en-US" sz="1200" dirty="0">
+              <a:rPr lang="en-US" sz="1200">
                 <a:solidFill>
                   <a:srgbClr val="000000"/>
                 </a:solidFill>
@@ -9365,7 +9336,7 @@
               </a:spcAft>
             </a:pPr>
             <a:r>
-              <a:rPr lang="en-US" sz="1200" b="1" dirty="0">
+              <a:rPr lang="en-US" sz="1200" b="1">
                 <a:latin typeface="+mj-lt"/>
                 <a:ea typeface="Open Sans" pitchFamily="34" charset="0"/>
                 <a:cs typeface="Open Sans" pitchFamily="34" charset="0"/>
@@ -9418,7 +9389,7 @@
               <a:defRPr/>
             </a:pPr>
             <a:r>
-              <a:rPr lang="en-US" sz="1200" dirty="0">
+              <a:rPr lang="en-US" sz="1200">
                 <a:solidFill>
                   <a:srgbClr val="000000"/>
                 </a:solidFill>
@@ -9466,7 +9437,7 @@
               </a:spcAft>
             </a:pPr>
             <a:r>
-              <a:rPr lang="en-US" sz="1200" b="1" dirty="0">
+              <a:rPr lang="en-US" sz="1200" b="1">
                 <a:latin typeface="+mj-lt"/>
                 <a:ea typeface="Open Sans" pitchFamily="34" charset="0"/>
                 <a:cs typeface="Open Sans" pitchFamily="34" charset="0"/>
@@ -9504,7 +9475,7 @@
           <a:lstStyle/>
           <a:p>
             <a:r>
-              <a:rPr lang="en-US" sz="1000" dirty="0">
+              <a:rPr lang="en-US" sz="1000">
                 <a:solidFill>
                   <a:srgbClr val="020302"/>
                 </a:solidFill>
@@ -9513,7 +9484,7 @@
               <a:t>Authorized users or </a:t>
             </a:r>
             <a:r>
-              <a:rPr lang="en-US" sz="1000" b="1" dirty="0">
+              <a:rPr lang="en-US" sz="1000" b="1">
                 <a:solidFill>
                   <a:srgbClr val="020302"/>
                 </a:solidFill>
@@ -9522,12 +9493,12 @@
               <a:t>Named Support Contacts </a:t>
             </a:r>
             <a:r>
-              <a:rPr lang="en-US" sz="1000" dirty="0">
+              <a:rPr lang="en-US" sz="1000">
                 <a:latin typeface="Adobe Clean Light" panose="020B0303020404020204" pitchFamily="34" charset="0"/>
               </a:rPr>
               <a:t>can submit issues through all available  channels (including phone for P1) and interact with our technical support team on behalf of your company. </a:t>
             </a:r>
-            <a:endParaRPr lang="en-US" sz="1000" dirty="0">
+            <a:endParaRPr lang="en-US" sz="1000">
               <a:solidFill>
                 <a:srgbClr val="000000"/>
               </a:solidFill>
@@ -9627,7 +9598,7 @@
               <a:defRPr/>
             </a:pPr>
             <a:r>
-              <a:rPr lang="en-US" sz="1200" dirty="0">
+              <a:rPr lang="en-US" sz="1200">
                 <a:solidFill>
                   <a:srgbClr val="000000"/>
                 </a:solidFill>
@@ -9675,7 +9646,7 @@
               </a:spcAft>
             </a:pPr>
             <a:r>
-              <a:rPr lang="en-US" sz="1200" b="1" dirty="0">
+              <a:rPr lang="en-US" sz="1200" b="1">
                 <a:latin typeface="+mj-lt"/>
                 <a:ea typeface="Open Sans" pitchFamily="34" charset="0"/>
                 <a:cs typeface="Open Sans" pitchFamily="34" charset="0"/>
@@ -9713,7 +9684,7 @@
           <a:lstStyle/>
           <a:p>
             <a:r>
-              <a:rPr lang="en-US" sz="1000" dirty="0">
+              <a:rPr lang="en-US" sz="1000">
                 <a:solidFill>
                   <a:srgbClr val="4B4B4B"/>
                 </a:solidFill>
@@ -9767,7 +9738,7 @@
               <a:defRPr/>
             </a:pPr>
             <a:r>
-              <a:rPr lang="en-US" sz="1200" dirty="0">
+              <a:rPr lang="en-US" sz="1200">
                 <a:solidFill>
                   <a:srgbClr val="000000"/>
                 </a:solidFill>
@@ -9815,7 +9786,7 @@
               </a:spcAft>
             </a:pPr>
             <a:r>
-              <a:rPr lang="en-US" sz="1200" b="1" dirty="0">
+              <a:rPr lang="en-US" sz="1200" b="1">
                 <a:latin typeface="+mj-lt"/>
                 <a:ea typeface="Open Sans" pitchFamily="34" charset="0"/>
                 <a:cs typeface="Open Sans" pitchFamily="34" charset="0"/>
@@ -9853,7 +9824,7 @@
           <a:lstStyle/>
           <a:p>
             <a:r>
-              <a:rPr lang="en-US" sz="1000" dirty="0">
+              <a:rPr lang="en-US" sz="1000">
                 <a:solidFill>
                   <a:srgbClr val="4B4B4B"/>
                 </a:solidFill>
@@ -9862,7 +9833,7 @@
               <a:t>On-demand access to the online </a:t>
             </a:r>
             <a:br>
-              <a:rPr lang="en-US" sz="1000" dirty="0">
+              <a:rPr lang="en-US" sz="1000">
                 <a:solidFill>
                   <a:srgbClr val="4B4B4B"/>
                 </a:solidFill>
@@ -9870,7 +9841,7 @@
               </a:rPr>
             </a:br>
             <a:r>
-              <a:rPr lang="en-US" sz="1000" dirty="0">
+              <a:rPr lang="en-US" sz="1000">
                 <a:solidFill>
                   <a:srgbClr val="4B4B4B"/>
                 </a:solidFill>
@@ -10206,7 +10177,7 @@
               </a:spcBef>
             </a:pPr>
             <a:r>
-              <a:rPr lang="en-US" sz="1400" b="1" dirty="0">
+              <a:rPr lang="en-US" sz="1400" b="1">
                 <a:solidFill>
                   <a:srgbClr val="020302"/>
                 </a:solidFill>
@@ -10215,7 +10186,7 @@
               </a:rPr>
               <a:t>Online Support Features</a:t>
             </a:r>
-            <a:endParaRPr lang="en-US" sz="1400" dirty="0">
+            <a:endParaRPr lang="en-US" sz="1400">
               <a:latin typeface="Adobe Clean"/>
               <a:cs typeface="Adobe Clean"/>
             </a:endParaRPr>
@@ -10440,7 +10411,7 @@
               </a:spcBef>
             </a:pPr>
             <a:r>
-              <a:rPr lang="en-US" sz="1000" dirty="0">
+              <a:rPr lang="en-US" sz="1000">
                 <a:solidFill>
                   <a:srgbClr val="020302"/>
                 </a:solidFill>
@@ -10449,7 +10420,7 @@
               </a:rPr>
               <a:t>Proactive review of your solution  deployment, configuration, and overall  architecture, including integrations.</a:t>
             </a:r>
-            <a:endParaRPr lang="en-US" sz="1000" dirty="0">
+            <a:endParaRPr lang="en-US" sz="1000">
               <a:solidFill>
                 <a:prstClr val="black"/>
               </a:solidFill>
@@ -10495,16 +10466,16 @@
               </a:spcBef>
             </a:pPr>
             <a:r>
-              <a:rPr lang="en-US" sz="1000" dirty="0">
+              <a:rPr lang="en-US" sz="1000">
                 <a:solidFill>
                   <a:srgbClr val="020302"/>
                 </a:solidFill>
                 <a:latin typeface="AdobeClean-Light"/>
                 <a:cs typeface="AdobeClean-Light"/>
               </a:rPr>
-              <a:t>Receive maintenance best practices and latest  fixes (SPs, MR, patches, FPs) to remain up-to-  date on all maintenance checks</a:t>
-            </a:r>
-            <a:endParaRPr lang="en-US" sz="1000" dirty="0">
+              <a:t>Receive maintenance best practices and latest  fixes (SPs, MR, patches, FPs) to remain up-to-  date on all maintenance checks.</a:t>
+            </a:r>
+            <a:endParaRPr lang="en-US" sz="1000">
               <a:solidFill>
                 <a:prstClr val="black"/>
               </a:solidFill>
@@ -10547,7 +10518,7 @@
               </a:spcBef>
             </a:pPr>
             <a:r>
-              <a:rPr lang="en-US" sz="1000" dirty="0">
+              <a:rPr lang="en-US" sz="1000">
                 <a:solidFill>
                   <a:srgbClr val="4B4B4B"/>
                 </a:solidFill>
@@ -10556,7 +10527,7 @@
               </a:rPr>
               <a:t>A regular review of Elite program services, support metrics, and deliverables, including a forward-looking plan</a:t>
             </a:r>
-            <a:endParaRPr lang="en-US" sz="1000" dirty="0">
+            <a:endParaRPr lang="en-US" sz="1000">
               <a:solidFill>
                 <a:prstClr val="black"/>
               </a:solidFill>
@@ -10599,7 +10570,7 @@
               </a:spcBef>
             </a:pPr>
             <a:r>
-              <a:rPr lang="en-US" sz="1000" dirty="0">
+              <a:rPr lang="en-US" sz="1000">
                 <a:solidFill>
                   <a:srgbClr val="4B4B4B"/>
                 </a:solidFill>
@@ -10608,7 +10579,7 @@
               </a:rPr>
               <a:t>A 60-minute session focusing on a  specific product feature and how it can  be utilized to solve common business  problems.</a:t>
             </a:r>
-            <a:endParaRPr lang="en-US" sz="1000" dirty="0">
+            <a:endParaRPr lang="en-US" sz="1000">
               <a:solidFill>
                 <a:prstClr val="black"/>
               </a:solidFill>
@@ -10651,7 +10622,7 @@
               </a:spcBef>
             </a:pPr>
             <a:r>
-              <a:rPr lang="en-US" sz="1000" dirty="0">
+              <a:rPr lang="en-US" sz="1000">
                 <a:solidFill>
                   <a:srgbClr val="4B4B4B"/>
                 </a:solidFill>
@@ -10660,7 +10631,7 @@
               </a:rPr>
               <a:t>A designated point of contact within Adobe  who can provide escalation assistance,  regular updates and ensure priority is given  to your most critical open support requests.</a:t>
             </a:r>
-            <a:endParaRPr lang="en-US" dirty="0"/>
+            <a:endParaRPr lang="en-US"/>
           </a:p>
         </p:txBody>
       </p:sp>
@@ -10697,7 +10668,7 @@
               </a:spcBef>
             </a:pPr>
             <a:r>
-              <a:rPr lang="en-US" sz="1100" b="1" dirty="0">
+              <a:rPr lang="en-US" sz="1100" b="1">
                 <a:solidFill>
                   <a:srgbClr val="020302"/>
                 </a:solidFill>
@@ -10706,7 +10677,7 @@
               </a:rPr>
               <a:t>Named Support Engineer</a:t>
             </a:r>
-            <a:endParaRPr lang="en-US" sz="1100" dirty="0">
+            <a:endParaRPr lang="en-US" sz="1100">
               <a:solidFill>
                 <a:prstClr val="black"/>
               </a:solidFill>
@@ -10749,7 +10720,7 @@
               </a:spcBef>
             </a:pPr>
             <a:r>
-              <a:rPr lang="en-US" sz="1100" b="1" dirty="0">
+              <a:rPr lang="en-US" sz="1100" b="1">
                 <a:solidFill>
                   <a:srgbClr val="020302"/>
                 </a:solidFill>
@@ -10758,7 +10729,7 @@
               </a:rPr>
               <a:t>Case Reviews</a:t>
             </a:r>
-            <a:endParaRPr lang="en-US" sz="1100" dirty="0">
+            <a:endParaRPr lang="en-US" sz="1100">
               <a:solidFill>
                 <a:prstClr val="black"/>
               </a:solidFill>
@@ -10801,7 +10772,7 @@
               </a:spcBef>
             </a:pPr>
             <a:r>
-              <a:rPr lang="en-US" sz="1100" b="1" dirty="0">
+              <a:rPr lang="en-US" sz="1100" b="1">
                 <a:solidFill>
                   <a:srgbClr val="020302"/>
                 </a:solidFill>
@@ -10810,7 +10781,7 @@
               </a:rPr>
               <a:t>Maintenance &amp; Monitoring</a:t>
             </a:r>
-            <a:endParaRPr lang="en-US" sz="1100" dirty="0">
+            <a:endParaRPr lang="en-US" sz="1100">
               <a:solidFill>
                 <a:prstClr val="black"/>
               </a:solidFill>
@@ -10853,7 +10824,7 @@
               </a:spcBef>
             </a:pPr>
             <a:r>
-              <a:rPr lang="en-US" sz="1100" b="1" dirty="0">
+              <a:rPr lang="en-US" sz="1100" b="1">
                 <a:solidFill>
                   <a:srgbClr val="020302"/>
                 </a:solidFill>
@@ -10862,7 +10833,7 @@
               </a:rPr>
               <a:t>Solution Roadmap Review</a:t>
             </a:r>
-            <a:endParaRPr lang="en-US" sz="1100" dirty="0">
+            <a:endParaRPr lang="en-US" sz="1100">
               <a:solidFill>
                 <a:prstClr val="black"/>
               </a:solidFill>
@@ -10905,7 +10876,7 @@
               </a:spcBef>
             </a:pPr>
             <a:r>
-              <a:rPr lang="en-US" sz="1100" b="1" dirty="0">
+              <a:rPr lang="en-US" sz="1100" b="1">
                 <a:solidFill>
                   <a:srgbClr val="020302"/>
                 </a:solidFill>
@@ -10914,7 +10885,7 @@
               </a:rPr>
               <a:t>Environment Review</a:t>
             </a:r>
-            <a:endParaRPr lang="en-US" sz="1100" dirty="0">
+            <a:endParaRPr lang="en-US" sz="1100">
               <a:solidFill>
                 <a:prstClr val="black"/>
               </a:solidFill>
@@ -10957,7 +10928,7 @@
               </a:spcBef>
             </a:pPr>
             <a:r>
-              <a:rPr lang="en-US" sz="1100" b="1" dirty="0">
+              <a:rPr lang="en-US" sz="1100" b="1">
                 <a:solidFill>
                   <a:srgbClr val="020302"/>
                 </a:solidFill>
@@ -10966,7 +10937,7 @@
               </a:rPr>
               <a:t>Escalation Management</a:t>
             </a:r>
-            <a:endParaRPr lang="en-US" sz="1100" dirty="0">
+            <a:endParaRPr lang="en-US" sz="1100">
               <a:solidFill>
                 <a:prstClr val="black"/>
               </a:solidFill>
@@ -11009,7 +10980,7 @@
               </a:spcBef>
             </a:pPr>
             <a:r>
-              <a:rPr lang="en-US" sz="1100" b="1" dirty="0">
+              <a:rPr lang="en-US" sz="1100" b="1">
                 <a:solidFill>
                   <a:srgbClr val="020302"/>
                 </a:solidFill>
@@ -11018,7 +10989,7 @@
               </a:rPr>
               <a:t>Service Reviews</a:t>
             </a:r>
-            <a:endParaRPr lang="en-US" sz="1100" dirty="0">
+            <a:endParaRPr lang="en-US" sz="1100">
               <a:solidFill>
                 <a:prstClr val="black"/>
               </a:solidFill>
@@ -11061,7 +11032,7 @@
               </a:spcBef>
             </a:pPr>
             <a:r>
-              <a:rPr lang="en-US" sz="1100" b="1" dirty="0">
+              <a:rPr lang="en-US" sz="1100" b="1">
                 <a:solidFill>
                   <a:srgbClr val="020302"/>
                 </a:solidFill>
@@ -11070,7 +11041,7 @@
               </a:rPr>
               <a:t>Expert Sessions</a:t>
             </a:r>
-            <a:endParaRPr lang="en-US" sz="1100" dirty="0">
+            <a:endParaRPr lang="en-US" sz="1100">
               <a:solidFill>
                 <a:prstClr val="black"/>
               </a:solidFill>
@@ -11113,7 +11084,7 @@
               </a:spcBef>
             </a:pPr>
             <a:r>
-              <a:rPr lang="en-US" sz="1100" b="1" dirty="0">
+              <a:rPr lang="en-US" sz="1100" b="1">
                 <a:solidFill>
                   <a:srgbClr val="020302"/>
                 </a:solidFill>
@@ -11122,7 +11093,7 @@
               </a:rPr>
               <a:t>Release Preparation &amp; Review</a:t>
             </a:r>
-            <a:endParaRPr lang="en-US" sz="1100" dirty="0">
+            <a:endParaRPr lang="en-US" sz="1100">
               <a:solidFill>
                 <a:prstClr val="black"/>
               </a:solidFill>
@@ -11168,7 +11139,7 @@
               </a:spcBef>
             </a:pPr>
             <a:r>
-              <a:rPr lang="en-US" sz="1100" b="1" dirty="0">
+              <a:rPr lang="en-US" sz="1100" b="1">
                 <a:solidFill>
                   <a:srgbClr val="020302"/>
                 </a:solidFill>
@@ -11177,7 +11148,7 @@
               </a:rPr>
               <a:t>Knowledge Transfer</a:t>
             </a:r>
-            <a:endParaRPr lang="en-US" sz="1100" dirty="0">
+            <a:endParaRPr lang="en-US" sz="1100">
               <a:latin typeface="Adobe Clean" panose="020B0503020404020204" pitchFamily="34" charset="0"/>
               <a:cs typeface="Adobe Clean"/>
             </a:endParaRPr>
@@ -11220,7 +11191,7 @@
               </a:spcBef>
             </a:pPr>
             <a:r>
-              <a:rPr lang="en-US" sz="1100" b="1" dirty="0">
+              <a:rPr lang="en-US" sz="1100" b="1">
                 <a:solidFill>
                   <a:srgbClr val="020302"/>
                 </a:solidFill>
@@ -11229,7 +11200,7 @@
               </a:rPr>
               <a:t>Event Management</a:t>
             </a:r>
-            <a:endParaRPr lang="en-US" sz="1100" dirty="0">
+            <a:endParaRPr lang="en-US" sz="1100">
               <a:latin typeface="Adobe Clean" panose="020B0503020404020204" pitchFamily="34" charset="0"/>
               <a:cs typeface="Adobe Clean"/>
             </a:endParaRPr>
@@ -11580,7 +11551,7 @@
               </a:spcBef>
             </a:pPr>
             <a:r>
-              <a:rPr lang="en-US" sz="1000" dirty="0">
+              <a:rPr lang="en-US" sz="1000">
                 <a:solidFill>
                   <a:srgbClr val="020302"/>
                 </a:solidFill>
@@ -11589,7 +11560,7 @@
               </a:rPr>
               <a:t>Compare and align Adobe solution  roadmap with your project roadmap to  mitigate risk and prepare for the future.</a:t>
             </a:r>
-            <a:endParaRPr lang="en-US" sz="1000" dirty="0">
+            <a:endParaRPr lang="en-US" sz="1000">
               <a:latin typeface="AdobeClean-Light"/>
               <a:cs typeface="AdobeClean-Light"/>
             </a:endParaRPr>
@@ -11604,7 +11575,7 @@
               </a:spcBef>
             </a:pPr>
             <a:r>
-              <a:rPr lang="en-US" sz="1000" dirty="0">
+              <a:rPr lang="en-US" sz="1000">
                 <a:solidFill>
                   <a:srgbClr val="020302"/>
                 </a:solidFill>
@@ -11613,7 +11584,7 @@
               </a:rPr>
               <a:t>.</a:t>
             </a:r>
-            <a:endParaRPr lang="en-US" sz="1000" dirty="0">
+            <a:endParaRPr lang="en-US" sz="1000">
               <a:solidFill>
                 <a:prstClr val="black"/>
               </a:solidFill>
@@ -11970,7 +11941,7 @@
               </a:spcBef>
             </a:pPr>
             <a:r>
-              <a:rPr sz="1400" b="1" spc="-25" dirty="0">
+              <a:rPr sz="1400" b="1" spc="-25">
                 <a:solidFill>
                   <a:srgbClr val="020302"/>
                 </a:solidFill>
@@ -11980,7 +11951,7 @@
               <a:t>Fi</a:t>
             </a:r>
             <a:r>
-              <a:rPr sz="1400" b="1" spc="-35" dirty="0">
+              <a:rPr sz="1400" b="1" spc="-35">
                 <a:solidFill>
                   <a:srgbClr val="020302"/>
                 </a:solidFill>
@@ -11990,7 +11961,7 @@
               <a:t>e</a:t>
             </a:r>
             <a:r>
-              <a:rPr sz="1400" b="1" spc="-25" dirty="0">
+              <a:rPr sz="1400" b="1" spc="-25">
                 <a:solidFill>
                   <a:srgbClr val="020302"/>
                 </a:solidFill>
@@ -12000,7 +11971,7 @@
               <a:t>l</a:t>
             </a:r>
             <a:r>
-              <a:rPr sz="1400" b="1" dirty="0">
+              <a:rPr sz="1400" b="1">
                 <a:solidFill>
                   <a:srgbClr val="020302"/>
                 </a:solidFill>
@@ -12010,7 +11981,7 @@
               <a:t>d</a:t>
             </a:r>
             <a:r>
-              <a:rPr sz="1400" b="1" spc="-40" dirty="0">
+              <a:rPr sz="1400" b="1" spc="-40">
                 <a:solidFill>
                   <a:srgbClr val="020302"/>
                 </a:solidFill>
@@ -12020,7 +11991,7 @@
               <a:t> </a:t>
             </a:r>
             <a:r>
-              <a:rPr sz="1400" b="1" spc="25" dirty="0">
+              <a:rPr sz="1400" b="1" spc="25">
                 <a:solidFill>
                   <a:srgbClr val="020302"/>
                 </a:solidFill>
@@ -12030,7 +12001,7 @@
               <a:t>S</a:t>
             </a:r>
             <a:r>
-              <a:rPr sz="1400" b="1" spc="5" dirty="0">
+              <a:rPr sz="1400" b="1" spc="5">
                 <a:solidFill>
                   <a:srgbClr val="020302"/>
                 </a:solidFill>
@@ -12040,7 +12011,7 @@
               <a:t>e</a:t>
             </a:r>
             <a:r>
-              <a:rPr sz="1400" b="1" spc="15" dirty="0">
+              <a:rPr sz="1400" b="1" spc="15">
                 <a:solidFill>
                   <a:srgbClr val="020302"/>
                 </a:solidFill>
@@ -12050,7 +12021,7 @@
               <a:t>rvi</a:t>
             </a:r>
             <a:r>
-              <a:rPr sz="1400" b="1" spc="5" dirty="0">
+              <a:rPr sz="1400" b="1" spc="5">
                 <a:solidFill>
                   <a:srgbClr val="020302"/>
                 </a:solidFill>
@@ -12060,7 +12031,7 @@
               <a:t>c</a:t>
             </a:r>
             <a:r>
-              <a:rPr sz="1400" b="1" dirty="0">
+              <a:rPr sz="1400" b="1">
                 <a:solidFill>
                   <a:srgbClr val="020302"/>
                 </a:solidFill>
@@ -12070,7 +12041,7 @@
               <a:t>e</a:t>
             </a:r>
             <a:r>
-              <a:rPr sz="1400" b="1" spc="-190" dirty="0">
+              <a:rPr sz="1400" b="1" spc="-190">
                 <a:solidFill>
                   <a:srgbClr val="020302"/>
                 </a:solidFill>
@@ -12080,7 +12051,7 @@
               <a:t> </a:t>
             </a:r>
             <a:r>
-              <a:rPr sz="1400" b="1" spc="5" dirty="0">
+              <a:rPr sz="1400" b="1" spc="5">
                 <a:solidFill>
                   <a:srgbClr val="020302"/>
                 </a:solidFill>
@@ -12090,7 +12061,7 @@
               <a:t>A</a:t>
             </a:r>
             <a:r>
-              <a:rPr sz="1400" b="1" spc="-5" dirty="0">
+              <a:rPr sz="1400" b="1" spc="-5">
                 <a:solidFill>
                   <a:srgbClr val="020302"/>
                 </a:solidFill>
@@ -12100,7 +12071,7 @@
               <a:t>ct</a:t>
             </a:r>
             <a:r>
-              <a:rPr sz="1400" b="1" spc="5" dirty="0">
+              <a:rPr sz="1400" b="1" spc="5">
                 <a:solidFill>
                   <a:srgbClr val="020302"/>
                 </a:solidFill>
@@ -12110,7 +12081,7 @@
               <a:t>ivi</a:t>
             </a:r>
             <a:r>
-              <a:rPr sz="1400" b="1" spc="-5" dirty="0">
+              <a:rPr sz="1400" b="1" spc="-5">
                 <a:solidFill>
                   <a:srgbClr val="020302"/>
                 </a:solidFill>
@@ -12120,7 +12091,7 @@
               <a:t>t</a:t>
             </a:r>
             <a:r>
-              <a:rPr sz="1400" b="1" spc="5" dirty="0">
+              <a:rPr sz="1400" b="1" spc="5">
                 <a:solidFill>
                   <a:srgbClr val="020302"/>
                 </a:solidFill>
@@ -12130,7 +12101,7 @@
               <a:t>i</a:t>
             </a:r>
             <a:r>
-              <a:rPr sz="1400" b="1" spc="-5" dirty="0">
+              <a:rPr sz="1400" b="1" spc="-5">
                 <a:solidFill>
                   <a:srgbClr val="020302"/>
                 </a:solidFill>
@@ -12176,7 +12147,7 @@
               </a:spcBef>
             </a:pPr>
             <a:r>
-              <a:rPr sz="1400" b="1" spc="-25" dirty="0">
+              <a:rPr sz="1400" b="1" spc="-25">
                 <a:solidFill>
                   <a:srgbClr val="020302"/>
                 </a:solidFill>
@@ -12186,7 +12157,7 @@
               <a:t>L</a:t>
             </a:r>
             <a:r>
-              <a:rPr sz="1400" b="1" spc="-5" dirty="0">
+              <a:rPr sz="1400" b="1" spc="-5">
                 <a:solidFill>
                   <a:srgbClr val="020302"/>
                 </a:solidFill>
@@ -12196,7 +12167,7 @@
               <a:t>a</a:t>
             </a:r>
             <a:r>
-              <a:rPr sz="1400" b="1" spc="-20" dirty="0">
+              <a:rPr sz="1400" b="1" spc="-20">
                 <a:solidFill>
                   <a:srgbClr val="020302"/>
                 </a:solidFill>
@@ -12206,7 +12177,7 @@
               <a:t>u</a:t>
             </a:r>
             <a:r>
-              <a:rPr sz="1400" b="1" spc="-15" dirty="0">
+              <a:rPr sz="1400" b="1" spc="-15">
                 <a:solidFill>
                   <a:srgbClr val="020302"/>
                 </a:solidFill>
@@ -12216,7 +12187,7 @@
               <a:t>n</a:t>
             </a:r>
             <a:r>
-              <a:rPr sz="1400" b="1" spc="-25" dirty="0">
+              <a:rPr sz="1400" b="1" spc="-25">
                 <a:solidFill>
                   <a:srgbClr val="020302"/>
                 </a:solidFill>
@@ -12226,7 +12197,7 @@
               <a:t>c</a:t>
             </a:r>
             <a:r>
-              <a:rPr sz="1400" b="1" dirty="0">
+              <a:rPr sz="1400" b="1">
                 <a:solidFill>
                   <a:srgbClr val="020302"/>
                 </a:solidFill>
@@ -12236,7 +12207,7 @@
               <a:t>h</a:t>
             </a:r>
             <a:r>
-              <a:rPr sz="1400" b="1" spc="-25" dirty="0">
+              <a:rPr sz="1400" b="1" spc="-25">
                 <a:solidFill>
                   <a:srgbClr val="020302"/>
                 </a:solidFill>
@@ -12246,7 +12217,7 @@
               <a:t> </a:t>
             </a:r>
             <a:r>
-              <a:rPr sz="1400" b="1" spc="-10" dirty="0">
+              <a:rPr sz="1400" b="1" spc="-10">
                 <a:solidFill>
                   <a:srgbClr val="020302"/>
                 </a:solidFill>
@@ -12256,7 +12227,7 @@
               <a:t>Advisor</a:t>
             </a:r>
             <a:r>
-              <a:rPr sz="1400" b="1" dirty="0">
+              <a:rPr sz="1400" b="1">
                 <a:solidFill>
                   <a:srgbClr val="020302"/>
                 </a:solidFill>
@@ -12302,7 +12273,7 @@
               </a:spcBef>
             </a:pPr>
             <a:r>
-              <a:rPr sz="1000" dirty="0">
+              <a:rPr sz="1000">
                 <a:solidFill>
                   <a:srgbClr val="1F1F1F"/>
                 </a:solidFill>
@@ -12312,7 +12283,7 @@
               <a:t>For customers implementing a </a:t>
             </a:r>
             <a:r>
-              <a:rPr sz="1000" b="1" dirty="0">
+              <a:rPr sz="1000" b="1">
                 <a:solidFill>
                   <a:srgbClr val="1F1F1F"/>
                 </a:solidFill>
@@ -12322,30 +12293,26 @@
               <a:t>new Adobe Experience Cloud  solution, </a:t>
             </a:r>
             <a:r>
-              <a:rPr sz="1000" dirty="0">
+              <a:rPr sz="1000">
                 <a:latin typeface="AdobeClean-Light"/>
                 <a:cs typeface="AdobeClean-Light"/>
               </a:rPr>
               <a:t>Launch Advisory </a:t>
             </a:r>
             <a:r>
-              <a:rPr sz="1000" dirty="0">
+              <a:rPr sz="1000">
                 <a:latin typeface="AdobeClean-SemiLight"/>
                 <a:cs typeface="AdobeClean-SemiLight"/>
               </a:rPr>
               <a:t>is a </a:t>
             </a:r>
             <a:r>
-              <a:rPr sz="950" dirty="0">
+              <a:rPr sz="950">
                 <a:latin typeface="AdobeClean-SemiLight"/>
                 <a:cs typeface="AdobeClean-SemiLight"/>
               </a:rPr>
               <a:t>core set of advisory</a:t>
             </a:r>
-            <a:endParaRPr sz="950">
-              <a:latin typeface="AdobeClean-SemiLight"/>
-              <a:cs typeface="AdobeClean-SemiLight"/>
-            </a:endParaRPr>
           </a:p>
           <a:p>
             <a:pPr marL="12700" marR="86995" indent="-635">
@@ -12354,51 +12321,47 @@
               </a:lnSpc>
             </a:pPr>
             <a:r>
-              <a:rPr sz="950" dirty="0">
+              <a:rPr sz="950">
                 <a:latin typeface="AdobeClean-SemiLight"/>
                 <a:cs typeface="AdobeClean-SemiLight"/>
               </a:rPr>
               <a:t>services </a:t>
             </a:r>
             <a:r>
-              <a:rPr sz="1000" dirty="0">
+              <a:rPr sz="1000">
                 <a:latin typeface="AdobeClean-Light"/>
                 <a:cs typeface="AdobeClean-Light"/>
               </a:rPr>
               <a:t>and recommendations that are proven to </a:t>
             </a:r>
             <a:r>
-              <a:rPr sz="950" dirty="0">
+              <a:rPr sz="950">
                 <a:latin typeface="AdobeClean-Light"/>
                 <a:cs typeface="AdobeClean-Light"/>
               </a:rPr>
               <a:t>support  successful deployments </a:t>
             </a:r>
             <a:r>
-              <a:rPr sz="1000" dirty="0">
+              <a:rPr sz="1000">
                 <a:latin typeface="AdobeClean-Light"/>
                 <a:cs typeface="AdobeClean-Light"/>
               </a:rPr>
               <a:t>and </a:t>
             </a:r>
             <a:r>
-              <a:rPr sz="950" dirty="0">
+              <a:rPr sz="950">
                 <a:latin typeface="AdobeClean-Light"/>
                 <a:cs typeface="AdobeClean-Light"/>
               </a:rPr>
               <a:t>accelerate time-to-value</a:t>
             </a:r>
             <a:r>
-              <a:rPr sz="1000" dirty="0">
+              <a:rPr sz="1000">
                 <a:latin typeface="AdobeClean-Light"/>
                 <a:cs typeface="AdobeClean-Light"/>
               </a:rPr>
               <a:t>.</a:t>
             </a:r>
-            <a:endParaRPr sz="1000">
-              <a:latin typeface="AdobeClean-Light"/>
-              <a:cs typeface="AdobeClean-Light"/>
-            </a:endParaRPr>
           </a:p>
         </p:txBody>
       </p:sp>
@@ -12511,7 +12474,7 @@
               </a:spcBef>
             </a:pPr>
             <a:r>
-              <a:rPr sz="1000" dirty="0">
+              <a:rPr sz="1000">
                 <a:solidFill>
                   <a:srgbClr val="4B4B4B"/>
                 </a:solidFill>
@@ -12521,7 +12484,7 @@
               <a:t>Field Services are used for </a:t>
             </a:r>
             <a:r>
-              <a:rPr sz="1000" b="1" dirty="0">
+              <a:rPr sz="1000" b="1">
                 <a:solidFill>
                   <a:srgbClr val="4B4B4B"/>
                 </a:solidFill>
@@ -12531,7 +12494,7 @@
               <a:t>quick resolution</a:t>
             </a:r>
             <a:r>
-              <a:rPr sz="1000" dirty="0">
+              <a:rPr sz="1000">
                 <a:solidFill>
                   <a:srgbClr val="4B4B4B"/>
                 </a:solidFill>
@@ -12541,7 +12504,7 @@
               <a:t>, focused customer success  and accelerated </a:t>
             </a:r>
             <a:r>
-              <a:rPr sz="1000" b="1" dirty="0">
+              <a:rPr sz="1000" b="1">
                 <a:solidFill>
                   <a:srgbClr val="4B4B4B"/>
                 </a:solidFill>
@@ -12551,7 +12514,7 @@
               <a:t>time-to-value</a:t>
             </a:r>
             <a:r>
-              <a:rPr sz="1000" dirty="0">
+              <a:rPr sz="1000">
                 <a:solidFill>
                   <a:srgbClr val="4B4B4B"/>
                 </a:solidFill>
@@ -12561,7 +12524,7 @@
               <a:t>. If Launch advisory is active there will be  </a:t>
             </a:r>
             <a:r>
-              <a:rPr sz="1000" b="1" dirty="0">
+              <a:rPr sz="1000" b="1">
                 <a:solidFill>
                   <a:srgbClr val="4B4B4B"/>
                 </a:solidFill>
@@ -12571,7 +12534,7 @@
               <a:t>no Field Services in year 1 </a:t>
             </a:r>
             <a:r>
-              <a:rPr sz="1000" dirty="0">
+              <a:rPr sz="1000">
                 <a:solidFill>
                   <a:srgbClr val="4B4B4B"/>
                 </a:solidFill>
@@ -12580,7 +12543,7 @@
               </a:rPr>
               <a:t>for any solution product covered by a  Support contract.</a:t>
             </a:r>
-            <a:endParaRPr sz="1000" dirty="0">
+            <a:endParaRPr sz="1000">
               <a:latin typeface="AdobeClean-Light"/>
               <a:cs typeface="AdobeClean-Light"/>
             </a:endParaRPr>
@@ -12701,7 +12664,7 @@
               </a:spcBef>
             </a:pPr>
             <a:r>
-              <a:rPr sz="1000" dirty="0">
+              <a:rPr sz="1000">
                 <a:latin typeface="AdobeClean-Light"/>
                 <a:cs typeface="AdobeClean-Light"/>
               </a:rPr>
@@ -12740,16 +12703,12 @@
               </a:spcBef>
             </a:pPr>
             <a:r>
-              <a:rPr sz="1000" dirty="0">
+              <a:rPr sz="1000">
                 <a:latin typeface="AdobeClean-Light"/>
                 <a:cs typeface="AdobeClean-Light"/>
               </a:rPr>
               <a:t>Key Deliverables include:</a:t>
             </a:r>
-            <a:endParaRPr sz="1000">
-              <a:latin typeface="AdobeClean-Light"/>
-              <a:cs typeface="AdobeClean-Light"/>
-            </a:endParaRPr>
           </a:p>
         </p:txBody>
       </p:sp>
@@ -12782,7 +12741,7 @@
               <a:buChar char="•"/>
             </a:pPr>
             <a:r>
-              <a:rPr lang="en-US" sz="1000" dirty="0">
+              <a:rPr lang="en-US" sz="1000">
                 <a:solidFill>
                   <a:prstClr val="black"/>
                 </a:solidFill>
@@ -12799,7 +12758,7 @@
               <a:buChar char="•"/>
             </a:pPr>
             <a:r>
-              <a:rPr lang="en-US" sz="1000" dirty="0">
+              <a:rPr lang="en-US" sz="1000">
                 <a:solidFill>
                   <a:prstClr val="black"/>
                 </a:solidFill>
@@ -12816,7 +12775,7 @@
               <a:buChar char="•"/>
             </a:pPr>
             <a:r>
-              <a:rPr lang="en-US" sz="1000" dirty="0">
+              <a:rPr lang="en-US" sz="1000">
                 <a:solidFill>
                   <a:prstClr val="black"/>
                 </a:solidFill>
@@ -12856,7 +12815,7 @@
               </a:spcBef>
             </a:pPr>
             <a:r>
-              <a:rPr sz="1600" dirty="0">
+              <a:rPr sz="1600">
                 <a:solidFill>
                   <a:srgbClr val="FFFFFF"/>
                 </a:solidFill>
@@ -12865,7 +12824,7 @@
               </a:rPr>
               <a:t>Implementation</a:t>
             </a:r>
-            <a:endParaRPr sz="1600" dirty="0">
+            <a:endParaRPr sz="1600">
               <a:latin typeface="Arial"/>
               <a:cs typeface="Arial"/>
             </a:endParaRPr>
@@ -12880,28 +12839,28 @@
               </a:spcBef>
             </a:pPr>
             <a:r>
-              <a:rPr sz="1000" dirty="0">
+              <a:rPr sz="1000">
                 <a:latin typeface="AdobeClean-Light"/>
                 <a:cs typeface="AdobeClean-Light"/>
               </a:rPr>
               <a:t>Adobe solution experts help validate requirements, architecture,  development process, and launch readiness reviews </a:t>
             </a:r>
             <a:r>
-              <a:rPr sz="1000" dirty="0">
+              <a:rPr sz="1000">
                 <a:latin typeface="AdobeClean-SemiLight"/>
                 <a:cs typeface="AdobeClean-SemiLight"/>
               </a:rPr>
               <a:t>with </a:t>
             </a:r>
             <a:r>
-              <a:rPr sz="950" dirty="0">
+              <a:rPr sz="950">
                 <a:latin typeface="AdobeClean-SemiLight"/>
                 <a:cs typeface="AdobeClean-SemiLight"/>
               </a:rPr>
               <a:t>best  practice-based guidance </a:t>
             </a:r>
             <a:r>
-              <a:rPr sz="1000" dirty="0">
+              <a:rPr sz="1000">
                 <a:latin typeface="AdobeClean-SemiLight"/>
                 <a:cs typeface="AdobeClean-SemiLight"/>
               </a:rPr>
@@ -12962,19 +12921,30 @@
               </a:spcBef>
             </a:pPr>
             <a:r>
-              <a:rPr sz="1000" b="1" dirty="0">
+              <a:rPr sz="1000" b="1">
                 <a:latin typeface="Arial"/>
                 <a:cs typeface="Arial"/>
               </a:rPr>
               <a:t>Technical Track Activities </a:t>
             </a:r>
             <a:r>
-              <a:rPr sz="1000" dirty="0">
+              <a:rPr sz="1000">
                 <a:latin typeface="AdobeClean-Light"/>
                 <a:cs typeface="AdobeClean-Light"/>
               </a:rPr>
               <a:t>ensure customers are technically sound  and maximizing their tool adoption. Specifically, these types of  activities include support and recommendations related to platform  configurations, integrations and troubleshooting</a:t>
             </a:r>
+            <a:r>
+              <a:rPr lang="en-US" sz="1000">
+                <a:latin typeface="AdobeClean-Light"/>
+                <a:cs typeface="AdobeClean-Light"/>
+              </a:rPr>
+              <a:t>.</a:t>
+            </a:r>
+            <a:endParaRPr sz="1000">
+              <a:latin typeface="AdobeClean-Light"/>
+              <a:cs typeface="AdobeClean-Light"/>
+            </a:endParaRPr>
           </a:p>
         </p:txBody>
       </p:sp>
@@ -13008,7 +12978,7 @@
               </a:spcBef>
             </a:pPr>
             <a:r>
-              <a:rPr sz="1000" dirty="0">
+              <a:rPr sz="1000">
                 <a:latin typeface="AdobeClean-Light"/>
                 <a:cs typeface="AdobeClean-Light"/>
               </a:rPr>
@@ -13027,7 +12997,7 @@
               <a:buChar char="ü"/>
             </a:pPr>
             <a:r>
-              <a:rPr lang="en-US" sz="1000" dirty="0">
+              <a:rPr lang="en-US" sz="1000">
                 <a:solidFill>
                   <a:prstClr val="black"/>
                 </a:solidFill>
@@ -13047,7 +13017,7 @@
               <a:buChar char="ü"/>
             </a:pPr>
             <a:r>
-              <a:rPr lang="en-US" sz="1000" dirty="0">
+              <a:rPr lang="en-US" sz="1000">
                 <a:solidFill>
                   <a:prstClr val="black"/>
                 </a:solidFill>
@@ -13067,7 +13037,7 @@
               <a:buChar char="ü"/>
             </a:pPr>
             <a:r>
-              <a:rPr lang="en-US" sz="1000" dirty="0">
+              <a:rPr lang="en-US" sz="1000">
                 <a:solidFill>
                   <a:prstClr val="black"/>
                 </a:solidFill>
@@ -13087,7 +13057,7 @@
               <a:buChar char="ü"/>
             </a:pPr>
             <a:r>
-              <a:rPr lang="en-US" sz="1000" dirty="0">
+              <a:rPr lang="en-US" sz="1000">
                 <a:solidFill>
                   <a:prstClr val="black"/>
                 </a:solidFill>
@@ -13107,7 +13077,7 @@
               <a:buChar char="ü"/>
             </a:pPr>
             <a:r>
-              <a:rPr lang="en-US" sz="1000" dirty="0">
+              <a:rPr lang="en-US" sz="1000">
                 <a:solidFill>
                   <a:prstClr val="black"/>
                 </a:solidFill>
@@ -13127,7 +13097,7 @@
               <a:buChar char="ü"/>
             </a:pPr>
             <a:r>
-              <a:rPr lang="en-US" sz="1000" dirty="0">
+              <a:rPr lang="en-US" sz="1000">
                 <a:solidFill>
                   <a:prstClr val="black"/>
                 </a:solidFill>
@@ -13167,14 +13137,14 @@
               </a:spcBef>
             </a:pPr>
             <a:r>
-              <a:rPr sz="1000" b="1" dirty="0">
+              <a:rPr sz="1000" b="1">
                 <a:latin typeface="Arial"/>
                 <a:cs typeface="Arial"/>
               </a:rPr>
               <a:t>Strategic Track Activities </a:t>
             </a:r>
             <a:r>
-              <a:rPr sz="1000" dirty="0">
+              <a:rPr sz="1000">
                 <a:latin typeface="AdobeClean-Light"/>
                 <a:cs typeface="AdobeClean-Light"/>
               </a:rPr>
@@ -13190,7 +13160,7 @@
                 <a:spcPts val="40"/>
               </a:spcBef>
             </a:pPr>
-            <a:endParaRPr sz="1100" dirty="0">
+            <a:endParaRPr sz="1100">
               <a:latin typeface="AdobeClean-Light"/>
               <a:cs typeface="AdobeClean-Light"/>
             </a:endParaRPr>
@@ -13202,7 +13172,7 @@
               </a:lnSpc>
             </a:pPr>
             <a:r>
-              <a:rPr sz="1000" dirty="0">
+              <a:rPr sz="1000">
                 <a:latin typeface="AdobeClean-Light"/>
                 <a:cs typeface="AdobeClean-Light"/>
               </a:rPr>
@@ -13221,7 +13191,7 @@
               <a:buChar char="ü"/>
             </a:pPr>
             <a:r>
-              <a:rPr lang="en-US" sz="1000" dirty="0">
+              <a:rPr lang="en-US" sz="1000">
                 <a:solidFill>
                   <a:prstClr val="black"/>
                 </a:solidFill>
@@ -13241,7 +13211,7 @@
               <a:buChar char="ü"/>
             </a:pPr>
             <a:r>
-              <a:rPr lang="en-US" sz="1000" dirty="0">
+              <a:rPr lang="en-US" sz="1000">
                 <a:solidFill>
                   <a:prstClr val="black"/>
                 </a:solidFill>
@@ -13261,7 +13231,7 @@
               <a:buChar char="ü"/>
             </a:pPr>
             <a:r>
-              <a:rPr lang="en-US" sz="1000" dirty="0">
+              <a:rPr lang="en-US" sz="1000">
                 <a:solidFill>
                   <a:prstClr val="black"/>
                 </a:solidFill>
@@ -13281,7 +13251,7 @@
               <a:buChar char="ü"/>
             </a:pPr>
             <a:r>
-              <a:rPr lang="en-US" sz="1000" dirty="0">
+              <a:rPr lang="en-US" sz="1000">
                 <a:solidFill>
                   <a:prstClr val="black"/>
                 </a:solidFill>
@@ -13307,7 +13277,7 @@
           </a:prstGeom>
         </p:spPr>
         <p:txBody>
-          <a:bodyPr vert="horz" wrap="square" lIns="0" tIns="12700" rIns="0" bIns="0" rtlCol="0">
+          <a:bodyPr vert="horz" wrap="square" lIns="0" tIns="12700" rIns="0" bIns="0" rtlCol="0" anchor="t">
             <a:spAutoFit/>
           </a:bodyPr>
           <a:lstStyle/>
@@ -13321,7 +13291,7 @@
               </a:spcBef>
             </a:pPr>
             <a:r>
-              <a:rPr sz="1600" dirty="0">
+              <a:rPr sz="1600">
                 <a:solidFill>
                   <a:srgbClr val="FFFFFF"/>
                 </a:solidFill>
@@ -13330,22 +13300,19 @@
               </a:rPr>
               <a:t>Run &amp; Operate</a:t>
             </a:r>
-            <a:endParaRPr sz="1600" dirty="0">
+            <a:endParaRPr sz="1600">
               <a:latin typeface="Arial"/>
               <a:cs typeface="Arial"/>
             </a:endParaRPr>
           </a:p>
           <a:p>
             <a:pPr marL="12700">
-              <a:lnSpc>
-                <a:spcPct val="100000"/>
-              </a:lnSpc>
               <a:spcBef>
                 <a:spcPts val="1595"/>
               </a:spcBef>
             </a:pPr>
             <a:r>
-              <a:rPr sz="1000" dirty="0">
+              <a:rPr sz="1000">
                 <a:solidFill>
                   <a:srgbClr val="1F1F1F"/>
                 </a:solidFill>
@@ -13355,7 +13322,7 @@
               <a:t>As an </a:t>
             </a:r>
             <a:r>
-              <a:rPr lang="en-US" sz="1000" dirty="0">
+              <a:rPr lang="en-US" sz="1000">
                 <a:solidFill>
                   <a:srgbClr val="1F1F1F"/>
                 </a:solidFill>
@@ -13365,17 +13332,37 @@
               <a:t>Elite</a:t>
             </a:r>
             <a:r>
-              <a:rPr sz="1000" dirty="0">
+              <a:rPr sz="1000">
                 <a:solidFill>
                   <a:srgbClr val="1F1F1F"/>
                 </a:solidFill>
                 <a:latin typeface="Adobe Clean"/>
                 <a:cs typeface="Adobe Clean"/>
               </a:rPr>
-              <a:t> customer, you are  eligible for</a:t>
-            </a:r>
-            <a:r>
-              <a:rPr lang="en-US" sz="1200" dirty="0">
+              <a:t> customer, you are</a:t>
+            </a:r>
+            <a:r>
+              <a:rPr lang="en-US" sz="1000">
+                <a:solidFill>
+                  <a:srgbClr val="1F1F1F"/>
+                </a:solidFill>
+                <a:latin typeface="Adobe Clean"/>
+                <a:cs typeface="Adobe Clean"/>
+              </a:rPr>
+              <a:t> </a:t>
+            </a:r>
+            <a:r>
+              <a:rPr sz="1000">
+                <a:solidFill>
+                  <a:srgbClr val="1F1F1F"/>
+                </a:solidFill>
+                <a:latin typeface="Adobe Clean"/>
+                <a:cs typeface="Adobe Clean"/>
+              </a:rPr>
+              <a:t> eligible for</a:t>
+            </a:r>
+            <a:r>
+              <a:rPr lang="en-US" sz="1200">
                 <a:solidFill>
                   <a:srgbClr val="1F1F1F"/>
                 </a:solidFill>
@@ -13390,7 +13377,7 @@
               <a:t> </a:t>
             </a:r>
             <a:r>
-              <a:rPr lang="en-US" sz="1200" u="sng" dirty="0">
+              <a:rPr lang="en-US" sz="1200" u="sng">
                 <a:solidFill>
                   <a:srgbClr val="1F1F1F"/>
                 </a:solidFill>
@@ -13405,7 +13392,7 @@
               <a:t>4</a:t>
             </a:r>
             <a:r>
-              <a:rPr sz="1200" b="1" dirty="0">
+              <a:rPr sz="1200" b="1">
                 <a:solidFill>
                   <a:srgbClr val="1F1F1F"/>
                 </a:solidFill>
@@ -13415,80 +13402,86 @@
               <a:t> </a:t>
             </a:r>
             <a:r>
-              <a:rPr sz="1000" b="1" dirty="0">
+              <a:rPr sz="1000" b="1">
                 <a:solidFill>
                   <a:srgbClr val="1F1F1F"/>
                 </a:solidFill>
                 <a:latin typeface="Arial"/>
                 <a:cs typeface="Arial"/>
               </a:rPr>
-              <a:t>activities per year</a:t>
-            </a:r>
-            <a:endParaRPr sz="1000" dirty="0">
-              <a:latin typeface="Arial"/>
-              <a:cs typeface="Arial"/>
-            </a:endParaRPr>
-          </a:p>
-          <a:p>
-            <a:pPr marL="12700">
-              <a:lnSpc>
-                <a:spcPct val="100000"/>
-              </a:lnSpc>
-              <a:spcBef>
-                <a:spcPts val="55"/>
-              </a:spcBef>
-            </a:pPr>
-            <a:r>
-              <a:rPr sz="1000" dirty="0">
-                <a:solidFill>
-                  <a:srgbClr val="1F1F1F"/>
-                </a:solidFill>
-                <a:latin typeface="Adobe Clean"/>
-                <a:cs typeface="Adobe Clean"/>
-              </a:rPr>
-              <a:t>from the following two tracks: </a:t>
-            </a:r>
-            <a:r>
-              <a:rPr sz="1000" b="1" dirty="0">
+              <a:t>activities per </a:t>
+            </a:r>
+            <a:r>
+              <a:rPr lang="en-US" sz="1000" b="1">
                 <a:solidFill>
                   <a:srgbClr val="1F1F1F"/>
                 </a:solidFill>
                 <a:latin typeface="Arial"/>
                 <a:cs typeface="Arial"/>
               </a:rPr>
-              <a:t>Technical </a:t>
-            </a:r>
-            <a:r>
-              <a:rPr sz="1000" dirty="0">
+              <a:t>year </a:t>
+            </a:r>
+            <a:r>
+              <a:rPr lang="en-US" sz="1000">
                 <a:solidFill>
                   <a:srgbClr val="1F1F1F"/>
                 </a:solidFill>
                 <a:latin typeface="Adobe Clean"/>
-                <a:cs typeface="Adobe Clean"/>
-              </a:rPr>
-              <a:t>and/or </a:t>
-            </a:r>
-            <a:r>
-              <a:rPr sz="1000" b="1" dirty="0">
+                <a:cs typeface="Arial"/>
+              </a:rPr>
+              <a:t>from</a:t>
+            </a:r>
+            <a:r>
+              <a:rPr sz="1000">
+                <a:solidFill>
+                  <a:srgbClr val="1F1F1F"/>
+                </a:solidFill>
+                <a:latin typeface="Adobe Clean"/>
+                <a:cs typeface="Adobe Clean"/>
+              </a:rPr>
+              <a:t> the following two tracks: </a:t>
+            </a:r>
+            <a:r>
+              <a:rPr sz="1000" b="1">
                 <a:solidFill>
                   <a:srgbClr val="1F1F1F"/>
                 </a:solidFill>
                 <a:latin typeface="Arial"/>
                 <a:cs typeface="Arial"/>
               </a:rPr>
+              <a:t>Technical </a:t>
+            </a:r>
+            <a:r>
+              <a:rPr sz="1000">
+                <a:solidFill>
+                  <a:srgbClr val="1F1F1F"/>
+                </a:solidFill>
+                <a:latin typeface="Adobe Clean"/>
+                <a:cs typeface="Adobe Clean"/>
+              </a:rPr>
+              <a:t>and/or </a:t>
+            </a:r>
+            <a:r>
+              <a:rPr sz="1000" b="1">
+                <a:solidFill>
+                  <a:srgbClr val="1F1F1F"/>
+                </a:solidFill>
+                <a:latin typeface="Arial"/>
+                <a:cs typeface="Arial"/>
+              </a:rPr>
               <a:t>Strategic</a:t>
             </a:r>
             <a:r>
-              <a:rPr sz="1000" dirty="0">
+              <a:rPr lang="en-US" sz="1000" b="1">
                 <a:solidFill>
                   <a:srgbClr val="1F1F1F"/>
                 </a:solidFill>
                 <a:latin typeface="AdobeClean-Light"/>
-                <a:cs typeface="AdobeClean-Light"/>
+                <a:cs typeface="Arial"/>
               </a:rPr>
               <a:t>.</a:t>
             </a:r>
-            <a:endParaRPr sz="1000" dirty="0">
+            <a:endParaRPr sz="1000">
               <a:latin typeface="AdobeClean-Light"/>
               <a:cs typeface="AdobeClean-Light"/>
             </a:endParaRPr>
@@ -13525,7 +13518,7 @@
               </a:spcBef>
             </a:pPr>
             <a:r>
-              <a:rPr sz="1400" b="1" spc="-15" dirty="0">
+              <a:rPr sz="1400" b="1" spc="-15">
                 <a:solidFill>
                   <a:srgbClr val="020302"/>
                 </a:solidFill>
@@ -13535,7 +13528,7 @@
               <a:t>Cloud</a:t>
             </a:r>
             <a:r>
-              <a:rPr sz="1400" b="1" spc="-45" dirty="0">
+              <a:rPr sz="1400" b="1" spc="-45">
                 <a:solidFill>
                   <a:srgbClr val="020302"/>
                 </a:solidFill>
@@ -13545,7 +13538,7 @@
               <a:t> </a:t>
             </a:r>
             <a:r>
-              <a:rPr sz="1400" b="1" spc="-15" dirty="0">
+              <a:rPr sz="1400" b="1" spc="-15">
                 <a:solidFill>
                   <a:srgbClr val="020302"/>
                 </a:solidFill>
@@ -13555,7 +13548,7 @@
               <a:t>Support</a:t>
             </a:r>
             <a:r>
-              <a:rPr sz="1400" b="1" spc="-50" dirty="0">
+              <a:rPr sz="1400" b="1" spc="-50">
                 <a:solidFill>
                   <a:srgbClr val="020302"/>
                 </a:solidFill>
@@ -13565,7 +13558,7 @@
               <a:t> </a:t>
             </a:r>
             <a:r>
-              <a:rPr sz="1400" b="1" spc="-15" dirty="0">
+              <a:rPr sz="1400" b="1" spc="-15">
                 <a:solidFill>
                   <a:srgbClr val="020302"/>
                 </a:solidFill>
@@ -13575,7 +13568,7 @@
               <a:t>Activities</a:t>
             </a:r>
             <a:r>
-              <a:rPr lang="en-US" sz="1400" b="1" spc="-15" dirty="0">
+              <a:rPr lang="en-US" sz="1400" b="1" spc="-15">
                 <a:solidFill>
                   <a:srgbClr val="020302"/>
                 </a:solidFill>
@@ -13584,7 +13577,7 @@
               </a:rPr>
               <a:t> - AEM</a:t>
             </a:r>
-            <a:endParaRPr sz="1400" dirty="0">
+            <a:endParaRPr sz="1400">
               <a:latin typeface="Adobe Clean"/>
               <a:cs typeface="Adobe Clean"/>
             </a:endParaRPr>
@@ -13722,35 +13715,35 @@
               </a:spcBef>
             </a:pPr>
             <a:r>
-              <a:rPr spc="-5" dirty="0"/>
+              <a:rPr spc="-5"/>
               <a:t>©2021 Adobe. All</a:t>
             </a:r>
             <a:r>
-              <a:rPr spc="-15" dirty="0"/>
+              <a:rPr spc="-15"/>
               <a:t> Rights</a:t>
             </a:r>
             <a:r>
-              <a:rPr spc="-10" dirty="0"/>
+              <a:rPr spc="-10"/>
               <a:t> </a:t>
             </a:r>
             <a:r>
-              <a:rPr spc="-15" dirty="0"/>
+              <a:rPr spc="-15"/>
               <a:t>Reserved.</a:t>
             </a:r>
             <a:r>
-              <a:rPr spc="-10" dirty="0"/>
+              <a:rPr spc="-10"/>
               <a:t> </a:t>
             </a:r>
             <a:r>
-              <a:rPr spc="-5" dirty="0"/>
+              <a:rPr spc="-5"/>
               <a:t>Adobe</a:t>
             </a:r>
             <a:r>
-              <a:rPr spc="60" dirty="0"/>
+              <a:rPr spc="60"/>
               <a:t> </a:t>
             </a:r>
             <a:r>
-              <a:rPr spc="-15" dirty="0"/>
+              <a:rPr spc="-15"/>
               <a:t>Confidential.</a:t>
             </a:r>
           </a:p>
@@ -13807,7 +13800,7 @@
           <a:p>
             <a:pPr algn="ctr"/>
             <a:r>
-              <a:rPr lang="en-US" sz="1600" dirty="0"/>
+              <a:rPr lang="en-US" sz="1600"/>
               <a:t>Run &amp; Operate</a:t>
             </a:r>
           </a:p>
@@ -13864,7 +13857,7 @@
           <a:p>
             <a:pPr algn="ctr"/>
             <a:r>
-              <a:rPr lang="en-US" sz="1600" dirty="0"/>
+              <a:rPr lang="en-US" sz="1600"/>
               <a:t>Implementation</a:t>
             </a:r>
           </a:p>
@@ -13900,7 +13893,7 @@
           <a:p>
             <a:pPr algn="ctr"/>
             <a:r>
-              <a:rPr lang="en-US" sz="1100" dirty="0"/>
+              <a:rPr lang="en-US" sz="1100"/>
               <a:t>Post Launch</a:t>
             </a:r>
           </a:p>
@@ -13936,7 +13929,7 @@
           <a:p>
             <a:pPr algn="ctr"/>
             <a:r>
-              <a:rPr lang="en-US" sz="1100" dirty="0"/>
+              <a:rPr lang="en-US" sz="1100"/>
               <a:t>Go-Live</a:t>
             </a:r>
           </a:p>
@@ -13972,7 +13965,7 @@
           <a:p>
             <a:pPr algn="ctr"/>
             <a:r>
-              <a:rPr lang="en-US" sz="1100" dirty="0"/>
+              <a:rPr lang="en-US" sz="1100"/>
               <a:t>Define</a:t>
             </a:r>
           </a:p>
@@ -14008,7 +14001,7 @@
           <a:p>
             <a:pPr algn="ctr"/>
             <a:r>
-              <a:rPr lang="en-US" sz="1100" dirty="0"/>
+              <a:rPr lang="en-US" sz="1100"/>
               <a:t>Kickoff</a:t>
             </a:r>
           </a:p>
@@ -14044,7 +14037,7 @@
           <a:p>
             <a:pPr algn="ctr"/>
             <a:r>
-              <a:rPr lang="en-US" sz="1100" dirty="0"/>
+              <a:rPr lang="en-US" sz="1100"/>
               <a:t>Design</a:t>
             </a:r>
           </a:p>
@@ -14102,7 +14095,7 @@
           <a:p>
             <a:pPr algn="ctr"/>
             <a:r>
-              <a:rPr lang="en-US" sz="1400" dirty="0">
+              <a:rPr lang="en-US" sz="1400">
                 <a:solidFill>
                   <a:schemeClr val="accent1">
                     <a:lumMod val="50000"/>
@@ -14150,15 +14143,15 @@
               </a:spcBef>
             </a:pPr>
             <a:r>
-              <a:rPr lang="en-US" sz="1000" dirty="0">
+              <a:rPr lang="en-US" sz="1000">
                 <a:solidFill>
                   <a:srgbClr val="4B4B4B"/>
                 </a:solidFill>
                 <a:latin typeface="Adobe Clean Light" panose="020B0303020404020204" pitchFamily="34" charset="0"/>
               </a:rPr>
-              <a:t>Drive adoption of customization best practices and core components in AEM as a Cloud Service</a:t>
-            </a:r>
-            <a:endParaRPr sz="1000" dirty="0">
+              <a:t>Drive adoption of customization best practices and core components in AEM as a Cloud Service.</a:t>
+            </a:r>
+            <a:endParaRPr sz="1000">
               <a:solidFill>
                 <a:srgbClr val="4B4B4B"/>
               </a:solidFill>
@@ -14203,15 +14196,15 @@
               </a:spcBef>
             </a:pPr>
             <a:r>
-              <a:rPr lang="en-US" sz="1000" dirty="0">
+              <a:rPr lang="en-US" sz="1000">
                 <a:solidFill>
                   <a:srgbClr val="4B4B4B"/>
                 </a:solidFill>
                 <a:latin typeface="Adobe Clean Light" panose="020B0303020404020204" pitchFamily="34" charset="0"/>
               </a:rPr>
-              <a:t>Identify, review and provide recommendations on customized solution adoption areas that have opportunities for optimization</a:t>
-            </a:r>
-            <a:endParaRPr sz="1000" dirty="0">
+              <a:t>Identify, review and provide recommendations on customized solution adoption areas that have opportunities for optimization.</a:t>
+            </a:r>
+            <a:endParaRPr sz="1000">
               <a:solidFill>
                 <a:srgbClr val="4B4B4B"/>
               </a:solidFill>
@@ -14256,15 +14249,15 @@
               </a:spcBef>
             </a:pPr>
             <a:r>
-              <a:rPr lang="en-US" sz="1000" dirty="0">
+              <a:rPr lang="en-US" sz="1000">
                 <a:solidFill>
                   <a:srgbClr val="4B4B4B"/>
                 </a:solidFill>
                 <a:latin typeface="Adobe Clean Light" panose="020B0303020404020204" pitchFamily="34" charset="0"/>
               </a:rPr>
-              <a:t>Technical &amp; operational governance to assist AEM as a Cloud Service Customers in adhering to industry standards and best practices for AEM as a Cloud Service</a:t>
-            </a:r>
-            <a:endParaRPr sz="1000" dirty="0">
+              <a:t>Technical &amp; operational governance to assist AEM as a Cloud Service Customers in adhering to industry standards and best practices for AEM as a Cloud Service.</a:t>
+            </a:r>
+            <a:endParaRPr sz="1000">
               <a:solidFill>
                 <a:srgbClr val="4B4B4B"/>
               </a:solidFill>
@@ -14309,7 +14302,7 @@
               </a:spcBef>
             </a:pPr>
             <a:r>
-              <a:rPr lang="en-US" sz="1200" b="1" spc="-15" dirty="0">
+              <a:rPr lang="en-US" sz="1200" b="1" spc="-15">
                 <a:solidFill>
                   <a:srgbClr val="020302"/>
                 </a:solidFill>
@@ -14319,7 +14312,7 @@
               <a:t>C</a:t>
             </a:r>
             <a:r>
-              <a:rPr lang="en-US" sz="1200" b="1" spc="-20" dirty="0">
+              <a:rPr lang="en-US" sz="1200" b="1" spc="-20">
                 <a:solidFill>
                   <a:srgbClr val="020302"/>
                 </a:solidFill>
@@ -14329,7 +14322,7 @@
               <a:t>u</a:t>
             </a:r>
             <a:r>
-              <a:rPr lang="en-US" sz="1200" b="1" spc="-25" dirty="0">
+              <a:rPr lang="en-US" sz="1200" b="1" spc="-25">
                 <a:solidFill>
                   <a:srgbClr val="020302"/>
                 </a:solidFill>
@@ -14339,7 +14332,7 @@
               <a:t>st</a:t>
             </a:r>
             <a:r>
-              <a:rPr lang="en-US" sz="1200" b="1" spc="-15" dirty="0">
+              <a:rPr lang="en-US" sz="1200" b="1" spc="-15">
                 <a:solidFill>
                   <a:srgbClr val="020302"/>
                 </a:solidFill>
@@ -14349,7 +14342,7 @@
               <a:t>o</a:t>
             </a:r>
             <a:r>
-              <a:rPr lang="en-US" sz="1200" b="1" spc="-20" dirty="0">
+              <a:rPr lang="en-US" sz="1200" b="1" spc="-20">
                 <a:solidFill>
                   <a:srgbClr val="020302"/>
                 </a:solidFill>
@@ -14359,7 +14352,7 @@
               <a:t>miza</a:t>
             </a:r>
             <a:r>
-              <a:rPr lang="en-US" sz="1200" b="1" spc="-25" dirty="0">
+              <a:rPr lang="en-US" sz="1200" b="1" spc="-25">
                 <a:solidFill>
                   <a:srgbClr val="020302"/>
                 </a:solidFill>
@@ -14369,7 +14362,7 @@
               <a:t>t</a:t>
             </a:r>
             <a:r>
-              <a:rPr lang="en-US" sz="1200" b="1" spc="-20" dirty="0">
+              <a:rPr lang="en-US" sz="1200" b="1" spc="-20">
                 <a:solidFill>
                   <a:srgbClr val="020302"/>
                 </a:solidFill>
@@ -14379,7 +14372,7 @@
               <a:t>i</a:t>
             </a:r>
             <a:r>
-              <a:rPr lang="en-US" sz="1200" b="1" spc="-15" dirty="0">
+              <a:rPr lang="en-US" sz="1200" b="1" spc="-15">
                 <a:solidFill>
                   <a:srgbClr val="020302"/>
                 </a:solidFill>
@@ -14389,7 +14382,7 @@
               <a:t>o</a:t>
             </a:r>
             <a:r>
-              <a:rPr lang="en-US" sz="1200" b="1" dirty="0">
+              <a:rPr lang="en-US" sz="1200" b="1">
                 <a:solidFill>
                   <a:srgbClr val="020302"/>
                 </a:solidFill>
@@ -14399,7 +14392,7 @@
               <a:t>n</a:t>
             </a:r>
             <a:r>
-              <a:rPr lang="en-US" sz="1200" b="1" spc="-50" dirty="0">
+              <a:rPr lang="en-US" sz="1200" b="1" spc="-50">
                 <a:solidFill>
                   <a:srgbClr val="020302"/>
                 </a:solidFill>
@@ -14409,7 +14402,7 @@
               <a:t> </a:t>
             </a:r>
             <a:r>
-              <a:rPr lang="en-US" sz="1200" b="1" spc="-20" dirty="0">
+              <a:rPr lang="en-US" sz="1200" b="1" spc="-20">
                 <a:solidFill>
                   <a:srgbClr val="020302"/>
                 </a:solidFill>
@@ -14419,7 +14412,7 @@
               <a:t>B</a:t>
             </a:r>
             <a:r>
-              <a:rPr lang="en-US" sz="1200" b="1" spc="-25" dirty="0">
+              <a:rPr lang="en-US" sz="1200" b="1" spc="-25">
                 <a:solidFill>
                   <a:srgbClr val="020302"/>
                 </a:solidFill>
@@ -14429,7 +14422,7 @@
               <a:t>es</a:t>
             </a:r>
             <a:r>
-              <a:rPr lang="en-US" sz="1200" b="1" dirty="0">
+              <a:rPr lang="en-US" sz="1200" b="1">
                 <a:solidFill>
                   <a:srgbClr val="020302"/>
                 </a:solidFill>
@@ -14439,7 +14432,7 @@
               <a:t>t</a:t>
             </a:r>
             <a:r>
-              <a:rPr lang="en-US" sz="1200" b="1" spc="-50" dirty="0">
+              <a:rPr lang="en-US" sz="1200" b="1" spc="-50">
                 <a:solidFill>
                   <a:srgbClr val="020302"/>
                 </a:solidFill>
@@ -14449,7 +14442,7 @@
               <a:t> </a:t>
             </a:r>
             <a:r>
-              <a:rPr lang="en-US" sz="1200" b="1" spc="-25" dirty="0">
+              <a:rPr lang="en-US" sz="1200" b="1" spc="-25">
                 <a:solidFill>
                   <a:srgbClr val="020302"/>
                 </a:solidFill>
@@ -14459,7 +14452,7 @@
               <a:t>P</a:t>
             </a:r>
             <a:r>
-              <a:rPr lang="en-US" sz="1200" b="1" spc="-20" dirty="0">
+              <a:rPr lang="en-US" sz="1200" b="1" spc="-20">
                 <a:solidFill>
                   <a:srgbClr val="020302"/>
                 </a:solidFill>
@@ -14469,7 +14462,7 @@
               <a:t>ra</a:t>
             </a:r>
             <a:r>
-              <a:rPr lang="en-US" sz="1200" b="1" spc="-30" dirty="0">
+              <a:rPr lang="en-US" sz="1200" b="1" spc="-30">
                 <a:solidFill>
                   <a:srgbClr val="020302"/>
                 </a:solidFill>
@@ -14479,7 +14472,7 @@
               <a:t>c</a:t>
             </a:r>
             <a:r>
-              <a:rPr lang="en-US" sz="1200" b="1" spc="-25" dirty="0">
+              <a:rPr lang="en-US" sz="1200" b="1" spc="-25">
                 <a:solidFill>
                   <a:srgbClr val="020302"/>
                 </a:solidFill>
@@ -14489,7 +14482,7 @@
               <a:t>t</a:t>
             </a:r>
             <a:r>
-              <a:rPr lang="en-US" sz="1200" b="1" spc="-20" dirty="0">
+              <a:rPr lang="en-US" sz="1200" b="1" spc="-20">
                 <a:solidFill>
                   <a:srgbClr val="020302"/>
                 </a:solidFill>
@@ -14499,7 +14492,7 @@
               <a:t>i</a:t>
             </a:r>
             <a:r>
-              <a:rPr lang="en-US" sz="1200" b="1" spc="-30" dirty="0">
+              <a:rPr lang="en-US" sz="1200" b="1" spc="-30">
                 <a:solidFill>
                   <a:srgbClr val="020302"/>
                 </a:solidFill>
@@ -14509,7 +14502,7 @@
               <a:t>c</a:t>
             </a:r>
             <a:r>
-              <a:rPr lang="en-US" sz="1200" b="1" spc="-25" dirty="0">
+              <a:rPr lang="en-US" sz="1200" b="1" spc="-25">
                 <a:solidFill>
                   <a:srgbClr val="020302"/>
                 </a:solidFill>
@@ -14519,7 +14512,7 @@
               <a:t>e</a:t>
             </a:r>
             <a:r>
-              <a:rPr lang="en-US" sz="1200" b="1" dirty="0">
+              <a:rPr lang="en-US" sz="1200" b="1">
                 <a:solidFill>
                   <a:srgbClr val="020302"/>
                 </a:solidFill>
@@ -14529,7 +14522,7 @@
               <a:t>s</a:t>
             </a:r>
             <a:r>
-              <a:rPr lang="en-US" sz="1200" b="1" spc="-45" dirty="0">
+              <a:rPr lang="en-US" sz="1200" b="1" spc="-45">
                 <a:solidFill>
                   <a:srgbClr val="020302"/>
                 </a:solidFill>
@@ -14539,7 +14532,7 @@
               <a:t> </a:t>
             </a:r>
             <a:r>
-              <a:rPr lang="en-US" sz="1200" b="1" spc="-25" dirty="0">
+              <a:rPr lang="en-US" sz="1200" b="1" spc="-25">
                 <a:solidFill>
                   <a:srgbClr val="020302"/>
                 </a:solidFill>
@@ -14549,7 +14542,7 @@
               <a:t>f</a:t>
             </a:r>
             <a:r>
-              <a:rPr lang="en-US" sz="1200" b="1" spc="-15" dirty="0">
+              <a:rPr lang="en-US" sz="1200" b="1" spc="-15">
                 <a:solidFill>
                   <a:srgbClr val="020302"/>
                 </a:solidFill>
@@ -14559,7 +14552,7 @@
               <a:t>o</a:t>
             </a:r>
             <a:r>
-              <a:rPr lang="en-US" sz="1200" b="1" dirty="0">
+              <a:rPr lang="en-US" sz="1200" b="1">
                 <a:solidFill>
                   <a:srgbClr val="020302"/>
                 </a:solidFill>
@@ -14569,7 +14562,7 @@
               <a:t>r</a:t>
             </a:r>
             <a:r>
-              <a:rPr lang="en-US" sz="1200" b="1" spc="-45" dirty="0">
+              <a:rPr lang="en-US" sz="1200" b="1" spc="-45">
                 <a:solidFill>
                   <a:srgbClr val="020302"/>
                 </a:solidFill>
@@ -14579,7 +14572,7 @@
               <a:t> </a:t>
             </a:r>
             <a:r>
-              <a:rPr lang="en-US" sz="1200" b="1" spc="-30" dirty="0">
+              <a:rPr lang="en-US" sz="1200" b="1" spc="-30">
                 <a:solidFill>
                   <a:srgbClr val="020302"/>
                 </a:solidFill>
@@ -14589,7 +14582,7 @@
               <a:t>AE</a:t>
             </a:r>
             <a:r>
-              <a:rPr lang="en-US" sz="1200" b="1" dirty="0">
+              <a:rPr lang="en-US" sz="1200" b="1">
                 <a:solidFill>
                   <a:srgbClr val="020302"/>
                 </a:solidFill>
@@ -14599,7 +14592,7 @@
               <a:t>M</a:t>
             </a:r>
             <a:r>
-              <a:rPr lang="en-US" sz="1200" b="1" spc="-55" dirty="0">
+              <a:rPr lang="en-US" sz="1200" b="1" spc="-55">
                 <a:solidFill>
                   <a:srgbClr val="020302"/>
                 </a:solidFill>
@@ -14609,7 +14602,7 @@
               <a:t> </a:t>
             </a:r>
             <a:r>
-              <a:rPr lang="en-US" sz="1200" b="1" spc="-20" dirty="0">
+              <a:rPr lang="en-US" sz="1200" b="1" spc="-20">
                 <a:solidFill>
                   <a:srgbClr val="020302"/>
                 </a:solidFill>
@@ -14619,7 +14612,7 @@
               <a:t>a</a:t>
             </a:r>
             <a:r>
-              <a:rPr lang="en-US" sz="1200" b="1" dirty="0">
+              <a:rPr lang="en-US" sz="1200" b="1">
                 <a:solidFill>
                   <a:srgbClr val="020302"/>
                 </a:solidFill>
@@ -14629,7 +14622,7 @@
               <a:t>s</a:t>
             </a:r>
             <a:r>
-              <a:rPr lang="en-US" sz="1200" b="1" spc="-45" dirty="0">
+              <a:rPr lang="en-US" sz="1200" b="1" spc="-45">
                 <a:solidFill>
                   <a:srgbClr val="020302"/>
                 </a:solidFill>
@@ -14639,7 +14632,7 @@
               <a:t> </a:t>
             </a:r>
             <a:r>
-              <a:rPr lang="en-US" sz="1200" b="1" dirty="0">
+              <a:rPr lang="en-US" sz="1200" b="1">
                 <a:solidFill>
                   <a:srgbClr val="020302"/>
                 </a:solidFill>
@@ -14649,7 +14642,7 @@
               <a:t>a</a:t>
             </a:r>
             <a:r>
-              <a:rPr lang="en-US" sz="1200" b="1" spc="-45" dirty="0">
+              <a:rPr lang="en-US" sz="1200" b="1" spc="-45">
                 <a:solidFill>
                   <a:srgbClr val="020302"/>
                 </a:solidFill>
@@ -14659,7 +14652,7 @@
               <a:t> </a:t>
             </a:r>
             <a:r>
-              <a:rPr lang="en-US" sz="1200" b="1" spc="-15" dirty="0">
+              <a:rPr lang="en-US" sz="1200" b="1" spc="-15">
                 <a:solidFill>
                   <a:srgbClr val="020302"/>
                 </a:solidFill>
@@ -14669,7 +14662,7 @@
               <a:t>C</a:t>
             </a:r>
             <a:r>
-              <a:rPr lang="en-US" sz="1200" b="1" spc="-25" dirty="0">
+              <a:rPr lang="en-US" sz="1200" b="1" spc="-25">
                 <a:solidFill>
                   <a:srgbClr val="020302"/>
                 </a:solidFill>
@@ -14679,7 +14672,7 @@
               <a:t>l</a:t>
             </a:r>
             <a:r>
-              <a:rPr lang="en-US" sz="1200" b="1" spc="-15" dirty="0">
+              <a:rPr lang="en-US" sz="1200" b="1" spc="-15">
                 <a:solidFill>
                   <a:srgbClr val="020302"/>
                 </a:solidFill>
@@ -14689,7 +14682,7 @@
               <a:t>o</a:t>
             </a:r>
             <a:r>
-              <a:rPr lang="en-US" sz="1200" b="1" spc="-20" dirty="0">
+              <a:rPr lang="en-US" sz="1200" b="1" spc="-20">
                 <a:solidFill>
                   <a:srgbClr val="020302"/>
                 </a:solidFill>
@@ -14699,7 +14692,7 @@
               <a:t>u</a:t>
             </a:r>
             <a:r>
-              <a:rPr lang="en-US" sz="1200" b="1" dirty="0">
+              <a:rPr lang="en-US" sz="1200" b="1">
                 <a:solidFill>
                   <a:srgbClr val="020302"/>
                 </a:solidFill>
@@ -14709,7 +14702,7 @@
               <a:t>d</a:t>
             </a:r>
             <a:r>
-              <a:rPr lang="en-US" sz="1200" b="1" spc="-50" dirty="0">
+              <a:rPr lang="en-US" sz="1200" b="1" spc="-50">
                 <a:solidFill>
                   <a:srgbClr val="020302"/>
                 </a:solidFill>
@@ -14719,7 +14712,7 @@
               <a:t> </a:t>
             </a:r>
             <a:r>
-              <a:rPr lang="en-US" sz="1200" b="1" spc="-20" dirty="0">
+              <a:rPr lang="en-US" sz="1200" b="1" spc="-20">
                 <a:solidFill>
                   <a:srgbClr val="020302"/>
                 </a:solidFill>
@@ -14729,7 +14722,7 @@
               <a:t>S</a:t>
             </a:r>
             <a:r>
-              <a:rPr lang="en-US" sz="1200" b="1" spc="-25" dirty="0">
+              <a:rPr lang="en-US" sz="1200" b="1" spc="-25">
                 <a:solidFill>
                   <a:srgbClr val="020302"/>
                 </a:solidFill>
@@ -14739,7 +14732,7 @@
               <a:t>e</a:t>
             </a:r>
             <a:r>
-              <a:rPr lang="en-US" sz="1200" b="1" spc="-20" dirty="0">
+              <a:rPr lang="en-US" sz="1200" b="1" spc="-20">
                 <a:solidFill>
                   <a:srgbClr val="020302"/>
                 </a:solidFill>
@@ -14749,7 +14742,7 @@
               <a:t>r</a:t>
             </a:r>
             <a:r>
-              <a:rPr lang="en-US" sz="1200" b="1" spc="-30" dirty="0">
+              <a:rPr lang="en-US" sz="1200" b="1" spc="-30">
                 <a:solidFill>
                   <a:srgbClr val="020302"/>
                 </a:solidFill>
@@ -14759,7 +14752,7 @@
               <a:t>v</a:t>
             </a:r>
             <a:r>
-              <a:rPr lang="en-US" sz="1200" b="1" spc="-20" dirty="0">
+              <a:rPr lang="en-US" sz="1200" b="1" spc="-20">
                 <a:solidFill>
                   <a:srgbClr val="020302"/>
                 </a:solidFill>
@@ -14769,7 +14762,7 @@
               <a:t>i</a:t>
             </a:r>
             <a:r>
-              <a:rPr lang="en-US" sz="1200" b="1" spc="-30" dirty="0">
+              <a:rPr lang="en-US" sz="1200" b="1" spc="-30">
                 <a:solidFill>
                   <a:srgbClr val="020302"/>
                 </a:solidFill>
@@ -14779,7 +14772,7 @@
               <a:t>c</a:t>
             </a:r>
             <a:r>
-              <a:rPr lang="en-US" sz="1200" b="1" dirty="0">
+              <a:rPr lang="en-US" sz="1200" b="1">
                 <a:solidFill>
                   <a:srgbClr val="020302"/>
                 </a:solidFill>
@@ -14788,7 +14781,7 @@
               </a:rPr>
               <a:t>e</a:t>
             </a:r>
-            <a:endParaRPr lang="en-US" sz="1200" dirty="0">
+            <a:endParaRPr lang="en-US" sz="1200">
               <a:latin typeface="Adobe Clean"/>
               <a:cs typeface="Adobe Clean"/>
             </a:endParaRPr>
@@ -14831,7 +14824,7 @@
               </a:spcBef>
             </a:pPr>
             <a:r>
-              <a:rPr lang="en-US" sz="1200" b="1" spc="-25" dirty="0">
+              <a:rPr lang="en-US" sz="1200" b="1" spc="-25">
                 <a:solidFill>
                   <a:srgbClr val="020302"/>
                 </a:solidFill>
@@ -14840,7 +14833,7 @@
               </a:rPr>
               <a:t>Value-added Services for AEM as a Cloud Service</a:t>
             </a:r>
-            <a:endParaRPr lang="en-US" sz="1200" dirty="0">
+            <a:endParaRPr lang="en-US" sz="1200">
               <a:latin typeface="Adobe Clean"/>
               <a:cs typeface="Adobe Clean"/>
             </a:endParaRPr>
@@ -14883,7 +14876,7 @@
               </a:spcBef>
             </a:pPr>
             <a:r>
-              <a:rPr lang="en-US" sz="1200" b="1" spc="-20" dirty="0">
+              <a:rPr lang="en-US" sz="1200" b="1" spc="-20">
                 <a:solidFill>
                   <a:srgbClr val="020302"/>
                 </a:solidFill>
@@ -14893,7 +14886,7 @@
               <a:t>G</a:t>
             </a:r>
             <a:r>
-              <a:rPr lang="en-US" sz="1200" b="1" spc="-15" dirty="0">
+              <a:rPr lang="en-US" sz="1200" b="1" spc="-15">
                 <a:solidFill>
                   <a:srgbClr val="020302"/>
                 </a:solidFill>
@@ -14903,7 +14896,7 @@
               <a:t>o</a:t>
             </a:r>
             <a:r>
-              <a:rPr lang="en-US" sz="1200" b="1" spc="-25" dirty="0">
+              <a:rPr lang="en-US" sz="1200" b="1" spc="-25">
                 <a:solidFill>
                   <a:srgbClr val="020302"/>
                 </a:solidFill>
@@ -14913,7 +14906,7 @@
               <a:t>ve</a:t>
             </a:r>
             <a:r>
-              <a:rPr lang="en-US" sz="1200" b="1" spc="-20" dirty="0">
+              <a:rPr lang="en-US" sz="1200" b="1" spc="-20">
                 <a:solidFill>
                   <a:srgbClr val="020302"/>
                 </a:solidFill>
@@ -14923,7 +14916,7 @@
               <a:t>r</a:t>
             </a:r>
             <a:r>
-              <a:rPr lang="en-US" sz="1200" b="1" spc="-25" dirty="0">
+              <a:rPr lang="en-US" sz="1200" b="1" spc="-25">
                 <a:solidFill>
                   <a:srgbClr val="020302"/>
                 </a:solidFill>
@@ -14933,7 +14926,7 @@
               <a:t>n</a:t>
             </a:r>
             <a:r>
-              <a:rPr lang="en-US" sz="1200" b="1" spc="-20" dirty="0">
+              <a:rPr lang="en-US" sz="1200" b="1" spc="-20">
                 <a:solidFill>
                   <a:srgbClr val="020302"/>
                 </a:solidFill>
@@ -14943,7 +14936,7 @@
               <a:t>a</a:t>
             </a:r>
             <a:r>
-              <a:rPr lang="en-US" sz="1200" b="1" spc="-25" dirty="0">
+              <a:rPr lang="en-US" sz="1200" b="1" spc="-25">
                 <a:solidFill>
                   <a:srgbClr val="020302"/>
                 </a:solidFill>
@@ -14953,7 +14946,7 @@
               <a:t>n</a:t>
             </a:r>
             <a:r>
-              <a:rPr lang="en-US" sz="1200" b="1" spc="-30" dirty="0">
+              <a:rPr lang="en-US" sz="1200" b="1" spc="-30">
                 <a:solidFill>
                   <a:srgbClr val="020302"/>
                 </a:solidFill>
@@ -14963,7 +14956,7 @@
               <a:t>c</a:t>
             </a:r>
             <a:r>
-              <a:rPr lang="en-US" sz="1200" b="1" dirty="0">
+              <a:rPr lang="en-US" sz="1200" b="1">
                 <a:solidFill>
                   <a:srgbClr val="020302"/>
                 </a:solidFill>
@@ -14973,7 +14966,7 @@
               <a:t>e</a:t>
             </a:r>
             <a:r>
-              <a:rPr lang="en-US" sz="1200" b="1" spc="-50" dirty="0">
+              <a:rPr lang="en-US" sz="1200" b="1" spc="-50">
                 <a:solidFill>
                   <a:srgbClr val="020302"/>
                 </a:solidFill>
@@ -14983,7 +14976,7 @@
               <a:t> </a:t>
             </a:r>
             <a:r>
-              <a:rPr lang="en-US" sz="1200" b="1" spc="-25" dirty="0">
+              <a:rPr lang="en-US" sz="1200" b="1" spc="-25">
                 <a:solidFill>
                   <a:srgbClr val="020302"/>
                 </a:solidFill>
@@ -14993,7 +14986,7 @@
               <a:t>f</a:t>
             </a:r>
             <a:r>
-              <a:rPr lang="en-US" sz="1200" b="1" spc="-15" dirty="0">
+              <a:rPr lang="en-US" sz="1200" b="1" spc="-15">
                 <a:solidFill>
                   <a:srgbClr val="020302"/>
                 </a:solidFill>
@@ -15003,7 +14996,7 @@
               <a:t>o</a:t>
             </a:r>
             <a:r>
-              <a:rPr lang="en-US" sz="1200" b="1" dirty="0">
+              <a:rPr lang="en-US" sz="1200" b="1">
                 <a:solidFill>
                   <a:srgbClr val="020302"/>
                 </a:solidFill>
@@ -15013,7 +15006,7 @@
               <a:t>r</a:t>
             </a:r>
             <a:r>
-              <a:rPr lang="en-US" sz="1200" b="1" spc="-45" dirty="0">
+              <a:rPr lang="en-US" sz="1200" b="1" spc="-45">
                 <a:solidFill>
                   <a:srgbClr val="020302"/>
                 </a:solidFill>
@@ -15023,7 +15016,7 @@
               <a:t> </a:t>
             </a:r>
             <a:r>
-              <a:rPr lang="en-US" sz="1200" b="1" spc="-30" dirty="0">
+              <a:rPr lang="en-US" sz="1200" b="1" spc="-30">
                 <a:solidFill>
                   <a:srgbClr val="020302"/>
                 </a:solidFill>
@@ -15033,7 +15026,7 @@
               <a:t>A</a:t>
             </a:r>
             <a:r>
-              <a:rPr lang="en-US" sz="1200" b="1" spc="-25" dirty="0">
+              <a:rPr lang="en-US" sz="1200" b="1" spc="-25">
                 <a:solidFill>
                   <a:srgbClr val="020302"/>
                 </a:solidFill>
@@ -15043,7 +15036,7 @@
               <a:t>E</a:t>
             </a:r>
             <a:r>
-              <a:rPr lang="en-US" sz="1200" b="1" dirty="0">
+              <a:rPr lang="en-US" sz="1200" b="1">
                 <a:solidFill>
                   <a:srgbClr val="020302"/>
                 </a:solidFill>
@@ -15053,7 +15046,7 @@
               <a:t>M</a:t>
             </a:r>
             <a:r>
-              <a:rPr lang="en-US" sz="1200" b="1" spc="-50" dirty="0">
+              <a:rPr lang="en-US" sz="1200" b="1" spc="-50">
                 <a:solidFill>
                   <a:srgbClr val="020302"/>
                 </a:solidFill>
@@ -15063,7 +15056,7 @@
               <a:t> </a:t>
             </a:r>
             <a:r>
-              <a:rPr lang="en-US" sz="1200" b="1" spc="-20" dirty="0">
+              <a:rPr lang="en-US" sz="1200" b="1" spc="-20">
                 <a:solidFill>
                   <a:srgbClr val="020302"/>
                 </a:solidFill>
@@ -15073,7 +15066,7 @@
               <a:t>a</a:t>
             </a:r>
             <a:r>
-              <a:rPr lang="en-US" sz="1200" b="1" dirty="0">
+              <a:rPr lang="en-US" sz="1200" b="1">
                 <a:solidFill>
                   <a:srgbClr val="020302"/>
                 </a:solidFill>
@@ -15083,7 +15076,7 @@
               <a:t>s</a:t>
             </a:r>
             <a:r>
-              <a:rPr lang="en-US" sz="1200" b="1" spc="-45" dirty="0">
+              <a:rPr lang="en-US" sz="1200" b="1" spc="-45">
                 <a:solidFill>
                   <a:srgbClr val="020302"/>
                 </a:solidFill>
@@ -15093,7 +15086,7 @@
               <a:t> </a:t>
             </a:r>
             <a:r>
-              <a:rPr lang="en-US" sz="1200" b="1" dirty="0">
+              <a:rPr lang="en-US" sz="1200" b="1">
                 <a:solidFill>
                   <a:srgbClr val="020302"/>
                 </a:solidFill>
@@ -15103,7 +15096,7 @@
               <a:t>a</a:t>
             </a:r>
             <a:r>
-              <a:rPr lang="en-US" sz="1200" b="1" spc="-40" dirty="0">
+              <a:rPr lang="en-US" sz="1200" b="1" spc="-40">
                 <a:solidFill>
                   <a:srgbClr val="020302"/>
                 </a:solidFill>
@@ -15113,7 +15106,7 @@
               <a:t> </a:t>
             </a:r>
             <a:r>
-              <a:rPr lang="en-US" sz="1200" b="1" spc="-15" dirty="0">
+              <a:rPr lang="en-US" sz="1200" b="1" spc="-15">
                 <a:solidFill>
                   <a:srgbClr val="020302"/>
                 </a:solidFill>
@@ -15123,7 +15116,7 @@
               <a:t>C</a:t>
             </a:r>
             <a:r>
-              <a:rPr lang="en-US" sz="1200" b="1" spc="-25" dirty="0">
+              <a:rPr lang="en-US" sz="1200" b="1" spc="-25">
                 <a:solidFill>
                   <a:srgbClr val="020302"/>
                 </a:solidFill>
@@ -15133,7 +15126,7 @@
               <a:t>l</a:t>
             </a:r>
             <a:r>
-              <a:rPr lang="en-US" sz="1200" b="1" spc="-15" dirty="0">
+              <a:rPr lang="en-US" sz="1200" b="1" spc="-15">
                 <a:solidFill>
                   <a:srgbClr val="020302"/>
                 </a:solidFill>
@@ -15143,7 +15136,7 @@
               <a:t>ou</a:t>
             </a:r>
             <a:r>
-              <a:rPr lang="en-US" sz="1200" b="1" dirty="0">
+              <a:rPr lang="en-US" sz="1200" b="1">
                 <a:solidFill>
                   <a:srgbClr val="020302"/>
                 </a:solidFill>
@@ -15153,7 +15146,7 @@
               <a:t>d</a:t>
             </a:r>
             <a:r>
-              <a:rPr lang="en-US" sz="1200" b="1" spc="-50" dirty="0">
+              <a:rPr lang="en-US" sz="1200" b="1" spc="-50">
                 <a:solidFill>
                   <a:srgbClr val="020302"/>
                 </a:solidFill>
@@ -15163,7 +15156,7 @@
               <a:t> </a:t>
             </a:r>
             <a:r>
-              <a:rPr lang="en-US" sz="1200" b="1" spc="-20" dirty="0">
+              <a:rPr lang="en-US" sz="1200" b="1" spc="-20">
                 <a:solidFill>
                   <a:srgbClr val="020302"/>
                 </a:solidFill>
@@ -15173,7 +15166,7 @@
               <a:t>S</a:t>
             </a:r>
             <a:r>
-              <a:rPr lang="en-US" sz="1200" b="1" spc="-25" dirty="0">
+              <a:rPr lang="en-US" sz="1200" b="1" spc="-25">
                 <a:solidFill>
                   <a:srgbClr val="020302"/>
                 </a:solidFill>
@@ -15183,7 +15176,7 @@
               <a:t>e</a:t>
             </a:r>
             <a:r>
-              <a:rPr lang="en-US" sz="1200" b="1" spc="-20" dirty="0">
+              <a:rPr lang="en-US" sz="1200" b="1" spc="-20">
                 <a:solidFill>
                   <a:srgbClr val="020302"/>
                 </a:solidFill>
@@ -15193,7 +15186,7 @@
               <a:t>r</a:t>
             </a:r>
             <a:r>
-              <a:rPr lang="en-US" sz="1200" b="1" spc="-25" dirty="0">
+              <a:rPr lang="en-US" sz="1200" b="1" spc="-25">
                 <a:solidFill>
                   <a:srgbClr val="020302"/>
                 </a:solidFill>
@@ -15203,7 +15196,7 @@
               <a:t>v</a:t>
             </a:r>
             <a:r>
-              <a:rPr lang="en-US" sz="1200" b="1" spc="-20" dirty="0">
+              <a:rPr lang="en-US" sz="1200" b="1" spc="-20">
                 <a:solidFill>
                   <a:srgbClr val="020302"/>
                 </a:solidFill>
@@ -15213,7 +15206,7 @@
               <a:t>i</a:t>
             </a:r>
             <a:r>
-              <a:rPr lang="en-US" sz="1200" b="1" spc="-30" dirty="0">
+              <a:rPr lang="en-US" sz="1200" b="1" spc="-30">
                 <a:solidFill>
                   <a:srgbClr val="020302"/>
                 </a:solidFill>
@@ -15223,7 +15216,7 @@
               <a:t>c</a:t>
             </a:r>
             <a:r>
-              <a:rPr lang="en-US" sz="1200" b="1" dirty="0">
+              <a:rPr lang="en-US" sz="1200" b="1">
                 <a:solidFill>
                   <a:srgbClr val="020302"/>
                 </a:solidFill>
@@ -15232,7 +15225,7 @@
               </a:rPr>
               <a:t>e</a:t>
             </a:r>
-            <a:endParaRPr lang="en-US" sz="1200" dirty="0">
+            <a:endParaRPr lang="en-US" sz="1200">
               <a:latin typeface="Adobe Clean"/>
               <a:cs typeface="Adobe Clean"/>
             </a:endParaRPr>
@@ -15296,7 +15289,7 @@
               </a:lnSpc>
             </a:pPr>
             <a:r>
-              <a:rPr sz="500" spc="-5" dirty="0">
+              <a:rPr sz="500" spc="-5">
                 <a:solidFill>
                   <a:srgbClr val="6C6C6C"/>
                 </a:solidFill>
@@ -15306,7 +15299,7 @@
               <a:t>©2020 Adobe. All Rights Reserved. </a:t>
             </a:r>
             <a:r>
-              <a:rPr sz="500" dirty="0">
+              <a:rPr sz="500">
                 <a:solidFill>
                   <a:srgbClr val="6C6C6C"/>
                 </a:solidFill>
@@ -15316,7 +15309,7 @@
               <a:t>Adobe</a:t>
             </a:r>
             <a:r>
-              <a:rPr sz="500" spc="5" dirty="0">
+              <a:rPr sz="500" spc="5">
                 <a:solidFill>
                   <a:srgbClr val="6C6C6C"/>
                 </a:solidFill>
@@ -15326,7 +15319,7 @@
               <a:t> </a:t>
             </a:r>
             <a:r>
-              <a:rPr sz="500" spc="-5" dirty="0">
+              <a:rPr sz="500" spc="-5">
                 <a:solidFill>
                   <a:srgbClr val="6C6C6C"/>
                 </a:solidFill>
@@ -15364,7 +15357,7 @@
               </a:spcBef>
             </a:pPr>
             <a:r>
-              <a:rPr sz="800" spc="-5" dirty="0">
+              <a:rPr sz="800" spc="-5">
                 <a:solidFill>
                   <a:srgbClr val="6D6D6D"/>
                 </a:solidFill>
@@ -15374,7 +15367,7 @@
               <a:t>©2020 Adobe. All Rights Reserved. Adobe</a:t>
             </a:r>
             <a:r>
-              <a:rPr sz="800" spc="75" dirty="0">
+              <a:rPr sz="800" spc="75">
                 <a:solidFill>
                   <a:srgbClr val="6D6D6D"/>
                 </a:solidFill>
@@ -15384,7 +15377,7 @@
               <a:t> </a:t>
             </a:r>
             <a:r>
-              <a:rPr sz="800" spc="-5" dirty="0">
+              <a:rPr sz="800" spc="-5">
                 <a:solidFill>
                   <a:srgbClr val="6D6D6D"/>
                 </a:solidFill>
@@ -15480,7 +15473,7 @@
               </a:spcBef>
             </a:pPr>
             <a:r>
-              <a:rPr lang="en-US" sz="1400" b="1" spc="-15" dirty="0">
+              <a:rPr lang="en-US" sz="1400" b="1" spc="-15">
                 <a:solidFill>
                   <a:srgbClr val="020302"/>
                 </a:solidFill>
@@ -15489,7 +15482,7 @@
               </a:rPr>
               <a:t>Resources</a:t>
             </a:r>
-            <a:endParaRPr sz="1400" dirty="0">
+            <a:endParaRPr sz="1400">
               <a:latin typeface="Adobe Clean"/>
               <a:cs typeface="Adobe Clean"/>
             </a:endParaRPr>
@@ -15526,7 +15519,7 @@
               </a:spcBef>
             </a:pPr>
             <a:r>
-              <a:rPr sz="800" spc="-15" dirty="0">
+              <a:rPr sz="800" spc="-15">
                 <a:solidFill>
                   <a:srgbClr val="777879"/>
                 </a:solidFill>
@@ -15547,7 +15540,7 @@
               </a:lnSpc>
             </a:pPr>
             <a:r>
-              <a:rPr sz="800" spc="-15" dirty="0">
+              <a:rPr sz="800" spc="-15">
                 <a:solidFill>
                   <a:srgbClr val="777879"/>
                 </a:solidFill>
@@ -15557,7 +15550,7 @@
               <a:t>345 Park</a:t>
             </a:r>
             <a:r>
-              <a:rPr sz="800" spc="-100" dirty="0">
+              <a:rPr sz="800" spc="-100">
                 <a:solidFill>
                   <a:srgbClr val="777879"/>
                 </a:solidFill>
@@ -15567,7 +15560,7 @@
               <a:t> </a:t>
             </a:r>
             <a:r>
-              <a:rPr sz="800" spc="-15" dirty="0">
+              <a:rPr sz="800" spc="-15">
                 <a:solidFill>
                   <a:srgbClr val="777879"/>
                 </a:solidFill>
@@ -15588,7 +15581,7 @@
               </a:lnSpc>
             </a:pPr>
             <a:r>
-              <a:rPr sz="800" spc="-10" dirty="0">
+              <a:rPr sz="800" spc="-10">
                 <a:solidFill>
                   <a:srgbClr val="777879"/>
                 </a:solidFill>
@@ -15598,7 +15591,7 @@
               <a:t>San </a:t>
             </a:r>
             <a:r>
-              <a:rPr sz="800" spc="-15" dirty="0">
+              <a:rPr sz="800" spc="-15">
                 <a:solidFill>
                   <a:srgbClr val="777879"/>
                 </a:solidFill>
@@ -15608,7 +15601,7 @@
               <a:t>Jose,</a:t>
             </a:r>
             <a:r>
-              <a:rPr sz="800" spc="-140" dirty="0">
+              <a:rPr sz="800" spc="-140">
                 <a:solidFill>
                   <a:srgbClr val="777879"/>
                 </a:solidFill>
@@ -15618,7 +15611,7 @@
               <a:t> </a:t>
             </a:r>
             <a:r>
-              <a:rPr sz="800" spc="-20" dirty="0">
+              <a:rPr sz="800" spc="-20">
                 <a:solidFill>
                   <a:srgbClr val="777879"/>
                 </a:solidFill>
@@ -15642,7 +15635,7 @@
               </a:spcBef>
             </a:pPr>
             <a:r>
-              <a:rPr sz="800" spc="-10" dirty="0">
+              <a:rPr sz="800" spc="-10">
                 <a:solidFill>
                   <a:srgbClr val="777879"/>
                 </a:solidFill>
@@ -15666,7 +15659,7 @@
               </a:spcBef>
             </a:pPr>
             <a:r>
-              <a:rPr sz="800" u="sng" spc="-25" dirty="0">
+              <a:rPr sz="800" u="sng" spc="-25">
                 <a:solidFill>
                   <a:srgbClr val="5F5F5F"/>
                 </a:solidFill>
@@ -15859,7 +15852,7 @@
               </a:spcBef>
             </a:pPr>
             <a:r>
-              <a:rPr sz="1100" i="1" spc="-10" dirty="0">
+              <a:rPr sz="1100" i="1" spc="-10">
                 <a:solidFill>
                   <a:srgbClr val="777879"/>
                 </a:solidFill>
@@ -15869,7 +15862,7 @@
               <a:t>To</a:t>
             </a:r>
             <a:r>
-              <a:rPr sz="1100" i="1" spc="-50" dirty="0">
+              <a:rPr sz="1100" i="1" spc="-50">
                 <a:solidFill>
                   <a:srgbClr val="777879"/>
                 </a:solidFill>
@@ -15879,7 +15872,7 @@
               <a:t> </a:t>
             </a:r>
             <a:r>
-              <a:rPr sz="1100" i="1" spc="-15" dirty="0">
+              <a:rPr sz="1100" i="1" spc="-15">
                 <a:solidFill>
                   <a:srgbClr val="777879"/>
                 </a:solidFill>
@@ -15889,7 +15882,7 @@
               <a:t>learn</a:t>
             </a:r>
             <a:r>
-              <a:rPr sz="1100" i="1" spc="-40" dirty="0">
+              <a:rPr sz="1100" i="1" spc="-40">
                 <a:solidFill>
                   <a:srgbClr val="777879"/>
                 </a:solidFill>
@@ -15899,7 +15892,7 @@
               <a:t> </a:t>
             </a:r>
             <a:r>
-              <a:rPr sz="1100" i="1" spc="-15" dirty="0">
+              <a:rPr sz="1100" i="1" spc="-15">
                 <a:solidFill>
                   <a:srgbClr val="777879"/>
                 </a:solidFill>
@@ -15909,7 +15902,7 @@
               <a:t>more</a:t>
             </a:r>
             <a:r>
-              <a:rPr sz="1100" i="1" spc="-45" dirty="0">
+              <a:rPr sz="1100" i="1" spc="-45">
                 <a:solidFill>
                   <a:srgbClr val="777879"/>
                 </a:solidFill>
@@ -15919,7 +15912,7 @@
               <a:t> </a:t>
             </a:r>
             <a:r>
-              <a:rPr sz="1100" i="1" spc="-15" dirty="0">
+              <a:rPr sz="1100" i="1" spc="-15">
                 <a:solidFill>
                   <a:srgbClr val="777879"/>
                 </a:solidFill>
@@ -15929,7 +15922,7 @@
               <a:t>about</a:t>
             </a:r>
             <a:r>
-              <a:rPr sz="1100" i="1" spc="-45" dirty="0">
+              <a:rPr sz="1100" i="1" spc="-45">
                 <a:solidFill>
                   <a:srgbClr val="777879"/>
                 </a:solidFill>
@@ -15939,7 +15932,7 @@
               <a:t> </a:t>
             </a:r>
             <a:r>
-              <a:rPr sz="1100" i="1" spc="-15" dirty="0">
+              <a:rPr sz="1100" i="1" spc="-15">
                 <a:solidFill>
                   <a:srgbClr val="777879"/>
                 </a:solidFill>
@@ -15949,7 +15942,7 @@
               <a:t>Adobe</a:t>
             </a:r>
             <a:r>
-              <a:rPr sz="1100" i="1" spc="-60" dirty="0">
+              <a:rPr sz="1100" i="1" spc="-60">
                 <a:solidFill>
                   <a:srgbClr val="777879"/>
                 </a:solidFill>
@@ -15959,7 +15952,7 @@
               <a:t> </a:t>
             </a:r>
             <a:r>
-              <a:rPr sz="1100" i="1" spc="-15" dirty="0">
+              <a:rPr sz="1100" i="1" spc="-15">
                 <a:solidFill>
                   <a:srgbClr val="777879"/>
                 </a:solidFill>
@@ -15969,7 +15962,7 @@
               <a:t>Support</a:t>
             </a:r>
             <a:r>
-              <a:rPr lang="en-US" sz="1100" i="1" spc="-15" dirty="0">
+              <a:rPr lang="en-US" sz="1100" i="1" spc="-15">
                 <a:solidFill>
                   <a:srgbClr val="777879"/>
                 </a:solidFill>
@@ -15979,7 +15972,7 @@
               <a:t> Offerings</a:t>
             </a:r>
             <a:r>
-              <a:rPr sz="1100" i="1" spc="-75" dirty="0">
+              <a:rPr sz="1100" i="1" spc="-75">
                 <a:solidFill>
                   <a:srgbClr val="777879"/>
                 </a:solidFill>
@@ -15989,7 +15982,7 @@
               <a:t> </a:t>
             </a:r>
             <a:r>
-              <a:rPr sz="1100" i="1" spc="-15" dirty="0">
+              <a:rPr sz="1100" i="1" spc="-15">
                 <a:solidFill>
                   <a:srgbClr val="777879"/>
                 </a:solidFill>
@@ -15999,7 +15992,7 @@
               <a:t>and</a:t>
             </a:r>
             <a:r>
-              <a:rPr sz="1100" i="1" spc="-50" dirty="0">
+              <a:rPr sz="1100" i="1" spc="-50">
                 <a:solidFill>
                   <a:srgbClr val="777879"/>
                 </a:solidFill>
@@ -16009,7 +16002,7 @@
               <a:t> </a:t>
             </a:r>
             <a:r>
-              <a:rPr sz="1100" i="1" spc="-15" dirty="0">
+              <a:rPr sz="1100" i="1" spc="-15">
                 <a:solidFill>
                   <a:srgbClr val="777879"/>
                 </a:solidFill>
@@ -16019,7 +16012,7 @@
               <a:t>the</a:t>
             </a:r>
             <a:r>
-              <a:rPr sz="1100" i="1" spc="-55" dirty="0">
+              <a:rPr sz="1100" i="1" spc="-55">
                 <a:solidFill>
                   <a:srgbClr val="777879"/>
                 </a:solidFill>
@@ -16029,7 +16022,7 @@
               <a:t> </a:t>
             </a:r>
             <a:r>
-              <a:rPr sz="1100" i="1" spc="-15" dirty="0">
+              <a:rPr sz="1100" i="1" spc="-15">
                 <a:solidFill>
                   <a:srgbClr val="777879"/>
                 </a:solidFill>
@@ -16039,7 +16032,7 @@
               <a:t>right</a:t>
             </a:r>
             <a:r>
-              <a:rPr sz="1100" i="1" spc="-95" dirty="0">
+              <a:rPr sz="1100" i="1" spc="-95">
                 <a:solidFill>
                   <a:srgbClr val="777879"/>
                 </a:solidFill>
@@ -16049,7 +16042,7 @@
               <a:t> </a:t>
             </a:r>
             <a:r>
-              <a:rPr sz="1100" i="1" spc="-15" dirty="0">
+              <a:rPr sz="1100" i="1" spc="-15">
                 <a:solidFill>
                   <a:srgbClr val="777879"/>
                 </a:solidFill>
@@ -16059,7 +16052,7 @@
               <a:t>level</a:t>
             </a:r>
             <a:r>
-              <a:rPr sz="1100" i="1" spc="-55" dirty="0">
+              <a:rPr sz="1100" i="1" spc="-55">
                 <a:solidFill>
                   <a:srgbClr val="777879"/>
                 </a:solidFill>
@@ -16069,7 +16062,7 @@
               <a:t> </a:t>
             </a:r>
             <a:r>
-              <a:rPr sz="1100" i="1" spc="-15" dirty="0">
+              <a:rPr sz="1100" i="1" spc="-15">
                 <a:solidFill>
                   <a:srgbClr val="777879"/>
                 </a:solidFill>
@@ -16079,7 +16072,7 @@
               <a:t>for</a:t>
             </a:r>
             <a:r>
-              <a:rPr sz="1100" i="1" spc="-85" dirty="0">
+              <a:rPr sz="1100" i="1" spc="-85">
                 <a:solidFill>
                   <a:srgbClr val="777879"/>
                 </a:solidFill>
@@ -16089,7 +16082,7 @@
               <a:t> </a:t>
             </a:r>
             <a:r>
-              <a:rPr sz="1100" i="1" spc="-15" dirty="0">
+              <a:rPr sz="1100" i="1" spc="-15">
                 <a:solidFill>
                   <a:srgbClr val="777879"/>
                 </a:solidFill>
@@ -16099,7 +16092,7 @@
               <a:t>you,</a:t>
             </a:r>
             <a:r>
-              <a:rPr sz="1100" i="1" spc="-65" dirty="0">
+              <a:rPr sz="1100" i="1" spc="-65">
                 <a:solidFill>
                   <a:srgbClr val="777879"/>
                 </a:solidFill>
@@ -16109,7 +16102,7 @@
               <a:t> </a:t>
             </a:r>
             <a:r>
-              <a:rPr sz="1100" i="1" spc="-15" dirty="0">
+              <a:rPr sz="1100" i="1" spc="-15">
                 <a:solidFill>
                   <a:srgbClr val="777879"/>
                 </a:solidFill>
@@ -16119,7 +16112,7 @@
               <a:t>contact</a:t>
             </a:r>
             <a:r>
-              <a:rPr sz="1100" i="1" spc="-85" dirty="0">
+              <a:rPr sz="1100" i="1" spc="-85">
                 <a:solidFill>
                   <a:srgbClr val="777879"/>
                 </a:solidFill>
@@ -16129,7 +16122,7 @@
               <a:t> </a:t>
             </a:r>
             <a:r>
-              <a:rPr sz="1100" i="1" spc="-15" dirty="0">
+              <a:rPr sz="1100" i="1" spc="-15">
                 <a:solidFill>
                   <a:srgbClr val="777879"/>
                 </a:solidFill>
@@ -16139,7 +16132,7 @@
               <a:t>your</a:t>
             </a:r>
             <a:r>
-              <a:rPr sz="1100" i="1" spc="-70" dirty="0">
+              <a:rPr sz="1100" i="1" spc="-70">
                 <a:solidFill>
                   <a:srgbClr val="777879"/>
                 </a:solidFill>
@@ -16149,7 +16142,7 @@
               <a:t> </a:t>
             </a:r>
             <a:r>
-              <a:rPr sz="1100" i="1" spc="-15" dirty="0">
+              <a:rPr sz="1100" i="1" spc="-15">
                 <a:solidFill>
                   <a:srgbClr val="777879"/>
                 </a:solidFill>
@@ -16159,7 +16152,7 @@
               <a:t>Named</a:t>
             </a:r>
             <a:r>
-              <a:rPr sz="1100" i="1" spc="-55" dirty="0">
+              <a:rPr sz="1100" i="1" spc="-55">
                 <a:solidFill>
                   <a:srgbClr val="777879"/>
                 </a:solidFill>
@@ -16169,7 +16162,7 @@
               <a:t> </a:t>
             </a:r>
             <a:r>
-              <a:rPr sz="1100" i="1" spc="-25" dirty="0">
+              <a:rPr sz="1100" i="1" spc="-25">
                 <a:solidFill>
                   <a:srgbClr val="777879"/>
                 </a:solidFill>
@@ -16179,7 +16172,7 @@
               <a:t>Account</a:t>
             </a:r>
             <a:r>
-              <a:rPr sz="1100" i="1" spc="-120" dirty="0">
+              <a:rPr sz="1100" i="1" spc="-120">
                 <a:solidFill>
                   <a:srgbClr val="777879"/>
                 </a:solidFill>
@@ -16189,7 +16182,7 @@
               <a:t> </a:t>
             </a:r>
             <a:r>
-              <a:rPr sz="1100" i="1" spc="-20" dirty="0">
+              <a:rPr sz="1100" i="1" spc="-20">
                 <a:solidFill>
                   <a:srgbClr val="777879"/>
                 </a:solidFill>
@@ -16199,7 +16192,7 @@
               <a:t>Manager  </a:t>
             </a:r>
             <a:r>
-              <a:rPr sz="1100" i="1" spc="-15" dirty="0">
+              <a:rPr sz="1100" i="1" spc="-15">
                 <a:solidFill>
                   <a:srgbClr val="777879"/>
                 </a:solidFill>
@@ -16209,7 +16202,7 @@
               <a:t>(NAM) </a:t>
             </a:r>
             <a:r>
-              <a:rPr sz="1100" i="1" spc="-10" dirty="0">
+              <a:rPr sz="1100" i="1" spc="-10">
                 <a:solidFill>
                   <a:srgbClr val="777879"/>
                 </a:solidFill>
@@ -16219,7 +16212,7 @@
               <a:t>or </a:t>
             </a:r>
             <a:r>
-              <a:rPr sz="1100" i="1" spc="-15" dirty="0">
+              <a:rPr sz="1100" i="1" spc="-15">
                 <a:solidFill>
                   <a:srgbClr val="777879"/>
                 </a:solidFill>
@@ -16229,7 +16222,7 @@
               <a:t>Customer </a:t>
             </a:r>
             <a:r>
-              <a:rPr sz="1100" i="1" spc="-20" dirty="0">
+              <a:rPr sz="1100" i="1" spc="-20">
                 <a:solidFill>
                   <a:srgbClr val="777879"/>
                 </a:solidFill>
@@ -16239,7 +16232,7 @@
               <a:t>Success</a:t>
             </a:r>
             <a:r>
-              <a:rPr sz="1100" i="1" spc="-180" dirty="0">
+              <a:rPr sz="1100" i="1" spc="-180">
                 <a:solidFill>
                   <a:srgbClr val="777879"/>
                 </a:solidFill>
@@ -16249,16 +16242,36 @@
               <a:t> </a:t>
             </a:r>
             <a:r>
-              <a:rPr sz="1100" i="1" spc="-15" dirty="0">
+              <a:rPr sz="1100" i="1" spc="-15">
                 <a:solidFill>
                   <a:srgbClr val="777879"/>
                 </a:solidFill>
                 <a:latin typeface="AdobeClean-LightIt"/>
                 <a:cs typeface="AdobeClean-LightIt"/>
               </a:rPr>
-              <a:t>Manager(CSM)</a:t>
-            </a:r>
-            <a:endParaRPr sz="1100" dirty="0">
+              <a:t>Manager</a:t>
+            </a:r>
+            <a:r>
+              <a:rPr lang="en-US" sz="1100" i="1" spc="-15">
+                <a:solidFill>
+                  <a:srgbClr val="777879"/>
+                </a:solidFill>
+                <a:latin typeface="AdobeClean-LightIt"/>
+                <a:cs typeface="AdobeClean-LightIt"/>
+              </a:rPr>
+              <a:t> </a:t>
+            </a:r>
+            <a:r>
+              <a:rPr sz="1100" i="1" spc="-15">
+                <a:solidFill>
+                  <a:srgbClr val="777879"/>
+                </a:solidFill>
+                <a:latin typeface="AdobeClean-LightIt"/>
+                <a:cs typeface="AdobeClean-LightIt"/>
+              </a:rPr>
+              <a:t>(CSM)</a:t>
+            </a:r>
+            <a:endParaRPr sz="1100">
               <a:latin typeface="AdobeClean-LightIt"/>
               <a:cs typeface="AdobeClean-LightIt"/>
             </a:endParaRPr>
@@ -16273,7 +16286,7 @@
               </a:spcBef>
             </a:pPr>
             <a:r>
-              <a:rPr sz="800" spc="-5" dirty="0">
+              <a:rPr sz="800" spc="-5">
                 <a:solidFill>
                   <a:srgbClr val="6D6D6D"/>
                 </a:solidFill>
@@ -16283,7 +16296,7 @@
               <a:t>©202</a:t>
             </a:r>
             <a:r>
-              <a:rPr lang="en-US" sz="800" spc="-5" dirty="0">
+              <a:rPr lang="en-US" sz="800" spc="-5">
                 <a:solidFill>
                   <a:srgbClr val="6D6D6D"/>
                 </a:solidFill>
@@ -16293,7 +16306,7 @@
               <a:t>1</a:t>
             </a:r>
             <a:r>
-              <a:rPr sz="800" spc="-5" dirty="0">
+              <a:rPr sz="800" spc="-5">
                 <a:solidFill>
                   <a:srgbClr val="6D6D6D"/>
                 </a:solidFill>
@@ -16303,7 +16316,7 @@
               <a:t> Adobe. All Rights Reserved. Adobe</a:t>
             </a:r>
             <a:r>
-              <a:rPr sz="800" spc="75" dirty="0">
+              <a:rPr sz="800" spc="75">
                 <a:solidFill>
                   <a:srgbClr val="6D6D6D"/>
                 </a:solidFill>
@@ -16313,7 +16326,7 @@
               <a:t> </a:t>
             </a:r>
             <a:r>
-              <a:rPr sz="800" spc="-5" dirty="0">
+              <a:rPr sz="800" spc="-5">
                 <a:solidFill>
                   <a:srgbClr val="6D6D6D"/>
                 </a:solidFill>
@@ -16322,7 +16335,7 @@
               </a:rPr>
               <a:t>Confidential.</a:t>
             </a:r>
-            <a:endParaRPr sz="800" dirty="0">
+            <a:endParaRPr sz="800">
               <a:latin typeface="Adobe Clean"/>
               <a:cs typeface="Adobe Clean"/>
             </a:endParaRPr>
@@ -16362,7 +16375,7 @@
               </a:spcBef>
             </a:pPr>
             <a:r>
-              <a:rPr lang="en-US" sz="1400" b="1" spc="-15" dirty="0">
+              <a:rPr lang="en-US" sz="1400" b="1" spc="-15">
                 <a:solidFill>
                   <a:srgbClr val="020302"/>
                 </a:solidFill>
@@ -16371,7 +16384,7 @@
               </a:rPr>
               <a:t>Regional scope of Adobe Support, Local Hours Of Operation And Language Support</a:t>
             </a:r>
-            <a:endParaRPr lang="en-US" sz="1400" spc="-15" dirty="0">
+            <a:endParaRPr lang="en-US" sz="1400" spc="-15">
               <a:ea typeface="+mn-lt"/>
               <a:cs typeface="+mn-lt"/>
             </a:endParaRPr>
@@ -16383,7 +16396,7 @@
               </a:spcBef>
             </a:pPr>
             <a:r>
-              <a:rPr lang="en-US" sz="1000" spc="-15" dirty="0">
+              <a:rPr lang="en-US" sz="1000" spc="-15">
                 <a:solidFill>
                   <a:srgbClr val="1F1F1F"/>
                 </a:solidFill>
@@ -16391,7 +16404,7 @@
               </a:rPr>
               <a:t>The regional scope of Adobe Support is established by aligning the customer's billing address (via the Sales Order or other Adobe Support purchasing document) to one of the following regions:</a:t>
             </a:r>
-            <a:endParaRPr lang="en-US" sz="1000" dirty="0">
+            <a:endParaRPr lang="en-US" sz="1000">
               <a:latin typeface="AdobeClean-Light"/>
             </a:endParaRPr>
           </a:p>
@@ -16465,7 +16478,7 @@
                     <a:p>
                       <a:pPr algn="ctr"/>
                       <a:r>
-                        <a:rPr lang="en-US" sz="1100" dirty="0">
+                        <a:rPr lang="en-US" sz="1100">
                           <a:solidFill>
                             <a:schemeClr val="tx1"/>
                           </a:solidFill>
@@ -16530,7 +16543,7 @@
                     <a:p>
                       <a:pPr algn="ctr"/>
                       <a:r>
-                        <a:rPr lang="en-US" sz="1100" dirty="0">
+                        <a:rPr lang="en-US" sz="1100">
                           <a:solidFill>
                             <a:schemeClr val="tx1"/>
                           </a:solidFill>
@@ -16595,7 +16608,7 @@
                     <a:p>
                       <a:pPr algn="ctr"/>
                       <a:r>
-                        <a:rPr lang="en-US" sz="1100" dirty="0">
+                        <a:rPr lang="en-US" sz="1100">
                           <a:solidFill>
                             <a:schemeClr val="tx1"/>
                           </a:solidFill>
@@ -16660,7 +16673,7 @@
                     <a:p>
                       <a:pPr algn="ctr"/>
                       <a:r>
-                        <a:rPr lang="en-US" sz="1100" dirty="0">
+                        <a:rPr lang="en-US" sz="1100">
                           <a:solidFill>
                             <a:schemeClr val="tx1"/>
                           </a:solidFill>
@@ -16669,7 +16682,7 @@
                         <a:t>Japan </a:t>
                       </a:r>
                       <a:r>
-                        <a:rPr lang="en-US" sz="1100" baseline="30000" dirty="0">
+                        <a:rPr lang="en-US" sz="1100" baseline="30000">
                           <a:solidFill>
                             <a:schemeClr val="tx1"/>
                           </a:solidFill>
@@ -16677,7 +16690,7 @@
                         </a:rPr>
                         <a:t>1 </a:t>
                       </a:r>
-                      <a:endParaRPr lang="en-US" sz="1100" dirty="0">
+                      <a:endParaRPr lang="en-US" sz="1100">
                         <a:solidFill>
                           <a:schemeClr val="tx1"/>
                         </a:solidFill>
@@ -16747,7 +16760,7 @@
                     <a:p>
                       <a:pPr algn="ctr"/>
                       <a:r>
-                        <a:rPr lang="en-US" sz="1100" dirty="0">
+                        <a:rPr lang="en-US" sz="1100">
                           <a:solidFill>
                             <a:schemeClr val="tx1"/>
                           </a:solidFill>
@@ -16812,7 +16825,7 @@
                     <a:p>
                       <a:pPr algn="ctr"/>
                       <a:r>
-                        <a:rPr lang="en-US" sz="1100" dirty="0">
+                        <a:rPr lang="en-US" sz="1100">
                           <a:solidFill>
                             <a:schemeClr val="tx1"/>
                           </a:solidFill>
@@ -16877,7 +16890,7 @@
                     <a:p>
                       <a:pPr algn="ctr"/>
                       <a:r>
-                        <a:rPr lang="en-US" sz="1100" dirty="0">
+                        <a:rPr lang="en-US" sz="1100">
                           <a:solidFill>
                             <a:schemeClr val="tx1"/>
                           </a:solidFill>
@@ -16942,7 +16955,7 @@
                     <a:p>
                       <a:pPr algn="ctr"/>
                       <a:r>
-                        <a:rPr lang="en-US" sz="1100" dirty="0">
+                        <a:rPr lang="en-US" sz="1100">
                           <a:solidFill>
                             <a:schemeClr val="tx1"/>
                           </a:solidFill>
@@ -17028,7 +17041,7 @@
                         <a:buNone/>
                       </a:pPr>
                       <a:r>
-                        <a:rPr lang="en-US" sz="1100" dirty="0">
+                        <a:rPr lang="en-US" sz="1100">
                           <a:solidFill>
                             <a:schemeClr val="tx1"/>
                           </a:solidFill>
@@ -17036,7 +17049,7 @@
                         </a:rPr>
                         <a:t>Language support is only available in English and Japanese. </a:t>
                       </a:r>
-                      <a:endParaRPr lang="en-US" sz="1100" dirty="0">
+                      <a:endParaRPr lang="en-US" sz="1100">
                         <a:solidFill>
                           <a:schemeClr val="tx1"/>
                         </a:solidFill>
@@ -17061,7 +17074,7 @@
                         <a:tabLst/>
                         <a:defRPr/>
                       </a:pPr>
-                      <a:endParaRPr kumimoji="0" lang="en-US" sz="1100" b="1" i="0" u="none" strike="noStrike" kern="0" cap="none" spc="0" normalizeH="0" baseline="30000" noProof="0" dirty="0">
+                      <a:endParaRPr kumimoji="0" lang="en-US" sz="1100" b="1" i="0" u="none" strike="noStrike" kern="0" cap="none" spc="0" normalizeH="0" baseline="30000" noProof="0">
                         <a:ln>
                           <a:noFill/>
                         </a:ln>
@@ -17079,7 +17092,7 @@
                     <a:p>
                       <a:pPr algn="ctr"/>
                       <a:r>
-                        <a:rPr lang="en-US" sz="1100" i="0" dirty="0">
+                        <a:rPr lang="en-US" sz="1100" i="0">
                           <a:solidFill>
                             <a:schemeClr val="tx1"/>
                           </a:solidFill>
@@ -17088,7 +17101,7 @@
                         <a:t> </a:t>
                       </a:r>
                       <a:r>
-                        <a:rPr lang="en-US" sz="1100" i="0" baseline="30000" dirty="0">
+                        <a:rPr lang="en-US" sz="1100" i="0" baseline="30000">
                           <a:solidFill>
                             <a:schemeClr val="tx1"/>
                           </a:solidFill>
@@ -17097,7 +17110,7 @@
                         <a:t>1 </a:t>
                       </a:r>
                       <a:r>
-                        <a:rPr lang="en-US" sz="1100" i="0" dirty="0">
+                        <a:rPr lang="en-US" sz="1100" i="0">
                           <a:solidFill>
                             <a:schemeClr val="tx1"/>
                           </a:solidFill>
@@ -17105,7 +17118,7 @@
                         </a:rPr>
                         <a:t>P2, P3, P4 cases are limited to business hours only in Japan.</a:t>
                       </a:r>
-                      <a:endParaRPr lang="en-US" sz="1100" b="1" i="0" dirty="0">
+                      <a:endParaRPr lang="en-US" sz="1100" b="1" i="0">
                         <a:solidFill>
                           <a:schemeClr val="tx1"/>
                         </a:solidFill>
@@ -17166,7 +17179,7 @@
                     <a:bodyPr/>
                     <a:lstStyle/>
                     <a:p>
-                      <a:endParaRPr lang="en-US" sz="1100" dirty="0">
+                      <a:endParaRPr lang="en-US" sz="1100">
                         <a:solidFill>
                           <a:schemeClr val="tx1"/>
                         </a:solidFill>
@@ -17227,7 +17240,7 @@
                     <a:bodyPr/>
                     <a:lstStyle/>
                     <a:p>
-                      <a:endParaRPr lang="en-US" sz="1100" dirty="0">
+                      <a:endParaRPr lang="en-US" sz="1100">
                         <a:solidFill>
                           <a:schemeClr val="tx1"/>
                         </a:solidFill>
@@ -17288,7 +17301,7 @@
                     <a:bodyPr/>
                     <a:lstStyle/>
                     <a:p>
-                      <a:endParaRPr lang="en-US" sz="1100" dirty="0">
+                      <a:endParaRPr lang="en-US" sz="1100">
                         <a:solidFill>
                           <a:schemeClr val="tx1"/>
                         </a:solidFill>
@@ -17474,7 +17487,7 @@
               </a:spcBef>
             </a:pPr>
             <a:r>
-              <a:rPr sz="1200" b="1" spc="-15" dirty="0">
+              <a:rPr sz="1200" b="1" spc="-15">
                 <a:solidFill>
                   <a:srgbClr val="FFFFFF"/>
                 </a:solidFill>
@@ -17484,7 +17497,7 @@
               <a:t>U</a:t>
             </a:r>
             <a:r>
-              <a:rPr sz="1200" b="1" spc="-20" dirty="0">
+              <a:rPr sz="1200" b="1" spc="-20">
                 <a:solidFill>
                   <a:srgbClr val="FFFFFF"/>
                 </a:solidFill>
@@ -17494,7 +17507,7 @@
               <a:t>n</a:t>
             </a:r>
             <a:r>
-              <a:rPr sz="1200" b="1" spc="-25" dirty="0">
+              <a:rPr sz="1200" b="1" spc="-25">
                 <a:solidFill>
                   <a:srgbClr val="FFFFFF"/>
                 </a:solidFill>
@@ -17504,7 +17517,7 @@
               <a:t>p</a:t>
             </a:r>
             <a:r>
-              <a:rPr sz="1200" b="1" spc="-15" dirty="0">
+              <a:rPr sz="1200" b="1" spc="-15">
                 <a:solidFill>
                   <a:srgbClr val="FFFFFF"/>
                 </a:solidFill>
@@ -17514,7 +17527,7 @@
               <a:t>a</a:t>
             </a:r>
             <a:r>
-              <a:rPr sz="1200" b="1" spc="-25" dirty="0">
+              <a:rPr sz="1200" b="1" spc="-25">
                 <a:solidFill>
                   <a:srgbClr val="FFFFFF"/>
                 </a:solidFill>
@@ -17524,7 +17537,7 @@
               <a:t>r</a:t>
             </a:r>
             <a:r>
-              <a:rPr sz="1200" b="1" spc="-15" dirty="0">
+              <a:rPr sz="1200" b="1" spc="-15">
                 <a:solidFill>
                   <a:srgbClr val="FFFFFF"/>
                 </a:solidFill>
@@ -17534,7 +17547,7 @@
               <a:t>a</a:t>
             </a:r>
             <a:r>
-              <a:rPr sz="1200" b="1" spc="-30" dirty="0">
+              <a:rPr sz="1200" b="1" spc="-30">
                 <a:solidFill>
                   <a:srgbClr val="FFFFFF"/>
                 </a:solidFill>
@@ -17544,7 +17557,7 @@
               <a:t>ll</a:t>
             </a:r>
             <a:r>
-              <a:rPr sz="1200" b="1" spc="-25" dirty="0">
+              <a:rPr sz="1200" b="1" spc="-25">
                 <a:solidFill>
                   <a:srgbClr val="FFFFFF"/>
                 </a:solidFill>
@@ -17554,7 +17567,7 @@
               <a:t>e</a:t>
             </a:r>
             <a:r>
-              <a:rPr sz="1200" b="1" spc="-30" dirty="0">
+              <a:rPr sz="1200" b="1" spc="-30">
                 <a:solidFill>
                   <a:srgbClr val="FFFFFF"/>
                 </a:solidFill>
@@ -17564,7 +17577,7 @@
               <a:t>l</a:t>
             </a:r>
             <a:r>
-              <a:rPr sz="1200" b="1" spc="-25" dirty="0">
+              <a:rPr sz="1200" b="1" spc="-25">
                 <a:solidFill>
                   <a:srgbClr val="FFFFFF"/>
                 </a:solidFill>
@@ -17574,7 +17587,7 @@
               <a:t>e</a:t>
             </a:r>
             <a:r>
-              <a:rPr sz="1200" b="1" dirty="0">
+              <a:rPr sz="1200" b="1">
                 <a:solidFill>
                   <a:srgbClr val="FFFFFF"/>
                 </a:solidFill>
@@ -17584,7 +17597,7 @@
               <a:t>d  </a:t>
             </a:r>
             <a:r>
-              <a:rPr sz="1200" b="1" spc="-25" dirty="0">
+              <a:rPr sz="1200" b="1" spc="-25">
                 <a:solidFill>
                   <a:srgbClr val="FFFFFF"/>
                 </a:solidFill>
@@ -17593,7 +17606,7 @@
               </a:rPr>
               <a:t>Expertise</a:t>
             </a:r>
-            <a:endParaRPr sz="1200" dirty="0">
+            <a:endParaRPr sz="1200">
               <a:latin typeface="Adobe Clean"/>
               <a:cs typeface="Adobe Clean"/>
             </a:endParaRPr>
@@ -17636,7 +17649,7 @@
               </a:spcBef>
             </a:pPr>
             <a:r>
-              <a:rPr lang="en-US" sz="1200" b="1" spc="-15" dirty="0">
+              <a:rPr lang="en-US" sz="1200" b="1" spc="-15">
                 <a:solidFill>
                   <a:srgbClr val="FFFFFF"/>
                 </a:solidFill>
@@ -17645,7 +17658,7 @@
               </a:rPr>
               <a:t>Accelerated Support</a:t>
             </a:r>
-            <a:endParaRPr sz="1200" dirty="0">
+            <a:endParaRPr sz="1200">
               <a:latin typeface="Adobe Clean"/>
               <a:cs typeface="Adobe Clean"/>
             </a:endParaRPr>
@@ -17688,7 +17701,7 @@
               </a:spcBef>
             </a:pPr>
             <a:r>
-              <a:rPr sz="1200" b="1" spc="-50" dirty="0">
+              <a:rPr sz="1200" b="1" spc="-50">
                 <a:solidFill>
                   <a:srgbClr val="FFFFFF"/>
                 </a:solidFill>
@@ -17698,7 +17711,7 @@
               <a:t>S</a:t>
             </a:r>
             <a:r>
-              <a:rPr sz="1200" b="1" spc="-20" dirty="0">
+              <a:rPr sz="1200" b="1" spc="-20">
                 <a:solidFill>
                   <a:srgbClr val="FFFFFF"/>
                 </a:solidFill>
@@ -17708,7 +17721,7 @@
               <a:t>t</a:t>
             </a:r>
             <a:r>
-              <a:rPr sz="1200" b="1" spc="-75" dirty="0">
+              <a:rPr sz="1200" b="1" spc="-75">
                 <a:solidFill>
                   <a:srgbClr val="FFFFFF"/>
                 </a:solidFill>
@@ -17718,7 +17731,7 @@
               <a:t>r</a:t>
             </a:r>
             <a:r>
-              <a:rPr sz="1200" b="1" spc="-90" dirty="0">
+              <a:rPr sz="1200" b="1" spc="-90">
                 <a:solidFill>
                   <a:srgbClr val="FFFFFF"/>
                 </a:solidFill>
@@ -17728,7 +17741,7 @@
               <a:t>a</a:t>
             </a:r>
             <a:r>
-              <a:rPr sz="1200" b="1" spc="-55" dirty="0">
+              <a:rPr sz="1200" b="1" spc="-55">
                 <a:solidFill>
                   <a:srgbClr val="FFFFFF"/>
                 </a:solidFill>
@@ -17738,7 +17751,7 @@
               <a:t>t</a:t>
             </a:r>
             <a:r>
-              <a:rPr sz="1200" b="1" spc="-100" dirty="0">
+              <a:rPr sz="1200" b="1" spc="-100">
                 <a:solidFill>
                   <a:srgbClr val="FFFFFF"/>
                 </a:solidFill>
@@ -17748,7 +17761,7 @@
               <a:t>e</a:t>
             </a:r>
             <a:r>
-              <a:rPr sz="1200" b="1" spc="-80" dirty="0">
+              <a:rPr sz="1200" b="1" spc="-80">
                 <a:solidFill>
                   <a:srgbClr val="FFFFFF"/>
                 </a:solidFill>
@@ -17758,7 +17771,7 @@
               <a:t>g</a:t>
             </a:r>
             <a:r>
-              <a:rPr sz="1200" b="1" spc="-35" dirty="0">
+              <a:rPr sz="1200" b="1" spc="-35">
                 <a:solidFill>
                   <a:srgbClr val="FFFFFF"/>
                 </a:solidFill>
@@ -17768,7 +17781,7 @@
               <a:t>i</a:t>
             </a:r>
             <a:r>
-              <a:rPr sz="1200" b="1" dirty="0">
+              <a:rPr sz="1200" b="1">
                 <a:solidFill>
                   <a:srgbClr val="FFFFFF"/>
                 </a:solidFill>
@@ -17778,7 +17791,7 @@
               <a:t>c  </a:t>
             </a:r>
             <a:r>
-              <a:rPr sz="1200" b="1" spc="-45" dirty="0">
+              <a:rPr sz="1200" b="1" spc="-45">
                 <a:solidFill>
                   <a:srgbClr val="FFFFFF"/>
                 </a:solidFill>
@@ -17787,7 +17800,7 @@
               </a:rPr>
               <a:t>Advice</a:t>
             </a:r>
-            <a:endParaRPr sz="1200" dirty="0">
+            <a:endParaRPr sz="1200">
               <a:latin typeface="Adobe Clean"/>
               <a:cs typeface="Adobe Clean"/>
             </a:endParaRPr>
@@ -17816,7 +17829,7 @@
         </p:nvGraphicFramePr>
         <p:xfrm>
           <a:off x="194236" y="1059345"/>
-          <a:ext cx="7368291" cy="3235960"/>
+          <a:ext cx="7368291" cy="2931160"/>
         </p:xfrm>
         <a:graphic>
           <a:graphicData uri="http://schemas.openxmlformats.org/drawingml/2006/table">
@@ -17847,7 +17860,7 @@
                     <a:lstStyle/>
                     <a:p>
                       <a:r>
-                        <a:rPr lang="en-US" sz="1100" b="0" dirty="0">
+                        <a:rPr lang="en-US" sz="1100" b="0">
                           <a:solidFill>
                             <a:schemeClr val="tx1"/>
                           </a:solidFill>
@@ -17858,7 +17871,7 @@
                         </a:rPr>
                         <a:t>Experience League</a:t>
                       </a:r>
-                      <a:endParaRPr lang="en-US" sz="1100" b="0" dirty="0">
+                      <a:endParaRPr lang="en-US" sz="1100" b="0">
                         <a:solidFill>
                           <a:schemeClr val="tx1"/>
                         </a:solidFill>
@@ -17939,7 +17952,7 @@
                         <a:defRPr/>
                       </a:pPr>
                       <a:r>
-                        <a:rPr lang="en-US" sz="1000" b="0" kern="1200" dirty="0">
+                        <a:rPr lang="en-US" sz="1000" b="0" kern="1200">
                           <a:solidFill>
                             <a:srgbClr val="000000"/>
                           </a:solidFill>
@@ -18029,7 +18042,7 @@
                         <a:defRPr/>
                       </a:pPr>
                       <a:r>
-                        <a:rPr lang="en-US" sz="1100" dirty="0">
+                        <a:rPr lang="en-US" sz="1100">
                           <a:solidFill>
                             <a:schemeClr val="dk1"/>
                           </a:solidFill>
@@ -18042,7 +18055,7 @@
                         <a:t>Training</a:t>
                       </a:r>
                       <a:r>
-                        <a:rPr lang="en-US" sz="1100" dirty="0">
+                        <a:rPr lang="en-US" sz="1100">
                           <a:solidFill>
                             <a:schemeClr val="dk1"/>
                           </a:solidFill>
@@ -18053,7 +18066,7 @@
                         </a:rPr>
                         <a:t> </a:t>
                       </a:r>
-                      <a:endParaRPr lang="en-US" sz="1100" dirty="0">
+                      <a:endParaRPr lang="en-US" sz="1100">
                         <a:solidFill>
                           <a:schemeClr val="tx1"/>
                         </a:solidFill>
@@ -18135,7 +18148,7 @@
                         <a:defRPr/>
                       </a:pPr>
                       <a:r>
-                        <a:rPr lang="en-US" sz="1000" kern="1200" dirty="0">
+                        <a:rPr lang="en-US" sz="1000" kern="1200">
                           <a:solidFill>
                             <a:srgbClr val="000000"/>
                           </a:solidFill>
@@ -18225,7 +18238,7 @@
                         <a:defRPr/>
                       </a:pPr>
                       <a:r>
-                        <a:rPr lang="en-US" sz="1100" dirty="0">
+                        <a:rPr lang="en-US" sz="1100">
                           <a:solidFill>
                             <a:schemeClr val="tx1"/>
                           </a:solidFill>
@@ -18237,7 +18250,7 @@
                         </a:rPr>
                         <a:t>Production Issues &amp; System Outages</a:t>
                       </a:r>
-                      <a:endParaRPr lang="en-US" sz="1100" dirty="0">
+                      <a:endParaRPr lang="en-US" sz="1100">
                         <a:solidFill>
                           <a:schemeClr val="tx1"/>
                         </a:solidFill>
@@ -18319,7 +18332,7 @@
                         <a:defRPr/>
                       </a:pPr>
                       <a:r>
-                        <a:rPr lang="en-US" sz="1000" kern="1200" dirty="0">
+                        <a:rPr lang="en-US" sz="1000" kern="1200">
                           <a:solidFill>
                             <a:srgbClr val="000000"/>
                           </a:solidFill>
@@ -18409,7 +18422,7 @@
                         <a:defRPr/>
                       </a:pPr>
                       <a:r>
-                        <a:rPr lang="en-US" sz="1100" dirty="0">
+                        <a:rPr lang="en-US" sz="1100">
                           <a:solidFill>
                             <a:schemeClr val="tx1"/>
                           </a:solidFill>
@@ -18421,7 +18434,7 @@
                         </a:rPr>
                         <a:t>Terms and Conditions</a:t>
                       </a:r>
-                      <a:endParaRPr lang="en-US" sz="1100" dirty="0">
+                      <a:endParaRPr lang="en-US" sz="1100">
                         <a:solidFill>
                           <a:schemeClr val="tx1"/>
                         </a:solidFill>
@@ -18486,7 +18499,7 @@
                     <a:lstStyle/>
                     <a:p>
                       <a:r>
-                        <a:rPr lang="en-US" sz="1000" kern="1200" dirty="0">
+                        <a:rPr lang="en-US" sz="1000" kern="1200">
                           <a:solidFill>
                             <a:srgbClr val="000000"/>
                           </a:solidFill>
@@ -19265,6 +19278,12 @@
 </file>
 
 <file path=customXml/item1.xml><?xml version="1.0" encoding="utf-8"?>
+<p:properties xmlns:p="http://schemas.microsoft.com/office/2006/metadata/properties" xmlns:xsi="http://www.w3.org/2001/XMLSchema-instance" xmlns:pc="http://schemas.microsoft.com/office/infopath/2007/PartnerControls">
+  <documentManagement/>
+</p:properties>
+</file>
+
+<file path=customXml/item2.xml><?xml version="1.0" encoding="utf-8"?>
 <ct:contentTypeSchema xmlns:ct="http://schemas.microsoft.com/office/2006/metadata/contentType" xmlns:ma="http://schemas.microsoft.com/office/2006/metadata/properties/metaAttributes" ct:_="" ma:_="" ma:contentTypeName="Document" ma:contentTypeID="0x010100E783BF6876BCC646A459363AF21A7736" ma:contentTypeVersion="10" ma:contentTypeDescription="Create a new document." ma:contentTypeScope="" ma:versionID="c4ffda7f4f415767600769e454c2ea87">
   <xsd:schema xmlns:xsd="http://www.w3.org/2001/XMLSchema" xmlns:xs="http://www.w3.org/2001/XMLSchema" xmlns:p="http://schemas.microsoft.com/office/2006/metadata/properties" xmlns:ns2="8a053bff-88be-49e4-9a87-e748e18b8b62" xmlns:ns3="6c8368ec-3776-49b5-a5bb-90648cf9530f" targetNamespace="http://schemas.microsoft.com/office/2006/metadata/properties" ma:root="true" ma:fieldsID="df3ec33bccc23e23bce7bc897fad43d1" ns2:_="" ns3:_="">
     <xsd:import namespace="8a053bff-88be-49e4-9a87-e748e18b8b62"/>
@@ -19469,7 +19488,7 @@
 </ct:contentTypeSchema>
 </file>
 
-<file path=customXml/item2.xml><?xml version="1.0" encoding="utf-8"?>
+<file path=customXml/item3.xml><?xml version="1.0" encoding="utf-8"?>
 <?mso-contentType ?>
 <FormTemplates xmlns="http://schemas.microsoft.com/sharepoint/v3/contenttype/forms">
   <Display>DocumentLibraryForm</Display>
@@ -19478,44 +19497,38 @@
 </FormTemplates>
 </file>
 
-<file path=customXml/item3.xml><?xml version="1.0" encoding="utf-8"?>
-<p:properties xmlns:p="http://schemas.microsoft.com/office/2006/metadata/properties" xmlns:xsi="http://www.w3.org/2001/XMLSchema-instance" xmlns:pc="http://schemas.microsoft.com/office/infopath/2007/PartnerControls">
-  <documentManagement/>
-</p:properties>
-</file>
-
 <file path=customXml/itemProps1.xml><?xml version="1.0" encoding="utf-8"?>
-<ds:datastoreItem xmlns:ds="http://schemas.openxmlformats.org/officeDocument/2006/customXml" ds:itemID="{75C1A8FD-3884-41A0-BE37-D15776C885D1}">
-  <ds:schemaRefs>
-    <ds:schemaRef ds:uri="http://schemas.microsoft.com/office/2006/metadata/contentType"/>
-    <ds:schemaRef ds:uri="http://schemas.microsoft.com/office/2006/metadata/properties/metaAttributes"/>
-    <ds:schemaRef ds:uri="http://www.w3.org/2001/XMLSchema"/>
-    <ds:schemaRef ds:uri="http://schemas.microsoft.com/office/2006/metadata/properties"/>
-    <ds:schemaRef ds:uri="8a053bff-88be-49e4-9a87-e748e18b8b62"/>
-    <ds:schemaRef ds:uri="6c8368ec-3776-49b5-a5bb-90648cf9530f"/>
-    <ds:schemaRef ds:uri="http://schemas.microsoft.com/office/2006/documentManagement/types"/>
-    <ds:schemaRef ds:uri="http://schemas.microsoft.com/office/infopath/2007/PartnerControls"/>
-    <ds:schemaRef ds:uri="http://schemas.openxmlformats.org/package/2006/metadata/core-properties"/>
-    <ds:schemaRef ds:uri="http://purl.org/dc/elements/1.1/"/>
-    <ds:schemaRef ds:uri="http://purl.org/dc/terms/"/>
-    <ds:schemaRef ds:uri="http://schemas.microsoft.com/internal/obd"/>
-  </ds:schemaRefs>
-</ds:datastoreItem>
-</file>
-
-<file path=customXml/itemProps2.xml><?xml version="1.0" encoding="utf-8"?>
-<ds:datastoreItem xmlns:ds="http://schemas.openxmlformats.org/officeDocument/2006/customXml" ds:itemID="{669D9D3B-3229-44EE-9964-24A06AE66887}">
-  <ds:schemaRefs>
-    <ds:schemaRef ds:uri="http://schemas.microsoft.com/sharepoint/v3/contenttype/forms"/>
-  </ds:schemaRefs>
-</ds:datastoreItem>
-</file>
-
-<file path=customXml/itemProps3.xml><?xml version="1.0" encoding="utf-8"?>
 <ds:datastoreItem xmlns:ds="http://schemas.openxmlformats.org/officeDocument/2006/customXml" ds:itemID="{CED41536-010B-47B1-9229-B72BE4090090}">
   <ds:schemaRefs>
     <ds:schemaRef ds:uri="http://schemas.microsoft.com/office/2006/metadata/properties"/>
     <ds:schemaRef ds:uri="http://schemas.microsoft.com/office/infopath/2007/PartnerControls"/>
   </ds:schemaRefs>
 </ds:datastoreItem>
+</file>
+
+<file path=customXml/itemProps2.xml><?xml version="1.0" encoding="utf-8"?>
+<ds:datastoreItem xmlns:ds="http://schemas.openxmlformats.org/officeDocument/2006/customXml" ds:itemID="{75C1A8FD-3884-41A0-BE37-D15776C885D1}">
+  <ds:schemaRefs>
+    <ds:schemaRef ds:uri="6c8368ec-3776-49b5-a5bb-90648cf9530f"/>
+    <ds:schemaRef ds:uri="8a053bff-88be-49e4-9a87-e748e18b8b62"/>
+    <ds:schemaRef ds:uri="http://purl.org/dc/elements/1.1/"/>
+    <ds:schemaRef ds:uri="http://purl.org/dc/terms/"/>
+    <ds:schemaRef ds:uri="http://schemas.microsoft.com/internal/obd"/>
+    <ds:schemaRef ds:uri="http://schemas.microsoft.com/office/2006/documentManagement/types"/>
+    <ds:schemaRef ds:uri="http://schemas.microsoft.com/office/2006/metadata/contentType"/>
+    <ds:schemaRef ds:uri="http://schemas.microsoft.com/office/2006/metadata/properties"/>
+    <ds:schemaRef ds:uri="http://schemas.microsoft.com/office/2006/metadata/properties/metaAttributes"/>
+    <ds:schemaRef ds:uri="http://schemas.microsoft.com/office/infopath/2007/PartnerControls"/>
+    <ds:schemaRef ds:uri="http://schemas.openxmlformats.org/package/2006/metadata/core-properties"/>
+    <ds:schemaRef ds:uri="http://www.w3.org/2001/XMLSchema"/>
+  </ds:schemaRefs>
+</ds:datastoreItem>
+</file>
+
+<file path=customXml/itemProps3.xml><?xml version="1.0" encoding="utf-8"?>
+<ds:datastoreItem xmlns:ds="http://schemas.openxmlformats.org/officeDocument/2006/customXml" ds:itemID="{669D9D3B-3229-44EE-9964-24A06AE66887}">
+  <ds:schemaRefs>
+    <ds:schemaRef ds:uri="http://schemas.microsoft.com/sharepoint/v3/contenttype/forms"/>
+  </ds:schemaRefs>
+</ds:datastoreItem>
 </file>